--- a/test_net/Assets/User/Shibatsuzi/image/Stage/Map/Ending.pptx
+++ b/test_net/Assets/User/Shibatsuzi/image/Stage/Map/Ending.pptx
@@ -104,6 +104,11 @@
       </a:defRPr>
     </a:lvl9pPr>
   </p:defaultTextStyle>
+  <p:extLst>
+    <p:ext uri="{EFAFB233-063F-42B5-8137-9DF3F51BA10A}">
+      <p15:sldGuideLst xmlns:p15="http://schemas.microsoft.com/office/powerpoint/2012/main"/>
+    </p:ext>
+  </p:extLst>
 </p:presentation>
 </file>
 
@@ -254,7 +259,7 @@
           <a:p>
             <a:fld id="{7AA357A6-0792-438F-BA9D-1A1686D92782}" type="datetimeFigureOut">
               <a:rPr kumimoji="1" lang="ja-JP" altLang="en-US" smtClean="0"/>
-              <a:t>2023/11/24</a:t>
+              <a:t>2023/11/27</a:t>
             </a:fld>
             <a:endParaRPr kumimoji="1" lang="ja-JP" altLang="en-US"/>
           </a:p>
@@ -484,7 +489,7 @@
           <a:p>
             <a:fld id="{7AA357A6-0792-438F-BA9D-1A1686D92782}" type="datetimeFigureOut">
               <a:rPr kumimoji="1" lang="ja-JP" altLang="en-US" smtClean="0"/>
-              <a:t>2023/11/24</a:t>
+              <a:t>2023/11/27</a:t>
             </a:fld>
             <a:endParaRPr kumimoji="1" lang="ja-JP" altLang="en-US"/>
           </a:p>
@@ -724,7 +729,7 @@
           <a:p>
             <a:fld id="{7AA357A6-0792-438F-BA9D-1A1686D92782}" type="datetimeFigureOut">
               <a:rPr kumimoji="1" lang="ja-JP" altLang="en-US" smtClean="0"/>
-              <a:t>2023/11/24</a:t>
+              <a:t>2023/11/27</a:t>
             </a:fld>
             <a:endParaRPr kumimoji="1" lang="ja-JP" altLang="en-US"/>
           </a:p>
@@ -954,7 +959,7 @@
           <a:p>
             <a:fld id="{7AA357A6-0792-438F-BA9D-1A1686D92782}" type="datetimeFigureOut">
               <a:rPr kumimoji="1" lang="ja-JP" altLang="en-US" smtClean="0"/>
-              <a:t>2023/11/24</a:t>
+              <a:t>2023/11/27</a:t>
             </a:fld>
             <a:endParaRPr kumimoji="1" lang="ja-JP" altLang="en-US"/>
           </a:p>
@@ -1229,7 +1234,7 @@
           <a:p>
             <a:fld id="{7AA357A6-0792-438F-BA9D-1A1686D92782}" type="datetimeFigureOut">
               <a:rPr kumimoji="1" lang="ja-JP" altLang="en-US" smtClean="0"/>
-              <a:t>2023/11/24</a:t>
+              <a:t>2023/11/27</a:t>
             </a:fld>
             <a:endParaRPr kumimoji="1" lang="ja-JP" altLang="en-US"/>
           </a:p>
@@ -1558,7 +1563,7 @@
           <a:p>
             <a:fld id="{7AA357A6-0792-438F-BA9D-1A1686D92782}" type="datetimeFigureOut">
               <a:rPr kumimoji="1" lang="ja-JP" altLang="en-US" smtClean="0"/>
-              <a:t>2023/11/24</a:t>
+              <a:t>2023/11/27</a:t>
             </a:fld>
             <a:endParaRPr kumimoji="1" lang="ja-JP" altLang="en-US"/>
           </a:p>
@@ -2034,7 +2039,7 @@
           <a:p>
             <a:fld id="{7AA357A6-0792-438F-BA9D-1A1686D92782}" type="datetimeFigureOut">
               <a:rPr kumimoji="1" lang="ja-JP" altLang="en-US" smtClean="0"/>
-              <a:t>2023/11/24</a:t>
+              <a:t>2023/11/27</a:t>
             </a:fld>
             <a:endParaRPr kumimoji="1" lang="ja-JP" altLang="en-US"/>
           </a:p>
@@ -2175,7 +2180,7 @@
           <a:p>
             <a:fld id="{7AA357A6-0792-438F-BA9D-1A1686D92782}" type="datetimeFigureOut">
               <a:rPr kumimoji="1" lang="ja-JP" altLang="en-US" smtClean="0"/>
-              <a:t>2023/11/24</a:t>
+              <a:t>2023/11/27</a:t>
             </a:fld>
             <a:endParaRPr kumimoji="1" lang="ja-JP" altLang="en-US"/>
           </a:p>
@@ -2288,7 +2293,7 @@
           <a:p>
             <a:fld id="{7AA357A6-0792-438F-BA9D-1A1686D92782}" type="datetimeFigureOut">
               <a:rPr kumimoji="1" lang="ja-JP" altLang="en-US" smtClean="0"/>
-              <a:t>2023/11/24</a:t>
+              <a:t>2023/11/27</a:t>
             </a:fld>
             <a:endParaRPr kumimoji="1" lang="ja-JP" altLang="en-US"/>
           </a:p>
@@ -2631,7 +2636,7 @@
           <a:p>
             <a:fld id="{7AA357A6-0792-438F-BA9D-1A1686D92782}" type="datetimeFigureOut">
               <a:rPr kumimoji="1" lang="ja-JP" altLang="en-US" smtClean="0"/>
-              <a:t>2023/11/24</a:t>
+              <a:t>2023/11/27</a:t>
             </a:fld>
             <a:endParaRPr kumimoji="1" lang="ja-JP" altLang="en-US"/>
           </a:p>
@@ -2919,7 +2924,7 @@
           <a:p>
             <a:fld id="{7AA357A6-0792-438F-BA9D-1A1686D92782}" type="datetimeFigureOut">
               <a:rPr kumimoji="1" lang="ja-JP" altLang="en-US" smtClean="0"/>
-              <a:t>2023/11/24</a:t>
+              <a:t>2023/11/27</a:t>
             </a:fld>
             <a:endParaRPr kumimoji="1" lang="ja-JP" altLang="en-US"/>
           </a:p>
@@ -3192,7 +3197,7 @@
           <a:p>
             <a:fld id="{7AA357A6-0792-438F-BA9D-1A1686D92782}" type="datetimeFigureOut">
               <a:rPr kumimoji="1" lang="ja-JP" altLang="en-US" smtClean="0"/>
-              <a:t>2023/11/24</a:t>
+              <a:t>2023/11/27</a:t>
             </a:fld>
             <a:endParaRPr kumimoji="1" lang="ja-JP" altLang="en-US"/>
           </a:p>
@@ -3695,10 +3700,10 @@
         </p:nvGrpSpPr>
         <p:grpSpPr>
           <a:xfrm>
-            <a:off x="3735801" y="4335972"/>
-            <a:ext cx="4720397" cy="1526901"/>
+            <a:off x="3735801" y="4335973"/>
+            <a:ext cx="4720397" cy="1526900"/>
             <a:chOff x="3916172" y="4546703"/>
-            <a:chExt cx="3790757" cy="1226192"/>
+            <a:chExt cx="3790757" cy="1226191"/>
           </a:xfrm>
         </p:grpSpPr>
         <p:pic>
@@ -3729,7 +3734,7 @@
           </p:blipFill>
           <p:spPr>
             <a:xfrm rot="21213995">
-              <a:off x="6487559" y="4553525"/>
+              <a:off x="6487559" y="4553524"/>
               <a:ext cx="1219370" cy="1219370"/>
             </a:xfrm>
             <a:prstGeom prst="rect">
@@ -3765,7 +3770,7 @@
           </p:blipFill>
           <p:spPr>
             <a:xfrm rot="21245203">
-              <a:off x="3916172" y="4548618"/>
+              <a:off x="3916172" y="4548619"/>
               <a:ext cx="1219370" cy="1219370"/>
             </a:xfrm>
             <a:prstGeom prst="rect">

--- a/test_net/Assets/User/Shibatsuzi/image/Stage/Map/Ending.pptx
+++ b/test_net/Assets/User/Shibatsuzi/image/Stage/Map/Ending.pptx
@@ -5,7 +5,11 @@
     <p:sldMasterId id="2147483648" r:id="rId1"/>
   </p:sldMasterIdLst>
   <p:sldIdLst>
-    <p:sldId id="257" r:id="rId2"/>
+    <p:sldId id="261" r:id="rId2"/>
+    <p:sldId id="258" r:id="rId3"/>
+    <p:sldId id="259" r:id="rId4"/>
+    <p:sldId id="260" r:id="rId5"/>
+    <p:sldId id="257" r:id="rId6"/>
   </p:sldIdLst>
   <p:sldSz cx="12192000" cy="6858000"/>
   <p:notesSz cx="6858000" cy="9144000"/>
@@ -259,7 +263,7 @@
           <a:p>
             <a:fld id="{7AA357A6-0792-438F-BA9D-1A1686D92782}" type="datetimeFigureOut">
               <a:rPr kumimoji="1" lang="ja-JP" altLang="en-US" smtClean="0"/>
-              <a:t>2023/11/27</a:t>
+              <a:t>2023/11/30</a:t>
             </a:fld>
             <a:endParaRPr kumimoji="1" lang="ja-JP" altLang="en-US"/>
           </a:p>
@@ -489,7 +493,7 @@
           <a:p>
             <a:fld id="{7AA357A6-0792-438F-BA9D-1A1686D92782}" type="datetimeFigureOut">
               <a:rPr kumimoji="1" lang="ja-JP" altLang="en-US" smtClean="0"/>
-              <a:t>2023/11/27</a:t>
+              <a:t>2023/11/30</a:t>
             </a:fld>
             <a:endParaRPr kumimoji="1" lang="ja-JP" altLang="en-US"/>
           </a:p>
@@ -729,7 +733,7 @@
           <a:p>
             <a:fld id="{7AA357A6-0792-438F-BA9D-1A1686D92782}" type="datetimeFigureOut">
               <a:rPr kumimoji="1" lang="ja-JP" altLang="en-US" smtClean="0"/>
-              <a:t>2023/11/27</a:t>
+              <a:t>2023/11/30</a:t>
             </a:fld>
             <a:endParaRPr kumimoji="1" lang="ja-JP" altLang="en-US"/>
           </a:p>
@@ -959,7 +963,7 @@
           <a:p>
             <a:fld id="{7AA357A6-0792-438F-BA9D-1A1686D92782}" type="datetimeFigureOut">
               <a:rPr kumimoji="1" lang="ja-JP" altLang="en-US" smtClean="0"/>
-              <a:t>2023/11/27</a:t>
+              <a:t>2023/11/30</a:t>
             </a:fld>
             <a:endParaRPr kumimoji="1" lang="ja-JP" altLang="en-US"/>
           </a:p>
@@ -1234,7 +1238,7 @@
           <a:p>
             <a:fld id="{7AA357A6-0792-438F-BA9D-1A1686D92782}" type="datetimeFigureOut">
               <a:rPr kumimoji="1" lang="ja-JP" altLang="en-US" smtClean="0"/>
-              <a:t>2023/11/27</a:t>
+              <a:t>2023/11/30</a:t>
             </a:fld>
             <a:endParaRPr kumimoji="1" lang="ja-JP" altLang="en-US"/>
           </a:p>
@@ -1563,7 +1567,7 @@
           <a:p>
             <a:fld id="{7AA357A6-0792-438F-BA9D-1A1686D92782}" type="datetimeFigureOut">
               <a:rPr kumimoji="1" lang="ja-JP" altLang="en-US" smtClean="0"/>
-              <a:t>2023/11/27</a:t>
+              <a:t>2023/11/30</a:t>
             </a:fld>
             <a:endParaRPr kumimoji="1" lang="ja-JP" altLang="en-US"/>
           </a:p>
@@ -2039,7 +2043,7 @@
           <a:p>
             <a:fld id="{7AA357A6-0792-438F-BA9D-1A1686D92782}" type="datetimeFigureOut">
               <a:rPr kumimoji="1" lang="ja-JP" altLang="en-US" smtClean="0"/>
-              <a:t>2023/11/27</a:t>
+              <a:t>2023/11/30</a:t>
             </a:fld>
             <a:endParaRPr kumimoji="1" lang="ja-JP" altLang="en-US"/>
           </a:p>
@@ -2180,7 +2184,7 @@
           <a:p>
             <a:fld id="{7AA357A6-0792-438F-BA9D-1A1686D92782}" type="datetimeFigureOut">
               <a:rPr kumimoji="1" lang="ja-JP" altLang="en-US" smtClean="0"/>
-              <a:t>2023/11/27</a:t>
+              <a:t>2023/11/30</a:t>
             </a:fld>
             <a:endParaRPr kumimoji="1" lang="ja-JP" altLang="en-US"/>
           </a:p>
@@ -2293,7 +2297,7 @@
           <a:p>
             <a:fld id="{7AA357A6-0792-438F-BA9D-1A1686D92782}" type="datetimeFigureOut">
               <a:rPr kumimoji="1" lang="ja-JP" altLang="en-US" smtClean="0"/>
-              <a:t>2023/11/27</a:t>
+              <a:t>2023/11/30</a:t>
             </a:fld>
             <a:endParaRPr kumimoji="1" lang="ja-JP" altLang="en-US"/>
           </a:p>
@@ -2636,7 +2640,7 @@
           <a:p>
             <a:fld id="{7AA357A6-0792-438F-BA9D-1A1686D92782}" type="datetimeFigureOut">
               <a:rPr kumimoji="1" lang="ja-JP" altLang="en-US" smtClean="0"/>
-              <a:t>2023/11/27</a:t>
+              <a:t>2023/11/30</a:t>
             </a:fld>
             <a:endParaRPr kumimoji="1" lang="ja-JP" altLang="en-US"/>
           </a:p>
@@ -2924,7 +2928,7 @@
           <a:p>
             <a:fld id="{7AA357A6-0792-438F-BA9D-1A1686D92782}" type="datetimeFigureOut">
               <a:rPr kumimoji="1" lang="ja-JP" altLang="en-US" smtClean="0"/>
-              <a:t>2023/11/27</a:t>
+              <a:t>2023/11/30</a:t>
             </a:fld>
             <a:endParaRPr kumimoji="1" lang="ja-JP" altLang="en-US"/>
           </a:p>
@@ -3197,7 +3201,7 @@
           <a:p>
             <a:fld id="{7AA357A6-0792-438F-BA9D-1A1686D92782}" type="datetimeFigureOut">
               <a:rPr kumimoji="1" lang="ja-JP" altLang="en-US" smtClean="0"/>
-              <a:t>2023/11/27</a:t>
+              <a:t>2023/11/30</a:t>
             </a:fld>
             <a:endParaRPr kumimoji="1" lang="ja-JP" altLang="en-US"/>
           </a:p>
@@ -3616,6 +3620,3532 @@
       </p:grpSpPr>
       <p:pic>
         <p:nvPicPr>
+          <p:cNvPr id="2" name="図 1"/>
+          <p:cNvPicPr>
+            <a:picLocks noChangeAspect="1"/>
+          </p:cNvPicPr>
+          <p:nvPr/>
+        </p:nvPicPr>
+        <p:blipFill>
+          <a:blip r:embed="rId2">
+            <a:duotone>
+              <a:prstClr val="black"/>
+              <a:srgbClr val="663300">
+                <a:tint val="45000"/>
+                <a:satMod val="400000"/>
+              </a:srgbClr>
+            </a:duotone>
+            <a:extLst>
+              <a:ext uri="{BEBA8EAE-BF5A-486C-A8C5-ECC9F3942E4B}">
+                <a14:imgProps xmlns:a14="http://schemas.microsoft.com/office/drawing/2010/main">
+                  <a14:imgLayer r:embed="rId3">
+                    <a14:imgEffect>
+                      <a14:brightnessContrast bright="-40000" contrast="-40000"/>
+                    </a14:imgEffect>
+                  </a14:imgLayer>
+                </a14:imgProps>
+              </a:ext>
+              <a:ext uri="{28A0092B-C50C-407E-A947-70E740481C1C}">
+                <a14:useLocalDpi xmlns:a14="http://schemas.microsoft.com/office/drawing/2010/main" val="0"/>
+              </a:ext>
+            </a:extLst>
+          </a:blip>
+          <a:stretch>
+            <a:fillRect/>
+          </a:stretch>
+        </p:blipFill>
+        <p:spPr>
+          <a:xfrm>
+            <a:off x="0" y="0"/>
+            <a:ext cx="12192000" cy="6858000"/>
+          </a:xfrm>
+          <a:prstGeom prst="rect">
+            <a:avLst/>
+          </a:prstGeom>
+          <a:noFill/>
+        </p:spPr>
+      </p:pic>
+      <p:grpSp>
+        <p:nvGrpSpPr>
+          <p:cNvPr id="27" name="グループ化 26"/>
+          <p:cNvGrpSpPr/>
+          <p:nvPr/>
+        </p:nvGrpSpPr>
+        <p:grpSpPr>
+          <a:xfrm>
+            <a:off x="0" y="5386647"/>
+            <a:ext cx="12192001" cy="889462"/>
+            <a:chOff x="-1" y="5763327"/>
+            <a:chExt cx="11872895" cy="1094673"/>
+          </a:xfrm>
+        </p:grpSpPr>
+        <p:grpSp>
+          <p:nvGrpSpPr>
+            <p:cNvPr id="5" name="グループ化 4"/>
+            <p:cNvGrpSpPr/>
+            <p:nvPr/>
+          </p:nvGrpSpPr>
+          <p:grpSpPr>
+            <a:xfrm>
+              <a:off x="-1" y="5763327"/>
+              <a:ext cx="1504950" cy="1094673"/>
+              <a:chOff x="-1" y="5763327"/>
+              <a:chExt cx="1504950" cy="1094673"/>
+            </a:xfrm>
+          </p:grpSpPr>
+          <p:pic>
+            <p:nvPicPr>
+              <p:cNvPr id="3" name="図 2"/>
+              <p:cNvPicPr>
+                <a:picLocks noChangeAspect="1"/>
+              </p:cNvPicPr>
+              <p:nvPr/>
+            </p:nvPicPr>
+            <p:blipFill rotWithShape="1">
+              <a:blip r:embed="rId4">
+                <a:extLst>
+                  <a:ext uri="{28A0092B-C50C-407E-A947-70E740481C1C}">
+                    <a14:useLocalDpi xmlns:a14="http://schemas.microsoft.com/office/drawing/2010/main" val="0"/>
+                  </a:ext>
+                </a:extLst>
+              </a:blip>
+              <a:srcRect l="755" t="32326" r="47" b="30864"/>
+              <a:stretch/>
+            </p:blipFill>
+            <p:spPr>
+              <a:xfrm>
+                <a:off x="0" y="5763327"/>
+                <a:ext cx="1504949" cy="558449"/>
+              </a:xfrm>
+              <a:prstGeom prst="rect">
+                <a:avLst/>
+              </a:prstGeom>
+            </p:spPr>
+          </p:pic>
+          <p:pic>
+            <p:nvPicPr>
+              <p:cNvPr id="4" name="図 3"/>
+              <p:cNvPicPr>
+                <a:picLocks noChangeAspect="1"/>
+              </p:cNvPicPr>
+              <p:nvPr/>
+            </p:nvPicPr>
+            <p:blipFill rotWithShape="1">
+              <a:blip r:embed="rId4">
+                <a:extLst>
+                  <a:ext uri="{28A0092B-C50C-407E-A947-70E740481C1C}">
+                    <a14:useLocalDpi xmlns:a14="http://schemas.microsoft.com/office/drawing/2010/main" val="0"/>
+                  </a:ext>
+                </a:extLst>
+              </a:blip>
+              <a:srcRect l="755" t="32326" r="47" b="30864"/>
+              <a:stretch/>
+            </p:blipFill>
+            <p:spPr>
+              <a:xfrm>
+                <a:off x="-1" y="6299551"/>
+                <a:ext cx="1504949" cy="558449"/>
+              </a:xfrm>
+              <a:prstGeom prst="rect">
+                <a:avLst/>
+              </a:prstGeom>
+            </p:spPr>
+          </p:pic>
+        </p:grpSp>
+        <p:grpSp>
+          <p:nvGrpSpPr>
+            <p:cNvPr id="6" name="グループ化 5"/>
+            <p:cNvGrpSpPr/>
+            <p:nvPr/>
+          </p:nvGrpSpPr>
+          <p:grpSpPr>
+            <a:xfrm>
+              <a:off x="1481135" y="5763327"/>
+              <a:ext cx="1504950" cy="1094673"/>
+              <a:chOff x="-1" y="5763327"/>
+              <a:chExt cx="1504950" cy="1094673"/>
+            </a:xfrm>
+          </p:grpSpPr>
+          <p:pic>
+            <p:nvPicPr>
+              <p:cNvPr id="7" name="図 6"/>
+              <p:cNvPicPr>
+                <a:picLocks noChangeAspect="1"/>
+              </p:cNvPicPr>
+              <p:nvPr/>
+            </p:nvPicPr>
+            <p:blipFill rotWithShape="1">
+              <a:blip r:embed="rId4">
+                <a:extLst>
+                  <a:ext uri="{28A0092B-C50C-407E-A947-70E740481C1C}">
+                    <a14:useLocalDpi xmlns:a14="http://schemas.microsoft.com/office/drawing/2010/main" val="0"/>
+                  </a:ext>
+                </a:extLst>
+              </a:blip>
+              <a:srcRect l="755" t="32326" r="47" b="30864"/>
+              <a:stretch/>
+            </p:blipFill>
+            <p:spPr>
+              <a:xfrm>
+                <a:off x="0" y="5763327"/>
+                <a:ext cx="1504949" cy="558449"/>
+              </a:xfrm>
+              <a:prstGeom prst="rect">
+                <a:avLst/>
+              </a:prstGeom>
+            </p:spPr>
+          </p:pic>
+          <p:pic>
+            <p:nvPicPr>
+              <p:cNvPr id="8" name="図 7"/>
+              <p:cNvPicPr>
+                <a:picLocks noChangeAspect="1"/>
+              </p:cNvPicPr>
+              <p:nvPr/>
+            </p:nvPicPr>
+            <p:blipFill rotWithShape="1">
+              <a:blip r:embed="rId4">
+                <a:extLst>
+                  <a:ext uri="{28A0092B-C50C-407E-A947-70E740481C1C}">
+                    <a14:useLocalDpi xmlns:a14="http://schemas.microsoft.com/office/drawing/2010/main" val="0"/>
+                  </a:ext>
+                </a:extLst>
+              </a:blip>
+              <a:srcRect l="755" t="32326" r="47" b="30864"/>
+              <a:stretch/>
+            </p:blipFill>
+            <p:spPr>
+              <a:xfrm>
+                <a:off x="-1" y="6299551"/>
+                <a:ext cx="1504949" cy="558449"/>
+              </a:xfrm>
+              <a:prstGeom prst="rect">
+                <a:avLst/>
+              </a:prstGeom>
+            </p:spPr>
+          </p:pic>
+        </p:grpSp>
+        <p:grpSp>
+          <p:nvGrpSpPr>
+            <p:cNvPr id="9" name="グループ化 8"/>
+            <p:cNvGrpSpPr/>
+            <p:nvPr/>
+          </p:nvGrpSpPr>
+          <p:grpSpPr>
+            <a:xfrm>
+              <a:off x="2962269" y="5763327"/>
+              <a:ext cx="1504950" cy="1094673"/>
+              <a:chOff x="-1" y="5763327"/>
+              <a:chExt cx="1504950" cy="1094673"/>
+            </a:xfrm>
+          </p:grpSpPr>
+          <p:pic>
+            <p:nvPicPr>
+              <p:cNvPr id="10" name="図 9"/>
+              <p:cNvPicPr>
+                <a:picLocks noChangeAspect="1"/>
+              </p:cNvPicPr>
+              <p:nvPr/>
+            </p:nvPicPr>
+            <p:blipFill rotWithShape="1">
+              <a:blip r:embed="rId4">
+                <a:extLst>
+                  <a:ext uri="{28A0092B-C50C-407E-A947-70E740481C1C}">
+                    <a14:useLocalDpi xmlns:a14="http://schemas.microsoft.com/office/drawing/2010/main" val="0"/>
+                  </a:ext>
+                </a:extLst>
+              </a:blip>
+              <a:srcRect l="755" t="32326" r="47" b="30864"/>
+              <a:stretch/>
+            </p:blipFill>
+            <p:spPr>
+              <a:xfrm>
+                <a:off x="0" y="5763327"/>
+                <a:ext cx="1504949" cy="558449"/>
+              </a:xfrm>
+              <a:prstGeom prst="rect">
+                <a:avLst/>
+              </a:prstGeom>
+            </p:spPr>
+          </p:pic>
+          <p:pic>
+            <p:nvPicPr>
+              <p:cNvPr id="11" name="図 10"/>
+              <p:cNvPicPr>
+                <a:picLocks noChangeAspect="1"/>
+              </p:cNvPicPr>
+              <p:nvPr/>
+            </p:nvPicPr>
+            <p:blipFill rotWithShape="1">
+              <a:blip r:embed="rId4">
+                <a:extLst>
+                  <a:ext uri="{28A0092B-C50C-407E-A947-70E740481C1C}">
+                    <a14:useLocalDpi xmlns:a14="http://schemas.microsoft.com/office/drawing/2010/main" val="0"/>
+                  </a:ext>
+                </a:extLst>
+              </a:blip>
+              <a:srcRect l="755" t="32326" r="47" b="30864"/>
+              <a:stretch/>
+            </p:blipFill>
+            <p:spPr>
+              <a:xfrm>
+                <a:off x="-1" y="6299551"/>
+                <a:ext cx="1504949" cy="558449"/>
+              </a:xfrm>
+              <a:prstGeom prst="rect">
+                <a:avLst/>
+              </a:prstGeom>
+            </p:spPr>
+          </p:pic>
+        </p:grpSp>
+        <p:grpSp>
+          <p:nvGrpSpPr>
+            <p:cNvPr id="12" name="グループ化 11"/>
+            <p:cNvGrpSpPr/>
+            <p:nvPr/>
+          </p:nvGrpSpPr>
+          <p:grpSpPr>
+            <a:xfrm>
+              <a:off x="4443405" y="5763327"/>
+              <a:ext cx="1504950" cy="1094673"/>
+              <a:chOff x="-1" y="5763327"/>
+              <a:chExt cx="1504950" cy="1094673"/>
+            </a:xfrm>
+          </p:grpSpPr>
+          <p:pic>
+            <p:nvPicPr>
+              <p:cNvPr id="13" name="図 12"/>
+              <p:cNvPicPr>
+                <a:picLocks noChangeAspect="1"/>
+              </p:cNvPicPr>
+              <p:nvPr/>
+            </p:nvPicPr>
+            <p:blipFill rotWithShape="1">
+              <a:blip r:embed="rId4">
+                <a:extLst>
+                  <a:ext uri="{28A0092B-C50C-407E-A947-70E740481C1C}">
+                    <a14:useLocalDpi xmlns:a14="http://schemas.microsoft.com/office/drawing/2010/main" val="0"/>
+                  </a:ext>
+                </a:extLst>
+              </a:blip>
+              <a:srcRect l="755" t="32326" r="47" b="30864"/>
+              <a:stretch/>
+            </p:blipFill>
+            <p:spPr>
+              <a:xfrm>
+                <a:off x="0" y="5763327"/>
+                <a:ext cx="1504949" cy="558449"/>
+              </a:xfrm>
+              <a:prstGeom prst="rect">
+                <a:avLst/>
+              </a:prstGeom>
+            </p:spPr>
+          </p:pic>
+          <p:pic>
+            <p:nvPicPr>
+              <p:cNvPr id="14" name="図 13"/>
+              <p:cNvPicPr>
+                <a:picLocks noChangeAspect="1"/>
+              </p:cNvPicPr>
+              <p:nvPr/>
+            </p:nvPicPr>
+            <p:blipFill rotWithShape="1">
+              <a:blip r:embed="rId4">
+                <a:extLst>
+                  <a:ext uri="{28A0092B-C50C-407E-A947-70E740481C1C}">
+                    <a14:useLocalDpi xmlns:a14="http://schemas.microsoft.com/office/drawing/2010/main" val="0"/>
+                  </a:ext>
+                </a:extLst>
+              </a:blip>
+              <a:srcRect l="755" t="32326" r="47" b="30864"/>
+              <a:stretch/>
+            </p:blipFill>
+            <p:spPr>
+              <a:xfrm>
+                <a:off x="-1" y="6299551"/>
+                <a:ext cx="1504949" cy="558449"/>
+              </a:xfrm>
+              <a:prstGeom prst="rect">
+                <a:avLst/>
+              </a:prstGeom>
+            </p:spPr>
+          </p:pic>
+        </p:grpSp>
+        <p:grpSp>
+          <p:nvGrpSpPr>
+            <p:cNvPr id="15" name="グループ化 14"/>
+            <p:cNvGrpSpPr/>
+            <p:nvPr/>
+          </p:nvGrpSpPr>
+          <p:grpSpPr>
+            <a:xfrm>
+              <a:off x="5924538" y="5763327"/>
+              <a:ext cx="1504950" cy="1094673"/>
+              <a:chOff x="-1" y="5763327"/>
+              <a:chExt cx="1504950" cy="1094673"/>
+            </a:xfrm>
+          </p:grpSpPr>
+          <p:pic>
+            <p:nvPicPr>
+              <p:cNvPr id="16" name="図 15"/>
+              <p:cNvPicPr>
+                <a:picLocks noChangeAspect="1"/>
+              </p:cNvPicPr>
+              <p:nvPr/>
+            </p:nvPicPr>
+            <p:blipFill rotWithShape="1">
+              <a:blip r:embed="rId4">
+                <a:extLst>
+                  <a:ext uri="{28A0092B-C50C-407E-A947-70E740481C1C}">
+                    <a14:useLocalDpi xmlns:a14="http://schemas.microsoft.com/office/drawing/2010/main" val="0"/>
+                  </a:ext>
+                </a:extLst>
+              </a:blip>
+              <a:srcRect l="755" t="32326" r="47" b="30864"/>
+              <a:stretch/>
+            </p:blipFill>
+            <p:spPr>
+              <a:xfrm>
+                <a:off x="0" y="5763327"/>
+                <a:ext cx="1504949" cy="558449"/>
+              </a:xfrm>
+              <a:prstGeom prst="rect">
+                <a:avLst/>
+              </a:prstGeom>
+            </p:spPr>
+          </p:pic>
+          <p:pic>
+            <p:nvPicPr>
+              <p:cNvPr id="17" name="図 16"/>
+              <p:cNvPicPr>
+                <a:picLocks noChangeAspect="1"/>
+              </p:cNvPicPr>
+              <p:nvPr/>
+            </p:nvPicPr>
+            <p:blipFill rotWithShape="1">
+              <a:blip r:embed="rId4">
+                <a:extLst>
+                  <a:ext uri="{28A0092B-C50C-407E-A947-70E740481C1C}">
+                    <a14:useLocalDpi xmlns:a14="http://schemas.microsoft.com/office/drawing/2010/main" val="0"/>
+                  </a:ext>
+                </a:extLst>
+              </a:blip>
+              <a:srcRect l="755" t="32326" r="47" b="30864"/>
+              <a:stretch/>
+            </p:blipFill>
+            <p:spPr>
+              <a:xfrm>
+                <a:off x="-1" y="6299551"/>
+                <a:ext cx="1504949" cy="558449"/>
+              </a:xfrm>
+              <a:prstGeom prst="rect">
+                <a:avLst/>
+              </a:prstGeom>
+            </p:spPr>
+          </p:pic>
+        </p:grpSp>
+        <p:grpSp>
+          <p:nvGrpSpPr>
+            <p:cNvPr id="18" name="グループ化 17"/>
+            <p:cNvGrpSpPr/>
+            <p:nvPr/>
+          </p:nvGrpSpPr>
+          <p:grpSpPr>
+            <a:xfrm>
+              <a:off x="7405674" y="5763327"/>
+              <a:ext cx="1504950" cy="1094673"/>
+              <a:chOff x="-1" y="5763327"/>
+              <a:chExt cx="1504950" cy="1094673"/>
+            </a:xfrm>
+          </p:grpSpPr>
+          <p:pic>
+            <p:nvPicPr>
+              <p:cNvPr id="19" name="図 18"/>
+              <p:cNvPicPr>
+                <a:picLocks noChangeAspect="1"/>
+              </p:cNvPicPr>
+              <p:nvPr/>
+            </p:nvPicPr>
+            <p:blipFill rotWithShape="1">
+              <a:blip r:embed="rId4">
+                <a:extLst>
+                  <a:ext uri="{28A0092B-C50C-407E-A947-70E740481C1C}">
+                    <a14:useLocalDpi xmlns:a14="http://schemas.microsoft.com/office/drawing/2010/main" val="0"/>
+                  </a:ext>
+                </a:extLst>
+              </a:blip>
+              <a:srcRect l="755" t="32326" r="47" b="30864"/>
+              <a:stretch/>
+            </p:blipFill>
+            <p:spPr>
+              <a:xfrm>
+                <a:off x="0" y="5763327"/>
+                <a:ext cx="1504949" cy="558449"/>
+              </a:xfrm>
+              <a:prstGeom prst="rect">
+                <a:avLst/>
+              </a:prstGeom>
+            </p:spPr>
+          </p:pic>
+          <p:pic>
+            <p:nvPicPr>
+              <p:cNvPr id="20" name="図 19"/>
+              <p:cNvPicPr>
+                <a:picLocks noChangeAspect="1"/>
+              </p:cNvPicPr>
+              <p:nvPr/>
+            </p:nvPicPr>
+            <p:blipFill rotWithShape="1">
+              <a:blip r:embed="rId4">
+                <a:extLst>
+                  <a:ext uri="{28A0092B-C50C-407E-A947-70E740481C1C}">
+                    <a14:useLocalDpi xmlns:a14="http://schemas.microsoft.com/office/drawing/2010/main" val="0"/>
+                  </a:ext>
+                </a:extLst>
+              </a:blip>
+              <a:srcRect l="755" t="32326" r="47" b="30864"/>
+              <a:stretch/>
+            </p:blipFill>
+            <p:spPr>
+              <a:xfrm>
+                <a:off x="-1" y="6299551"/>
+                <a:ext cx="1504949" cy="558449"/>
+              </a:xfrm>
+              <a:prstGeom prst="rect">
+                <a:avLst/>
+              </a:prstGeom>
+            </p:spPr>
+          </p:pic>
+        </p:grpSp>
+        <p:grpSp>
+          <p:nvGrpSpPr>
+            <p:cNvPr id="21" name="グループ化 20"/>
+            <p:cNvGrpSpPr/>
+            <p:nvPr/>
+          </p:nvGrpSpPr>
+          <p:grpSpPr>
+            <a:xfrm>
+              <a:off x="8886808" y="5763327"/>
+              <a:ext cx="1504950" cy="1094673"/>
+              <a:chOff x="-1" y="5763327"/>
+              <a:chExt cx="1504950" cy="1094673"/>
+            </a:xfrm>
+          </p:grpSpPr>
+          <p:pic>
+            <p:nvPicPr>
+              <p:cNvPr id="22" name="図 21"/>
+              <p:cNvPicPr>
+                <a:picLocks noChangeAspect="1"/>
+              </p:cNvPicPr>
+              <p:nvPr/>
+            </p:nvPicPr>
+            <p:blipFill rotWithShape="1">
+              <a:blip r:embed="rId4">
+                <a:extLst>
+                  <a:ext uri="{28A0092B-C50C-407E-A947-70E740481C1C}">
+                    <a14:useLocalDpi xmlns:a14="http://schemas.microsoft.com/office/drawing/2010/main" val="0"/>
+                  </a:ext>
+                </a:extLst>
+              </a:blip>
+              <a:srcRect l="755" t="32326" r="47" b="30864"/>
+              <a:stretch/>
+            </p:blipFill>
+            <p:spPr>
+              <a:xfrm>
+                <a:off x="0" y="5763327"/>
+                <a:ext cx="1504949" cy="558449"/>
+              </a:xfrm>
+              <a:prstGeom prst="rect">
+                <a:avLst/>
+              </a:prstGeom>
+            </p:spPr>
+          </p:pic>
+          <p:pic>
+            <p:nvPicPr>
+              <p:cNvPr id="23" name="図 22"/>
+              <p:cNvPicPr>
+                <a:picLocks noChangeAspect="1"/>
+              </p:cNvPicPr>
+              <p:nvPr/>
+            </p:nvPicPr>
+            <p:blipFill rotWithShape="1">
+              <a:blip r:embed="rId4">
+                <a:extLst>
+                  <a:ext uri="{28A0092B-C50C-407E-A947-70E740481C1C}">
+                    <a14:useLocalDpi xmlns:a14="http://schemas.microsoft.com/office/drawing/2010/main" val="0"/>
+                  </a:ext>
+                </a:extLst>
+              </a:blip>
+              <a:srcRect l="755" t="32326" r="47" b="30864"/>
+              <a:stretch/>
+            </p:blipFill>
+            <p:spPr>
+              <a:xfrm>
+                <a:off x="-1" y="6299551"/>
+                <a:ext cx="1504949" cy="558449"/>
+              </a:xfrm>
+              <a:prstGeom prst="rect">
+                <a:avLst/>
+              </a:prstGeom>
+            </p:spPr>
+          </p:pic>
+        </p:grpSp>
+        <p:grpSp>
+          <p:nvGrpSpPr>
+            <p:cNvPr id="24" name="グループ化 23"/>
+            <p:cNvGrpSpPr/>
+            <p:nvPr/>
+          </p:nvGrpSpPr>
+          <p:grpSpPr>
+            <a:xfrm>
+              <a:off x="10367944" y="5763327"/>
+              <a:ext cx="1504950" cy="1094673"/>
+              <a:chOff x="-1" y="5763327"/>
+              <a:chExt cx="1504950" cy="1094673"/>
+            </a:xfrm>
+          </p:grpSpPr>
+          <p:pic>
+            <p:nvPicPr>
+              <p:cNvPr id="25" name="図 24"/>
+              <p:cNvPicPr>
+                <a:picLocks noChangeAspect="1"/>
+              </p:cNvPicPr>
+              <p:nvPr/>
+            </p:nvPicPr>
+            <p:blipFill rotWithShape="1">
+              <a:blip r:embed="rId4">
+                <a:extLst>
+                  <a:ext uri="{28A0092B-C50C-407E-A947-70E740481C1C}">
+                    <a14:useLocalDpi xmlns:a14="http://schemas.microsoft.com/office/drawing/2010/main" val="0"/>
+                  </a:ext>
+                </a:extLst>
+              </a:blip>
+              <a:srcRect l="755" t="32326" r="47" b="30864"/>
+              <a:stretch/>
+            </p:blipFill>
+            <p:spPr>
+              <a:xfrm>
+                <a:off x="0" y="5763327"/>
+                <a:ext cx="1504949" cy="558449"/>
+              </a:xfrm>
+              <a:prstGeom prst="rect">
+                <a:avLst/>
+              </a:prstGeom>
+            </p:spPr>
+          </p:pic>
+          <p:pic>
+            <p:nvPicPr>
+              <p:cNvPr id="26" name="図 25"/>
+              <p:cNvPicPr>
+                <a:picLocks noChangeAspect="1"/>
+              </p:cNvPicPr>
+              <p:nvPr/>
+            </p:nvPicPr>
+            <p:blipFill rotWithShape="1">
+              <a:blip r:embed="rId4">
+                <a:extLst>
+                  <a:ext uri="{28A0092B-C50C-407E-A947-70E740481C1C}">
+                    <a14:useLocalDpi xmlns:a14="http://schemas.microsoft.com/office/drawing/2010/main" val="0"/>
+                  </a:ext>
+                </a:extLst>
+              </a:blip>
+              <a:srcRect l="755" t="32326" r="47" b="30864"/>
+              <a:stretch/>
+            </p:blipFill>
+            <p:spPr>
+              <a:xfrm>
+                <a:off x="-1" y="6299551"/>
+                <a:ext cx="1504949" cy="558449"/>
+              </a:xfrm>
+              <a:prstGeom prst="rect">
+                <a:avLst/>
+              </a:prstGeom>
+            </p:spPr>
+          </p:pic>
+        </p:grpSp>
+      </p:grpSp>
+      <p:grpSp>
+        <p:nvGrpSpPr>
+          <p:cNvPr id="60" name="グループ化 59"/>
+          <p:cNvGrpSpPr/>
+          <p:nvPr/>
+        </p:nvGrpSpPr>
+        <p:grpSpPr>
+          <a:xfrm>
+            <a:off x="3766653" y="4185773"/>
+            <a:ext cx="1149446" cy="1163871"/>
+            <a:chOff x="3766653" y="4185773"/>
+            <a:chExt cx="1149446" cy="1163871"/>
+          </a:xfrm>
+          <a:effectLst>
+            <a:outerShdw blurRad="63500" sx="102000" sy="102000" algn="ctr" rotWithShape="0">
+              <a:prstClr val="black">
+                <a:alpha val="40000"/>
+              </a:prstClr>
+            </a:outerShdw>
+          </a:effectLst>
+        </p:grpSpPr>
+        <p:sp>
+          <p:nvSpPr>
+            <p:cNvPr id="38" name="正方形/長方形 37"/>
+            <p:cNvSpPr/>
+            <p:nvPr/>
+          </p:nvSpPr>
+          <p:spPr>
+            <a:xfrm rot="20738229">
+              <a:off x="3870502" y="4185773"/>
+              <a:ext cx="1045597" cy="1045599"/>
+            </a:xfrm>
+            <a:prstGeom prst="rect">
+              <a:avLst/>
+            </a:prstGeom>
+            <a:blipFill dpi="0" rotWithShape="1">
+              <a:blip r:embed="rId5">
+                <a:alphaModFix amt="40000"/>
+              </a:blip>
+              <a:srcRect/>
+              <a:stretch>
+                <a:fillRect/>
+              </a:stretch>
+            </a:blipFill>
+            <a:ln>
+              <a:noFill/>
+            </a:ln>
+          </p:spPr>
+          <p:style>
+            <a:lnRef idx="2">
+              <a:schemeClr val="accent1">
+                <a:shade val="50000"/>
+              </a:schemeClr>
+            </a:lnRef>
+            <a:fillRef idx="1">
+              <a:schemeClr val="accent1"/>
+            </a:fillRef>
+            <a:effectRef idx="0">
+              <a:schemeClr val="accent1"/>
+            </a:effectRef>
+            <a:fontRef idx="minor">
+              <a:schemeClr val="lt1"/>
+            </a:fontRef>
+          </p:style>
+          <p:txBody>
+            <a:bodyPr rtlCol="0" anchor="ctr"/>
+            <a:lstStyle/>
+            <a:p>
+              <a:pPr algn="ctr"/>
+              <a:endParaRPr kumimoji="1" lang="ja-JP" altLang="en-US"/>
+            </a:p>
+          </p:txBody>
+        </p:sp>
+        <p:sp>
+          <p:nvSpPr>
+            <p:cNvPr id="42" name="正方形/長方形 41"/>
+            <p:cNvSpPr/>
+            <p:nvPr/>
+          </p:nvSpPr>
+          <p:spPr>
+            <a:xfrm rot="20738229">
+              <a:off x="3766653" y="4304045"/>
+              <a:ext cx="1045597" cy="1045599"/>
+            </a:xfrm>
+            <a:prstGeom prst="rect">
+              <a:avLst/>
+            </a:prstGeom>
+            <a:blipFill dpi="0" rotWithShape="1">
+              <a:blip r:embed="rId5">
+                <a:alphaModFix amt="40000"/>
+              </a:blip>
+              <a:srcRect/>
+              <a:stretch>
+                <a:fillRect/>
+              </a:stretch>
+            </a:blipFill>
+            <a:ln>
+              <a:noFill/>
+            </a:ln>
+          </p:spPr>
+          <p:style>
+            <a:lnRef idx="2">
+              <a:schemeClr val="accent1">
+                <a:shade val="50000"/>
+              </a:schemeClr>
+            </a:lnRef>
+            <a:fillRef idx="1">
+              <a:schemeClr val="accent1"/>
+            </a:fillRef>
+            <a:effectRef idx="0">
+              <a:schemeClr val="accent1"/>
+            </a:effectRef>
+            <a:fontRef idx="minor">
+              <a:schemeClr val="lt1"/>
+            </a:fontRef>
+          </p:style>
+          <p:txBody>
+            <a:bodyPr rtlCol="0" anchor="ctr"/>
+            <a:lstStyle/>
+            <a:p>
+              <a:pPr algn="ctr"/>
+              <a:endParaRPr kumimoji="1" lang="ja-JP" altLang="en-US"/>
+            </a:p>
+          </p:txBody>
+        </p:sp>
+        <p:sp>
+          <p:nvSpPr>
+            <p:cNvPr id="39" name="正方形/長方形 38"/>
+            <p:cNvSpPr/>
+            <p:nvPr/>
+          </p:nvSpPr>
+          <p:spPr>
+            <a:xfrm rot="20738229">
+              <a:off x="3814937" y="4234010"/>
+              <a:ext cx="1045597" cy="1045599"/>
+            </a:xfrm>
+            <a:prstGeom prst="rect">
+              <a:avLst/>
+            </a:prstGeom>
+            <a:blipFill dpi="0" rotWithShape="1">
+              <a:blip r:embed="rId5">
+                <a:alphaModFix amt="70000"/>
+              </a:blip>
+              <a:srcRect/>
+              <a:stretch>
+                <a:fillRect/>
+              </a:stretch>
+            </a:blipFill>
+            <a:ln>
+              <a:noFill/>
+            </a:ln>
+          </p:spPr>
+          <p:style>
+            <a:lnRef idx="2">
+              <a:schemeClr val="accent1">
+                <a:shade val="50000"/>
+              </a:schemeClr>
+            </a:lnRef>
+            <a:fillRef idx="1">
+              <a:schemeClr val="accent1"/>
+            </a:fillRef>
+            <a:effectRef idx="0">
+              <a:schemeClr val="accent1"/>
+            </a:effectRef>
+            <a:fontRef idx="minor">
+              <a:schemeClr val="lt1"/>
+            </a:fontRef>
+          </p:style>
+          <p:txBody>
+            <a:bodyPr rtlCol="0" anchor="ctr"/>
+            <a:lstStyle/>
+            <a:p>
+              <a:pPr algn="ctr"/>
+              <a:endParaRPr kumimoji="1" lang="ja-JP" altLang="en-US"/>
+            </a:p>
+          </p:txBody>
+        </p:sp>
+      </p:grpSp>
+      <p:grpSp>
+        <p:nvGrpSpPr>
+          <p:cNvPr id="61" name="グループ化 60"/>
+          <p:cNvGrpSpPr/>
+          <p:nvPr/>
+        </p:nvGrpSpPr>
+        <p:grpSpPr>
+          <a:xfrm>
+            <a:off x="7049275" y="4190702"/>
+            <a:ext cx="1145976" cy="1164030"/>
+            <a:chOff x="7049275" y="4190702"/>
+            <a:chExt cx="1145976" cy="1164030"/>
+          </a:xfrm>
+          <a:effectLst>
+            <a:outerShdw blurRad="63500" sx="102000" sy="102000" algn="ctr" rotWithShape="0">
+              <a:prstClr val="black">
+                <a:alpha val="40000"/>
+              </a:prstClr>
+            </a:outerShdw>
+          </a:effectLst>
+        </p:grpSpPr>
+        <p:sp>
+          <p:nvSpPr>
+            <p:cNvPr id="44" name="正方形/長方形 43"/>
+            <p:cNvSpPr/>
+            <p:nvPr/>
+          </p:nvSpPr>
+          <p:spPr>
+            <a:xfrm rot="861771" flipH="1">
+              <a:off x="7149654" y="4309133"/>
+              <a:ext cx="1045597" cy="1045599"/>
+            </a:xfrm>
+            <a:prstGeom prst="rect">
+              <a:avLst/>
+            </a:prstGeom>
+            <a:blipFill dpi="0" rotWithShape="1">
+              <a:blip r:embed="rId6">
+                <a:alphaModFix amt="40000"/>
+              </a:blip>
+              <a:srcRect/>
+              <a:stretch>
+                <a:fillRect/>
+              </a:stretch>
+            </a:blipFill>
+            <a:ln>
+              <a:noFill/>
+            </a:ln>
+          </p:spPr>
+          <p:style>
+            <a:lnRef idx="2">
+              <a:schemeClr val="accent1">
+                <a:shade val="50000"/>
+              </a:schemeClr>
+            </a:lnRef>
+            <a:fillRef idx="1">
+              <a:schemeClr val="accent1"/>
+            </a:fillRef>
+            <a:effectRef idx="0">
+              <a:schemeClr val="accent1"/>
+            </a:effectRef>
+            <a:fontRef idx="minor">
+              <a:schemeClr val="lt1"/>
+            </a:fontRef>
+          </p:style>
+          <p:txBody>
+            <a:bodyPr rtlCol="0" anchor="ctr"/>
+            <a:lstStyle/>
+            <a:p>
+              <a:pPr algn="ctr"/>
+              <a:endParaRPr kumimoji="1" lang="ja-JP" altLang="en-US"/>
+            </a:p>
+          </p:txBody>
+        </p:sp>
+        <p:sp>
+          <p:nvSpPr>
+            <p:cNvPr id="45" name="正方形/長方形 44"/>
+            <p:cNvSpPr/>
+            <p:nvPr/>
+          </p:nvSpPr>
+          <p:spPr>
+            <a:xfrm rot="861771" flipH="1">
+              <a:off x="7049275" y="4190702"/>
+              <a:ext cx="1045597" cy="1045599"/>
+            </a:xfrm>
+            <a:prstGeom prst="rect">
+              <a:avLst/>
+            </a:prstGeom>
+            <a:blipFill dpi="0" rotWithShape="1">
+              <a:blip r:embed="rId6">
+                <a:alphaModFix amt="40000"/>
+              </a:blip>
+              <a:srcRect/>
+              <a:stretch>
+                <a:fillRect/>
+              </a:stretch>
+            </a:blipFill>
+            <a:ln>
+              <a:noFill/>
+            </a:ln>
+          </p:spPr>
+          <p:style>
+            <a:lnRef idx="2">
+              <a:schemeClr val="accent1">
+                <a:shade val="50000"/>
+              </a:schemeClr>
+            </a:lnRef>
+            <a:fillRef idx="1">
+              <a:schemeClr val="accent1"/>
+            </a:fillRef>
+            <a:effectRef idx="0">
+              <a:schemeClr val="accent1"/>
+            </a:effectRef>
+            <a:fontRef idx="minor">
+              <a:schemeClr val="lt1"/>
+            </a:fontRef>
+          </p:style>
+          <p:txBody>
+            <a:bodyPr rtlCol="0" anchor="ctr"/>
+            <a:lstStyle/>
+            <a:p>
+              <a:pPr algn="ctr"/>
+              <a:endParaRPr kumimoji="1" lang="ja-JP" altLang="en-US"/>
+            </a:p>
+          </p:txBody>
+        </p:sp>
+        <p:sp>
+          <p:nvSpPr>
+            <p:cNvPr id="43" name="正方形/長方形 42"/>
+            <p:cNvSpPr/>
+            <p:nvPr/>
+          </p:nvSpPr>
+          <p:spPr>
+            <a:xfrm rot="861771" flipH="1">
+              <a:off x="7114272" y="4234009"/>
+              <a:ext cx="1045597" cy="1045599"/>
+            </a:xfrm>
+            <a:prstGeom prst="rect">
+              <a:avLst/>
+            </a:prstGeom>
+            <a:blipFill dpi="0" rotWithShape="1">
+              <a:blip r:embed="rId6">
+                <a:alphaModFix amt="70000"/>
+              </a:blip>
+              <a:srcRect/>
+              <a:stretch>
+                <a:fillRect/>
+              </a:stretch>
+            </a:blipFill>
+            <a:ln>
+              <a:noFill/>
+            </a:ln>
+          </p:spPr>
+          <p:style>
+            <a:lnRef idx="2">
+              <a:schemeClr val="accent1">
+                <a:shade val="50000"/>
+              </a:schemeClr>
+            </a:lnRef>
+            <a:fillRef idx="1">
+              <a:schemeClr val="accent1"/>
+            </a:fillRef>
+            <a:effectRef idx="0">
+              <a:schemeClr val="accent1"/>
+            </a:effectRef>
+            <a:fontRef idx="minor">
+              <a:schemeClr val="lt1"/>
+            </a:fontRef>
+          </p:style>
+          <p:txBody>
+            <a:bodyPr rtlCol="0" anchor="ctr"/>
+            <a:lstStyle/>
+            <a:p>
+              <a:pPr algn="ctr"/>
+              <a:endParaRPr kumimoji="1" lang="ja-JP" altLang="en-US"/>
+            </a:p>
+          </p:txBody>
+        </p:sp>
+      </p:grpSp>
+      <p:grpSp>
+        <p:nvGrpSpPr>
+          <p:cNvPr id="51" name="グループ化 50"/>
+          <p:cNvGrpSpPr/>
+          <p:nvPr/>
+        </p:nvGrpSpPr>
+        <p:grpSpPr>
+          <a:xfrm>
+            <a:off x="1757727" y="526949"/>
+            <a:ext cx="1071829" cy="1568398"/>
+            <a:chOff x="2131102" y="1542871"/>
+            <a:chExt cx="1071829" cy="1568398"/>
+          </a:xfrm>
+          <a:effectLst>
+            <a:outerShdw blurRad="63500" sx="102000" sy="102000" algn="ctr" rotWithShape="0">
+              <a:prstClr val="black">
+                <a:alpha val="40000"/>
+              </a:prstClr>
+            </a:outerShdw>
+          </a:effectLst>
+        </p:grpSpPr>
+        <p:sp>
+          <p:nvSpPr>
+            <p:cNvPr id="50" name="正方形/長方形 49"/>
+            <p:cNvSpPr/>
+            <p:nvPr/>
+          </p:nvSpPr>
+          <p:spPr>
+            <a:xfrm>
+              <a:off x="2144218" y="1542871"/>
+              <a:ext cx="1045597" cy="1045599"/>
+            </a:xfrm>
+            <a:prstGeom prst="rect">
+              <a:avLst/>
+            </a:prstGeom>
+            <a:blipFill dpi="0" rotWithShape="1">
+              <a:blip r:embed="rId7">
+                <a:alphaModFix amt="60000"/>
+              </a:blip>
+              <a:srcRect/>
+              <a:stretch>
+                <a:fillRect/>
+              </a:stretch>
+            </a:blipFill>
+            <a:ln>
+              <a:noFill/>
+            </a:ln>
+          </p:spPr>
+          <p:style>
+            <a:lnRef idx="2">
+              <a:schemeClr val="accent1">
+                <a:shade val="50000"/>
+              </a:schemeClr>
+            </a:lnRef>
+            <a:fillRef idx="1">
+              <a:schemeClr val="accent1"/>
+            </a:fillRef>
+            <a:effectRef idx="0">
+              <a:schemeClr val="accent1"/>
+            </a:effectRef>
+            <a:fontRef idx="minor">
+              <a:schemeClr val="lt1"/>
+            </a:fontRef>
+          </p:style>
+          <p:txBody>
+            <a:bodyPr rtlCol="0" anchor="ctr"/>
+            <a:lstStyle/>
+            <a:p>
+              <a:pPr algn="ctr"/>
+              <a:endParaRPr kumimoji="1" lang="ja-JP" altLang="en-US"/>
+            </a:p>
+          </p:txBody>
+        </p:sp>
+        <p:sp>
+          <p:nvSpPr>
+            <p:cNvPr id="49" name="正方形/長方形 48"/>
+            <p:cNvSpPr/>
+            <p:nvPr/>
+          </p:nvSpPr>
+          <p:spPr>
+            <a:xfrm>
+              <a:off x="2157334" y="1798192"/>
+              <a:ext cx="1045597" cy="1045599"/>
+            </a:xfrm>
+            <a:prstGeom prst="rect">
+              <a:avLst/>
+            </a:prstGeom>
+            <a:blipFill dpi="0" rotWithShape="1">
+              <a:blip r:embed="rId7">
+                <a:alphaModFix amt="60000"/>
+              </a:blip>
+              <a:srcRect/>
+              <a:stretch>
+                <a:fillRect/>
+              </a:stretch>
+            </a:blipFill>
+            <a:ln>
+              <a:noFill/>
+            </a:ln>
+          </p:spPr>
+          <p:style>
+            <a:lnRef idx="2">
+              <a:schemeClr val="accent1">
+                <a:shade val="50000"/>
+              </a:schemeClr>
+            </a:lnRef>
+            <a:fillRef idx="1">
+              <a:schemeClr val="accent1"/>
+            </a:fillRef>
+            <a:effectRef idx="0">
+              <a:schemeClr val="accent1"/>
+            </a:effectRef>
+            <a:fontRef idx="minor">
+              <a:schemeClr val="lt1"/>
+            </a:fontRef>
+          </p:style>
+          <p:txBody>
+            <a:bodyPr rtlCol="0" anchor="ctr"/>
+            <a:lstStyle/>
+            <a:p>
+              <a:pPr algn="ctr"/>
+              <a:endParaRPr kumimoji="1" lang="ja-JP" altLang="en-US"/>
+            </a:p>
+          </p:txBody>
+        </p:sp>
+        <p:sp>
+          <p:nvSpPr>
+            <p:cNvPr id="46" name="正方形/長方形 45"/>
+            <p:cNvSpPr/>
+            <p:nvPr/>
+          </p:nvSpPr>
+          <p:spPr>
+            <a:xfrm>
+              <a:off x="2131102" y="2065670"/>
+              <a:ext cx="1045597" cy="1045599"/>
+            </a:xfrm>
+            <a:prstGeom prst="rect">
+              <a:avLst/>
+            </a:prstGeom>
+            <a:blipFill dpi="0" rotWithShape="1">
+              <a:blip r:embed="rId7"/>
+              <a:srcRect/>
+              <a:stretch>
+                <a:fillRect/>
+              </a:stretch>
+            </a:blipFill>
+            <a:ln>
+              <a:noFill/>
+            </a:ln>
+          </p:spPr>
+          <p:style>
+            <a:lnRef idx="2">
+              <a:schemeClr val="accent1">
+                <a:shade val="50000"/>
+              </a:schemeClr>
+            </a:lnRef>
+            <a:fillRef idx="1">
+              <a:schemeClr val="accent1"/>
+            </a:fillRef>
+            <a:effectRef idx="0">
+              <a:schemeClr val="accent1"/>
+            </a:effectRef>
+            <a:fontRef idx="minor">
+              <a:schemeClr val="lt1"/>
+            </a:fontRef>
+          </p:style>
+          <p:txBody>
+            <a:bodyPr rtlCol="0" anchor="ctr"/>
+            <a:lstStyle/>
+            <a:p>
+              <a:pPr algn="ctr"/>
+              <a:endParaRPr kumimoji="1" lang="ja-JP" altLang="en-US"/>
+            </a:p>
+          </p:txBody>
+        </p:sp>
+      </p:grpSp>
+      <p:grpSp>
+        <p:nvGrpSpPr>
+          <p:cNvPr id="52" name="グループ化 51"/>
+          <p:cNvGrpSpPr/>
+          <p:nvPr/>
+        </p:nvGrpSpPr>
+        <p:grpSpPr>
+          <a:xfrm>
+            <a:off x="621632" y="2318221"/>
+            <a:ext cx="1071829" cy="1568398"/>
+            <a:chOff x="2131102" y="1542871"/>
+            <a:chExt cx="1071829" cy="1568398"/>
+          </a:xfrm>
+          <a:effectLst>
+            <a:outerShdw blurRad="63500" sx="102000" sy="102000" algn="ctr" rotWithShape="0">
+              <a:prstClr val="black">
+                <a:alpha val="40000"/>
+              </a:prstClr>
+            </a:outerShdw>
+          </a:effectLst>
+        </p:grpSpPr>
+        <p:sp>
+          <p:nvSpPr>
+            <p:cNvPr id="53" name="正方形/長方形 52"/>
+            <p:cNvSpPr/>
+            <p:nvPr/>
+          </p:nvSpPr>
+          <p:spPr>
+            <a:xfrm>
+              <a:off x="2144218" y="1542871"/>
+              <a:ext cx="1045597" cy="1045599"/>
+            </a:xfrm>
+            <a:prstGeom prst="rect">
+              <a:avLst/>
+            </a:prstGeom>
+            <a:blipFill dpi="0" rotWithShape="1">
+              <a:blip r:embed="rId8">
+                <a:alphaModFix amt="60000"/>
+              </a:blip>
+              <a:srcRect/>
+              <a:stretch>
+                <a:fillRect/>
+              </a:stretch>
+            </a:blipFill>
+            <a:ln>
+              <a:noFill/>
+            </a:ln>
+          </p:spPr>
+          <p:style>
+            <a:lnRef idx="2">
+              <a:schemeClr val="accent1">
+                <a:shade val="50000"/>
+              </a:schemeClr>
+            </a:lnRef>
+            <a:fillRef idx="1">
+              <a:schemeClr val="accent1"/>
+            </a:fillRef>
+            <a:effectRef idx="0">
+              <a:schemeClr val="accent1"/>
+            </a:effectRef>
+            <a:fontRef idx="minor">
+              <a:schemeClr val="lt1"/>
+            </a:fontRef>
+          </p:style>
+          <p:txBody>
+            <a:bodyPr rtlCol="0" anchor="ctr"/>
+            <a:lstStyle/>
+            <a:p>
+              <a:pPr algn="ctr"/>
+              <a:endParaRPr kumimoji="1" lang="ja-JP" altLang="en-US"/>
+            </a:p>
+          </p:txBody>
+        </p:sp>
+        <p:sp>
+          <p:nvSpPr>
+            <p:cNvPr id="54" name="正方形/長方形 53"/>
+            <p:cNvSpPr/>
+            <p:nvPr/>
+          </p:nvSpPr>
+          <p:spPr>
+            <a:xfrm>
+              <a:off x="2157334" y="1798192"/>
+              <a:ext cx="1045597" cy="1045599"/>
+            </a:xfrm>
+            <a:prstGeom prst="rect">
+              <a:avLst/>
+            </a:prstGeom>
+            <a:blipFill dpi="0" rotWithShape="1">
+              <a:blip r:embed="rId8">
+                <a:alphaModFix amt="60000"/>
+              </a:blip>
+              <a:srcRect/>
+              <a:stretch>
+                <a:fillRect/>
+              </a:stretch>
+            </a:blipFill>
+            <a:ln>
+              <a:noFill/>
+            </a:ln>
+          </p:spPr>
+          <p:style>
+            <a:lnRef idx="2">
+              <a:schemeClr val="accent1">
+                <a:shade val="50000"/>
+              </a:schemeClr>
+            </a:lnRef>
+            <a:fillRef idx="1">
+              <a:schemeClr val="accent1"/>
+            </a:fillRef>
+            <a:effectRef idx="0">
+              <a:schemeClr val="accent1"/>
+            </a:effectRef>
+            <a:fontRef idx="minor">
+              <a:schemeClr val="lt1"/>
+            </a:fontRef>
+          </p:style>
+          <p:txBody>
+            <a:bodyPr rtlCol="0" anchor="ctr"/>
+            <a:lstStyle/>
+            <a:p>
+              <a:pPr algn="ctr"/>
+              <a:endParaRPr kumimoji="1" lang="ja-JP" altLang="en-US"/>
+            </a:p>
+          </p:txBody>
+        </p:sp>
+        <p:sp>
+          <p:nvSpPr>
+            <p:cNvPr id="55" name="正方形/長方形 54"/>
+            <p:cNvSpPr/>
+            <p:nvPr/>
+          </p:nvSpPr>
+          <p:spPr>
+            <a:xfrm>
+              <a:off x="2131102" y="2065670"/>
+              <a:ext cx="1045597" cy="1045599"/>
+            </a:xfrm>
+            <a:prstGeom prst="rect">
+              <a:avLst/>
+            </a:prstGeom>
+            <a:blipFill dpi="0" rotWithShape="1">
+              <a:blip r:embed="rId8"/>
+              <a:srcRect/>
+              <a:stretch>
+                <a:fillRect/>
+              </a:stretch>
+            </a:blipFill>
+            <a:ln>
+              <a:noFill/>
+            </a:ln>
+          </p:spPr>
+          <p:style>
+            <a:lnRef idx="2">
+              <a:schemeClr val="accent1">
+                <a:shade val="50000"/>
+              </a:schemeClr>
+            </a:lnRef>
+            <a:fillRef idx="1">
+              <a:schemeClr val="accent1"/>
+            </a:fillRef>
+            <a:effectRef idx="0">
+              <a:schemeClr val="accent1"/>
+            </a:effectRef>
+            <a:fontRef idx="minor">
+              <a:schemeClr val="lt1"/>
+            </a:fontRef>
+          </p:style>
+          <p:txBody>
+            <a:bodyPr rtlCol="0" anchor="ctr"/>
+            <a:lstStyle/>
+            <a:p>
+              <a:pPr algn="ctr"/>
+              <a:endParaRPr kumimoji="1" lang="ja-JP" altLang="en-US"/>
+            </a:p>
+          </p:txBody>
+        </p:sp>
+      </p:grpSp>
+      <p:grpSp>
+        <p:nvGrpSpPr>
+          <p:cNvPr id="56" name="グループ化 55"/>
+          <p:cNvGrpSpPr/>
+          <p:nvPr/>
+        </p:nvGrpSpPr>
+        <p:grpSpPr>
+          <a:xfrm>
+            <a:off x="8705556" y="1973276"/>
+            <a:ext cx="707199" cy="1034837"/>
+            <a:chOff x="2131102" y="1542871"/>
+            <a:chExt cx="1071829" cy="1568398"/>
+          </a:xfrm>
+          <a:effectLst>
+            <a:outerShdw blurRad="63500" sx="102000" sy="102000" algn="ctr" rotWithShape="0">
+              <a:prstClr val="black">
+                <a:alpha val="40000"/>
+              </a:prstClr>
+            </a:outerShdw>
+          </a:effectLst>
+        </p:grpSpPr>
+        <p:sp>
+          <p:nvSpPr>
+            <p:cNvPr id="57" name="正方形/長方形 56"/>
+            <p:cNvSpPr/>
+            <p:nvPr/>
+          </p:nvSpPr>
+          <p:spPr>
+            <a:xfrm>
+              <a:off x="2144218" y="1542871"/>
+              <a:ext cx="1045597" cy="1045599"/>
+            </a:xfrm>
+            <a:prstGeom prst="rect">
+              <a:avLst/>
+            </a:prstGeom>
+            <a:blipFill dpi="0" rotWithShape="1">
+              <a:blip r:embed="rId9">
+                <a:alphaModFix amt="60000"/>
+              </a:blip>
+              <a:srcRect/>
+              <a:stretch>
+                <a:fillRect/>
+              </a:stretch>
+            </a:blipFill>
+            <a:ln>
+              <a:noFill/>
+            </a:ln>
+          </p:spPr>
+          <p:style>
+            <a:lnRef idx="2">
+              <a:schemeClr val="accent1">
+                <a:shade val="50000"/>
+              </a:schemeClr>
+            </a:lnRef>
+            <a:fillRef idx="1">
+              <a:schemeClr val="accent1"/>
+            </a:fillRef>
+            <a:effectRef idx="0">
+              <a:schemeClr val="accent1"/>
+            </a:effectRef>
+            <a:fontRef idx="minor">
+              <a:schemeClr val="lt1"/>
+            </a:fontRef>
+          </p:style>
+          <p:txBody>
+            <a:bodyPr rtlCol="0" anchor="ctr"/>
+            <a:lstStyle/>
+            <a:p>
+              <a:pPr algn="ctr"/>
+              <a:endParaRPr kumimoji="1" lang="ja-JP" altLang="en-US"/>
+            </a:p>
+          </p:txBody>
+        </p:sp>
+        <p:sp>
+          <p:nvSpPr>
+            <p:cNvPr id="58" name="正方形/長方形 57"/>
+            <p:cNvSpPr/>
+            <p:nvPr/>
+          </p:nvSpPr>
+          <p:spPr>
+            <a:xfrm>
+              <a:off x="2157334" y="1798192"/>
+              <a:ext cx="1045597" cy="1045599"/>
+            </a:xfrm>
+            <a:prstGeom prst="rect">
+              <a:avLst/>
+            </a:prstGeom>
+            <a:blipFill dpi="0" rotWithShape="1">
+              <a:blip r:embed="rId9">
+                <a:alphaModFix amt="60000"/>
+              </a:blip>
+              <a:srcRect/>
+              <a:stretch>
+                <a:fillRect/>
+              </a:stretch>
+            </a:blipFill>
+            <a:ln>
+              <a:noFill/>
+            </a:ln>
+          </p:spPr>
+          <p:style>
+            <a:lnRef idx="2">
+              <a:schemeClr val="accent1">
+                <a:shade val="50000"/>
+              </a:schemeClr>
+            </a:lnRef>
+            <a:fillRef idx="1">
+              <a:schemeClr val="accent1"/>
+            </a:fillRef>
+            <a:effectRef idx="0">
+              <a:schemeClr val="accent1"/>
+            </a:effectRef>
+            <a:fontRef idx="minor">
+              <a:schemeClr val="lt1"/>
+            </a:fontRef>
+          </p:style>
+          <p:txBody>
+            <a:bodyPr rtlCol="0" anchor="ctr"/>
+            <a:lstStyle/>
+            <a:p>
+              <a:pPr algn="ctr"/>
+              <a:endParaRPr kumimoji="1" lang="ja-JP" altLang="en-US"/>
+            </a:p>
+          </p:txBody>
+        </p:sp>
+        <p:sp>
+          <p:nvSpPr>
+            <p:cNvPr id="59" name="正方形/長方形 58"/>
+            <p:cNvSpPr/>
+            <p:nvPr/>
+          </p:nvSpPr>
+          <p:spPr>
+            <a:xfrm>
+              <a:off x="2131102" y="2065670"/>
+              <a:ext cx="1045597" cy="1045599"/>
+            </a:xfrm>
+            <a:prstGeom prst="rect">
+              <a:avLst/>
+            </a:prstGeom>
+            <a:blipFill dpi="0" rotWithShape="1">
+              <a:blip r:embed="rId9"/>
+              <a:srcRect/>
+              <a:stretch>
+                <a:fillRect/>
+              </a:stretch>
+            </a:blipFill>
+            <a:ln>
+              <a:noFill/>
+            </a:ln>
+          </p:spPr>
+          <p:style>
+            <a:lnRef idx="2">
+              <a:schemeClr val="accent1">
+                <a:shade val="50000"/>
+              </a:schemeClr>
+            </a:lnRef>
+            <a:fillRef idx="1">
+              <a:schemeClr val="accent1"/>
+            </a:fillRef>
+            <a:effectRef idx="0">
+              <a:schemeClr val="accent1"/>
+            </a:effectRef>
+            <a:fontRef idx="minor">
+              <a:schemeClr val="lt1"/>
+            </a:fontRef>
+          </p:style>
+          <p:txBody>
+            <a:bodyPr rtlCol="0" anchor="ctr"/>
+            <a:lstStyle/>
+            <a:p>
+              <a:pPr algn="ctr"/>
+              <a:endParaRPr kumimoji="1" lang="ja-JP" altLang="en-US"/>
+            </a:p>
+          </p:txBody>
+        </p:sp>
+      </p:grpSp>
+      <p:grpSp>
+        <p:nvGrpSpPr>
+          <p:cNvPr id="62" name="グループ化 61"/>
+          <p:cNvGrpSpPr/>
+          <p:nvPr/>
+        </p:nvGrpSpPr>
+        <p:grpSpPr>
+          <a:xfrm>
+            <a:off x="9664195" y="4190699"/>
+            <a:ext cx="1071829" cy="1568398"/>
+            <a:chOff x="2131102" y="1542871"/>
+            <a:chExt cx="1071829" cy="1568398"/>
+          </a:xfrm>
+          <a:effectLst>
+            <a:outerShdw blurRad="63500" sx="102000" sy="102000" algn="ctr" rotWithShape="0">
+              <a:prstClr val="black">
+                <a:alpha val="40000"/>
+              </a:prstClr>
+            </a:outerShdw>
+          </a:effectLst>
+        </p:grpSpPr>
+        <p:sp>
+          <p:nvSpPr>
+            <p:cNvPr id="63" name="正方形/長方形 62"/>
+            <p:cNvSpPr/>
+            <p:nvPr/>
+          </p:nvSpPr>
+          <p:spPr>
+            <a:xfrm>
+              <a:off x="2144218" y="1542871"/>
+              <a:ext cx="1045597" cy="1045599"/>
+            </a:xfrm>
+            <a:prstGeom prst="rect">
+              <a:avLst/>
+            </a:prstGeom>
+            <a:blipFill dpi="0" rotWithShape="1">
+              <a:blip r:embed="rId8">
+                <a:alphaModFix amt="60000"/>
+              </a:blip>
+              <a:srcRect/>
+              <a:stretch>
+                <a:fillRect/>
+              </a:stretch>
+            </a:blipFill>
+            <a:ln>
+              <a:noFill/>
+            </a:ln>
+          </p:spPr>
+          <p:style>
+            <a:lnRef idx="2">
+              <a:schemeClr val="accent1">
+                <a:shade val="50000"/>
+              </a:schemeClr>
+            </a:lnRef>
+            <a:fillRef idx="1">
+              <a:schemeClr val="accent1"/>
+            </a:fillRef>
+            <a:effectRef idx="0">
+              <a:schemeClr val="accent1"/>
+            </a:effectRef>
+            <a:fontRef idx="minor">
+              <a:schemeClr val="lt1"/>
+            </a:fontRef>
+          </p:style>
+          <p:txBody>
+            <a:bodyPr rtlCol="0" anchor="ctr"/>
+            <a:lstStyle/>
+            <a:p>
+              <a:pPr algn="ctr"/>
+              <a:endParaRPr kumimoji="1" lang="ja-JP" altLang="en-US"/>
+            </a:p>
+          </p:txBody>
+        </p:sp>
+        <p:sp>
+          <p:nvSpPr>
+            <p:cNvPr id="64" name="正方形/長方形 63"/>
+            <p:cNvSpPr/>
+            <p:nvPr/>
+          </p:nvSpPr>
+          <p:spPr>
+            <a:xfrm>
+              <a:off x="2157334" y="1798192"/>
+              <a:ext cx="1045597" cy="1045599"/>
+            </a:xfrm>
+            <a:prstGeom prst="rect">
+              <a:avLst/>
+            </a:prstGeom>
+            <a:blipFill dpi="0" rotWithShape="1">
+              <a:blip r:embed="rId8">
+                <a:alphaModFix amt="60000"/>
+              </a:blip>
+              <a:srcRect/>
+              <a:stretch>
+                <a:fillRect/>
+              </a:stretch>
+            </a:blipFill>
+            <a:ln>
+              <a:noFill/>
+            </a:ln>
+          </p:spPr>
+          <p:style>
+            <a:lnRef idx="2">
+              <a:schemeClr val="accent1">
+                <a:shade val="50000"/>
+              </a:schemeClr>
+            </a:lnRef>
+            <a:fillRef idx="1">
+              <a:schemeClr val="accent1"/>
+            </a:fillRef>
+            <a:effectRef idx="0">
+              <a:schemeClr val="accent1"/>
+            </a:effectRef>
+            <a:fontRef idx="minor">
+              <a:schemeClr val="lt1"/>
+            </a:fontRef>
+          </p:style>
+          <p:txBody>
+            <a:bodyPr rtlCol="0" anchor="ctr"/>
+            <a:lstStyle/>
+            <a:p>
+              <a:pPr algn="ctr"/>
+              <a:endParaRPr kumimoji="1" lang="ja-JP" altLang="en-US"/>
+            </a:p>
+          </p:txBody>
+        </p:sp>
+        <p:sp>
+          <p:nvSpPr>
+            <p:cNvPr id="65" name="正方形/長方形 64"/>
+            <p:cNvSpPr/>
+            <p:nvPr/>
+          </p:nvSpPr>
+          <p:spPr>
+            <a:xfrm>
+              <a:off x="2131102" y="2065670"/>
+              <a:ext cx="1045597" cy="1045599"/>
+            </a:xfrm>
+            <a:prstGeom prst="rect">
+              <a:avLst/>
+            </a:prstGeom>
+            <a:blipFill dpi="0" rotWithShape="1">
+              <a:blip r:embed="rId8"/>
+              <a:srcRect/>
+              <a:stretch>
+                <a:fillRect/>
+              </a:stretch>
+            </a:blipFill>
+            <a:ln>
+              <a:noFill/>
+            </a:ln>
+          </p:spPr>
+          <p:style>
+            <a:lnRef idx="2">
+              <a:schemeClr val="accent1">
+                <a:shade val="50000"/>
+              </a:schemeClr>
+            </a:lnRef>
+            <a:fillRef idx="1">
+              <a:schemeClr val="accent1"/>
+            </a:fillRef>
+            <a:effectRef idx="0">
+              <a:schemeClr val="accent1"/>
+            </a:effectRef>
+            <a:fontRef idx="minor">
+              <a:schemeClr val="lt1"/>
+            </a:fontRef>
+          </p:style>
+          <p:txBody>
+            <a:bodyPr rtlCol="0" anchor="ctr"/>
+            <a:lstStyle/>
+            <a:p>
+              <a:pPr algn="ctr"/>
+              <a:endParaRPr kumimoji="1" lang="ja-JP" altLang="en-US"/>
+            </a:p>
+          </p:txBody>
+        </p:sp>
+      </p:grpSp>
+      <p:grpSp>
+        <p:nvGrpSpPr>
+          <p:cNvPr id="66" name="グループ化 65"/>
+          <p:cNvGrpSpPr/>
+          <p:nvPr/>
+        </p:nvGrpSpPr>
+        <p:grpSpPr>
+          <a:xfrm>
+            <a:off x="10093786" y="381904"/>
+            <a:ext cx="707199" cy="1034837"/>
+            <a:chOff x="2131102" y="1542871"/>
+            <a:chExt cx="1071829" cy="1568398"/>
+          </a:xfrm>
+          <a:effectLst>
+            <a:outerShdw blurRad="63500" sx="102000" sy="102000" algn="ctr" rotWithShape="0">
+              <a:prstClr val="black">
+                <a:alpha val="40000"/>
+              </a:prstClr>
+            </a:outerShdw>
+          </a:effectLst>
+        </p:grpSpPr>
+        <p:sp>
+          <p:nvSpPr>
+            <p:cNvPr id="67" name="正方形/長方形 66"/>
+            <p:cNvSpPr/>
+            <p:nvPr/>
+          </p:nvSpPr>
+          <p:spPr>
+            <a:xfrm>
+              <a:off x="2144218" y="1542871"/>
+              <a:ext cx="1045597" cy="1045599"/>
+            </a:xfrm>
+            <a:prstGeom prst="rect">
+              <a:avLst/>
+            </a:prstGeom>
+            <a:blipFill dpi="0" rotWithShape="1">
+              <a:blip r:embed="rId9">
+                <a:alphaModFix amt="60000"/>
+              </a:blip>
+              <a:srcRect/>
+              <a:stretch>
+                <a:fillRect/>
+              </a:stretch>
+            </a:blipFill>
+            <a:ln>
+              <a:noFill/>
+            </a:ln>
+          </p:spPr>
+          <p:style>
+            <a:lnRef idx="2">
+              <a:schemeClr val="accent1">
+                <a:shade val="50000"/>
+              </a:schemeClr>
+            </a:lnRef>
+            <a:fillRef idx="1">
+              <a:schemeClr val="accent1"/>
+            </a:fillRef>
+            <a:effectRef idx="0">
+              <a:schemeClr val="accent1"/>
+            </a:effectRef>
+            <a:fontRef idx="minor">
+              <a:schemeClr val="lt1"/>
+            </a:fontRef>
+          </p:style>
+          <p:txBody>
+            <a:bodyPr rtlCol="0" anchor="ctr"/>
+            <a:lstStyle/>
+            <a:p>
+              <a:pPr algn="ctr"/>
+              <a:endParaRPr kumimoji="1" lang="ja-JP" altLang="en-US"/>
+            </a:p>
+          </p:txBody>
+        </p:sp>
+        <p:sp>
+          <p:nvSpPr>
+            <p:cNvPr id="68" name="正方形/長方形 67"/>
+            <p:cNvSpPr/>
+            <p:nvPr/>
+          </p:nvSpPr>
+          <p:spPr>
+            <a:xfrm>
+              <a:off x="2157334" y="1798192"/>
+              <a:ext cx="1045597" cy="1045599"/>
+            </a:xfrm>
+            <a:prstGeom prst="rect">
+              <a:avLst/>
+            </a:prstGeom>
+            <a:blipFill dpi="0" rotWithShape="1">
+              <a:blip r:embed="rId9">
+                <a:alphaModFix amt="60000"/>
+              </a:blip>
+              <a:srcRect/>
+              <a:stretch>
+                <a:fillRect/>
+              </a:stretch>
+            </a:blipFill>
+            <a:ln>
+              <a:noFill/>
+            </a:ln>
+          </p:spPr>
+          <p:style>
+            <a:lnRef idx="2">
+              <a:schemeClr val="accent1">
+                <a:shade val="50000"/>
+              </a:schemeClr>
+            </a:lnRef>
+            <a:fillRef idx="1">
+              <a:schemeClr val="accent1"/>
+            </a:fillRef>
+            <a:effectRef idx="0">
+              <a:schemeClr val="accent1"/>
+            </a:effectRef>
+            <a:fontRef idx="minor">
+              <a:schemeClr val="lt1"/>
+            </a:fontRef>
+          </p:style>
+          <p:txBody>
+            <a:bodyPr rtlCol="0" anchor="ctr"/>
+            <a:lstStyle/>
+            <a:p>
+              <a:pPr algn="ctr"/>
+              <a:endParaRPr kumimoji="1" lang="ja-JP" altLang="en-US"/>
+            </a:p>
+          </p:txBody>
+        </p:sp>
+        <p:sp>
+          <p:nvSpPr>
+            <p:cNvPr id="69" name="正方形/長方形 68"/>
+            <p:cNvSpPr/>
+            <p:nvPr/>
+          </p:nvSpPr>
+          <p:spPr>
+            <a:xfrm>
+              <a:off x="2131102" y="2065670"/>
+              <a:ext cx="1045597" cy="1045599"/>
+            </a:xfrm>
+            <a:prstGeom prst="rect">
+              <a:avLst/>
+            </a:prstGeom>
+            <a:blipFill dpi="0" rotWithShape="1">
+              <a:blip r:embed="rId9"/>
+              <a:srcRect/>
+              <a:stretch>
+                <a:fillRect/>
+              </a:stretch>
+            </a:blipFill>
+            <a:ln>
+              <a:noFill/>
+            </a:ln>
+          </p:spPr>
+          <p:style>
+            <a:lnRef idx="2">
+              <a:schemeClr val="accent1">
+                <a:shade val="50000"/>
+              </a:schemeClr>
+            </a:lnRef>
+            <a:fillRef idx="1">
+              <a:schemeClr val="accent1"/>
+            </a:fillRef>
+            <a:effectRef idx="0">
+              <a:schemeClr val="accent1"/>
+            </a:effectRef>
+            <a:fontRef idx="minor">
+              <a:schemeClr val="lt1"/>
+            </a:fontRef>
+          </p:style>
+          <p:txBody>
+            <a:bodyPr rtlCol="0" anchor="ctr"/>
+            <a:lstStyle/>
+            <a:p>
+              <a:pPr algn="ctr"/>
+              <a:endParaRPr kumimoji="1" lang="ja-JP" altLang="en-US"/>
+            </a:p>
+          </p:txBody>
+        </p:sp>
+      </p:grpSp>
+      <p:sp>
+        <p:nvSpPr>
+          <p:cNvPr id="28" name="正方形/長方形 27"/>
+          <p:cNvSpPr/>
+          <p:nvPr/>
+        </p:nvSpPr>
+        <p:spPr>
+          <a:xfrm>
+            <a:off x="-1" y="0"/>
+            <a:ext cx="12192000" cy="781050"/>
+          </a:xfrm>
+          <a:prstGeom prst="rect">
+            <a:avLst/>
+          </a:prstGeom>
+          <a:solidFill>
+            <a:schemeClr val="tx1">
+              <a:lumMod val="85000"/>
+              <a:lumOff val="15000"/>
+            </a:schemeClr>
+          </a:solidFill>
+          <a:ln>
+            <a:noFill/>
+          </a:ln>
+        </p:spPr>
+        <p:style>
+          <a:lnRef idx="2">
+            <a:schemeClr val="accent1">
+              <a:shade val="50000"/>
+            </a:schemeClr>
+          </a:lnRef>
+          <a:fillRef idx="1">
+            <a:schemeClr val="accent1"/>
+          </a:fillRef>
+          <a:effectRef idx="0">
+            <a:schemeClr val="accent1"/>
+          </a:effectRef>
+          <a:fontRef idx="minor">
+            <a:schemeClr val="lt1"/>
+          </a:fontRef>
+        </p:style>
+        <p:txBody>
+          <a:bodyPr rtlCol="0" anchor="ctr"/>
+          <a:lstStyle/>
+          <a:p>
+            <a:pPr algn="ctr"/>
+            <a:endParaRPr kumimoji="1" lang="ja-JP" altLang="en-US"/>
+          </a:p>
+        </p:txBody>
+      </p:sp>
+      <p:sp>
+        <p:nvSpPr>
+          <p:cNvPr id="29" name="正方形/長方形 28"/>
+          <p:cNvSpPr/>
+          <p:nvPr/>
+        </p:nvSpPr>
+        <p:spPr>
+          <a:xfrm>
+            <a:off x="-1" y="6076952"/>
+            <a:ext cx="12192000" cy="781050"/>
+          </a:xfrm>
+          <a:prstGeom prst="rect">
+            <a:avLst/>
+          </a:prstGeom>
+          <a:solidFill>
+            <a:schemeClr val="tx1">
+              <a:lumMod val="85000"/>
+              <a:lumOff val="15000"/>
+            </a:schemeClr>
+          </a:solidFill>
+          <a:ln>
+            <a:noFill/>
+          </a:ln>
+        </p:spPr>
+        <p:style>
+          <a:lnRef idx="2">
+            <a:schemeClr val="accent1">
+              <a:shade val="50000"/>
+            </a:schemeClr>
+          </a:lnRef>
+          <a:fillRef idx="1">
+            <a:schemeClr val="accent1"/>
+          </a:fillRef>
+          <a:effectRef idx="0">
+            <a:schemeClr val="accent1"/>
+          </a:effectRef>
+          <a:fontRef idx="minor">
+            <a:schemeClr val="lt1"/>
+          </a:fontRef>
+        </p:style>
+        <p:txBody>
+          <a:bodyPr rtlCol="0" anchor="ctr"/>
+          <a:lstStyle/>
+          <a:p>
+            <a:pPr algn="ctr"/>
+            <a:endParaRPr kumimoji="1" lang="ja-JP" altLang="en-US"/>
+          </a:p>
+        </p:txBody>
+      </p:sp>
+      <p:grpSp>
+        <p:nvGrpSpPr>
+          <p:cNvPr id="70" name="グループ化 69"/>
+          <p:cNvGrpSpPr/>
+          <p:nvPr/>
+        </p:nvGrpSpPr>
+        <p:grpSpPr>
+          <a:xfrm>
+            <a:off x="2306757" y="3871228"/>
+            <a:ext cx="707199" cy="1034837"/>
+            <a:chOff x="2131102" y="1542871"/>
+            <a:chExt cx="1071829" cy="1568398"/>
+          </a:xfrm>
+          <a:effectLst>
+            <a:outerShdw blurRad="63500" sx="102000" sy="102000" algn="ctr" rotWithShape="0">
+              <a:prstClr val="black">
+                <a:alpha val="40000"/>
+              </a:prstClr>
+            </a:outerShdw>
+          </a:effectLst>
+        </p:grpSpPr>
+        <p:sp>
+          <p:nvSpPr>
+            <p:cNvPr id="71" name="正方形/長方形 70"/>
+            <p:cNvSpPr/>
+            <p:nvPr/>
+          </p:nvSpPr>
+          <p:spPr>
+            <a:xfrm>
+              <a:off x="2144218" y="1542871"/>
+              <a:ext cx="1045597" cy="1045599"/>
+            </a:xfrm>
+            <a:prstGeom prst="rect">
+              <a:avLst/>
+            </a:prstGeom>
+            <a:blipFill dpi="0" rotWithShape="1">
+              <a:blip r:embed="rId9">
+                <a:alphaModFix amt="60000"/>
+              </a:blip>
+              <a:srcRect/>
+              <a:stretch>
+                <a:fillRect/>
+              </a:stretch>
+            </a:blipFill>
+            <a:ln>
+              <a:noFill/>
+            </a:ln>
+          </p:spPr>
+          <p:style>
+            <a:lnRef idx="2">
+              <a:schemeClr val="accent1">
+                <a:shade val="50000"/>
+              </a:schemeClr>
+            </a:lnRef>
+            <a:fillRef idx="1">
+              <a:schemeClr val="accent1"/>
+            </a:fillRef>
+            <a:effectRef idx="0">
+              <a:schemeClr val="accent1"/>
+            </a:effectRef>
+            <a:fontRef idx="minor">
+              <a:schemeClr val="lt1"/>
+            </a:fontRef>
+          </p:style>
+          <p:txBody>
+            <a:bodyPr rtlCol="0" anchor="ctr"/>
+            <a:lstStyle/>
+            <a:p>
+              <a:pPr algn="ctr"/>
+              <a:endParaRPr kumimoji="1" lang="ja-JP" altLang="en-US"/>
+            </a:p>
+          </p:txBody>
+        </p:sp>
+        <p:sp>
+          <p:nvSpPr>
+            <p:cNvPr id="72" name="正方形/長方形 71"/>
+            <p:cNvSpPr/>
+            <p:nvPr/>
+          </p:nvSpPr>
+          <p:spPr>
+            <a:xfrm>
+              <a:off x="2157334" y="1798192"/>
+              <a:ext cx="1045597" cy="1045599"/>
+            </a:xfrm>
+            <a:prstGeom prst="rect">
+              <a:avLst/>
+            </a:prstGeom>
+            <a:blipFill dpi="0" rotWithShape="1">
+              <a:blip r:embed="rId9">
+                <a:alphaModFix amt="60000"/>
+              </a:blip>
+              <a:srcRect/>
+              <a:stretch>
+                <a:fillRect/>
+              </a:stretch>
+            </a:blipFill>
+            <a:ln>
+              <a:noFill/>
+            </a:ln>
+          </p:spPr>
+          <p:style>
+            <a:lnRef idx="2">
+              <a:schemeClr val="accent1">
+                <a:shade val="50000"/>
+              </a:schemeClr>
+            </a:lnRef>
+            <a:fillRef idx="1">
+              <a:schemeClr val="accent1"/>
+            </a:fillRef>
+            <a:effectRef idx="0">
+              <a:schemeClr val="accent1"/>
+            </a:effectRef>
+            <a:fontRef idx="minor">
+              <a:schemeClr val="lt1"/>
+            </a:fontRef>
+          </p:style>
+          <p:txBody>
+            <a:bodyPr rtlCol="0" anchor="ctr"/>
+            <a:lstStyle/>
+            <a:p>
+              <a:pPr algn="ctr"/>
+              <a:endParaRPr kumimoji="1" lang="ja-JP" altLang="en-US"/>
+            </a:p>
+          </p:txBody>
+        </p:sp>
+        <p:sp>
+          <p:nvSpPr>
+            <p:cNvPr id="73" name="正方形/長方形 72"/>
+            <p:cNvSpPr/>
+            <p:nvPr/>
+          </p:nvSpPr>
+          <p:spPr>
+            <a:xfrm>
+              <a:off x="2131102" y="2065670"/>
+              <a:ext cx="1045597" cy="1045599"/>
+            </a:xfrm>
+            <a:prstGeom prst="rect">
+              <a:avLst/>
+            </a:prstGeom>
+            <a:blipFill dpi="0" rotWithShape="1">
+              <a:blip r:embed="rId9"/>
+              <a:srcRect/>
+              <a:stretch>
+                <a:fillRect/>
+              </a:stretch>
+            </a:blipFill>
+            <a:ln>
+              <a:noFill/>
+            </a:ln>
+          </p:spPr>
+          <p:style>
+            <a:lnRef idx="2">
+              <a:schemeClr val="accent1">
+                <a:shade val="50000"/>
+              </a:schemeClr>
+            </a:lnRef>
+            <a:fillRef idx="1">
+              <a:schemeClr val="accent1"/>
+            </a:fillRef>
+            <a:effectRef idx="0">
+              <a:schemeClr val="accent1"/>
+            </a:effectRef>
+            <a:fontRef idx="minor">
+              <a:schemeClr val="lt1"/>
+            </a:fontRef>
+          </p:style>
+          <p:txBody>
+            <a:bodyPr rtlCol="0" anchor="ctr"/>
+            <a:lstStyle/>
+            <a:p>
+              <a:pPr algn="ctr"/>
+              <a:endParaRPr kumimoji="1" lang="ja-JP" altLang="en-US"/>
+            </a:p>
+          </p:txBody>
+        </p:sp>
+      </p:grpSp>
+      <p:grpSp>
+        <p:nvGrpSpPr>
+          <p:cNvPr id="74" name="グループ化 73"/>
+          <p:cNvGrpSpPr/>
+          <p:nvPr/>
+        </p:nvGrpSpPr>
+        <p:grpSpPr>
+          <a:xfrm>
+            <a:off x="6001750" y="1122054"/>
+            <a:ext cx="1071829" cy="1568398"/>
+            <a:chOff x="2131102" y="1542871"/>
+            <a:chExt cx="1071829" cy="1568398"/>
+          </a:xfrm>
+          <a:effectLst>
+            <a:outerShdw blurRad="63500" sx="102000" sy="102000" algn="ctr" rotWithShape="0">
+              <a:prstClr val="black">
+                <a:alpha val="40000"/>
+              </a:prstClr>
+            </a:outerShdw>
+          </a:effectLst>
+        </p:grpSpPr>
+        <p:sp>
+          <p:nvSpPr>
+            <p:cNvPr id="75" name="正方形/長方形 74"/>
+            <p:cNvSpPr/>
+            <p:nvPr/>
+          </p:nvSpPr>
+          <p:spPr>
+            <a:xfrm>
+              <a:off x="2144218" y="1542871"/>
+              <a:ext cx="1045597" cy="1045599"/>
+            </a:xfrm>
+            <a:prstGeom prst="rect">
+              <a:avLst/>
+            </a:prstGeom>
+            <a:blipFill dpi="0" rotWithShape="1">
+              <a:blip r:embed="rId7">
+                <a:alphaModFix amt="60000"/>
+              </a:blip>
+              <a:srcRect/>
+              <a:stretch>
+                <a:fillRect/>
+              </a:stretch>
+            </a:blipFill>
+            <a:ln>
+              <a:noFill/>
+            </a:ln>
+          </p:spPr>
+          <p:style>
+            <a:lnRef idx="2">
+              <a:schemeClr val="accent1">
+                <a:shade val="50000"/>
+              </a:schemeClr>
+            </a:lnRef>
+            <a:fillRef idx="1">
+              <a:schemeClr val="accent1"/>
+            </a:fillRef>
+            <a:effectRef idx="0">
+              <a:schemeClr val="accent1"/>
+            </a:effectRef>
+            <a:fontRef idx="minor">
+              <a:schemeClr val="lt1"/>
+            </a:fontRef>
+          </p:style>
+          <p:txBody>
+            <a:bodyPr rtlCol="0" anchor="ctr"/>
+            <a:lstStyle/>
+            <a:p>
+              <a:pPr algn="ctr"/>
+              <a:endParaRPr kumimoji="1" lang="ja-JP" altLang="en-US"/>
+            </a:p>
+          </p:txBody>
+        </p:sp>
+        <p:sp>
+          <p:nvSpPr>
+            <p:cNvPr id="76" name="正方形/長方形 75"/>
+            <p:cNvSpPr/>
+            <p:nvPr/>
+          </p:nvSpPr>
+          <p:spPr>
+            <a:xfrm>
+              <a:off x="2157334" y="1798192"/>
+              <a:ext cx="1045597" cy="1045599"/>
+            </a:xfrm>
+            <a:prstGeom prst="rect">
+              <a:avLst/>
+            </a:prstGeom>
+            <a:blipFill dpi="0" rotWithShape="1">
+              <a:blip r:embed="rId7">
+                <a:alphaModFix amt="60000"/>
+              </a:blip>
+              <a:srcRect/>
+              <a:stretch>
+                <a:fillRect/>
+              </a:stretch>
+            </a:blipFill>
+            <a:ln>
+              <a:noFill/>
+            </a:ln>
+          </p:spPr>
+          <p:style>
+            <a:lnRef idx="2">
+              <a:schemeClr val="accent1">
+                <a:shade val="50000"/>
+              </a:schemeClr>
+            </a:lnRef>
+            <a:fillRef idx="1">
+              <a:schemeClr val="accent1"/>
+            </a:fillRef>
+            <a:effectRef idx="0">
+              <a:schemeClr val="accent1"/>
+            </a:effectRef>
+            <a:fontRef idx="minor">
+              <a:schemeClr val="lt1"/>
+            </a:fontRef>
+          </p:style>
+          <p:txBody>
+            <a:bodyPr rtlCol="0" anchor="ctr"/>
+            <a:lstStyle/>
+            <a:p>
+              <a:pPr algn="ctr"/>
+              <a:endParaRPr kumimoji="1" lang="ja-JP" altLang="en-US"/>
+            </a:p>
+          </p:txBody>
+        </p:sp>
+        <p:sp>
+          <p:nvSpPr>
+            <p:cNvPr id="77" name="正方形/長方形 76"/>
+            <p:cNvSpPr/>
+            <p:nvPr/>
+          </p:nvSpPr>
+          <p:spPr>
+            <a:xfrm>
+              <a:off x="2131102" y="2065670"/>
+              <a:ext cx="1045597" cy="1045599"/>
+            </a:xfrm>
+            <a:prstGeom prst="rect">
+              <a:avLst/>
+            </a:prstGeom>
+            <a:blipFill dpi="0" rotWithShape="1">
+              <a:blip r:embed="rId7"/>
+              <a:srcRect/>
+              <a:stretch>
+                <a:fillRect/>
+              </a:stretch>
+            </a:blipFill>
+            <a:ln>
+              <a:noFill/>
+            </a:ln>
+          </p:spPr>
+          <p:style>
+            <a:lnRef idx="2">
+              <a:schemeClr val="accent1">
+                <a:shade val="50000"/>
+              </a:schemeClr>
+            </a:lnRef>
+            <a:fillRef idx="1">
+              <a:schemeClr val="accent1"/>
+            </a:fillRef>
+            <a:effectRef idx="0">
+              <a:schemeClr val="accent1"/>
+            </a:effectRef>
+            <a:fontRef idx="minor">
+              <a:schemeClr val="lt1"/>
+            </a:fontRef>
+          </p:style>
+          <p:txBody>
+            <a:bodyPr rtlCol="0" anchor="ctr"/>
+            <a:lstStyle/>
+            <a:p>
+              <a:pPr algn="ctr"/>
+              <a:endParaRPr kumimoji="1" lang="ja-JP" altLang="en-US"/>
+            </a:p>
+          </p:txBody>
+        </p:sp>
+      </p:grpSp>
+      <p:sp>
+        <p:nvSpPr>
+          <p:cNvPr id="79" name="角丸四角形 78"/>
+          <p:cNvSpPr/>
+          <p:nvPr/>
+        </p:nvSpPr>
+        <p:spPr>
+          <a:xfrm>
+            <a:off x="2335920" y="1339796"/>
+            <a:ext cx="7520157" cy="1718966"/>
+          </a:xfrm>
+          <a:prstGeom prst="roundRect">
+            <a:avLst/>
+          </a:prstGeom>
+          <a:solidFill>
+            <a:schemeClr val="bg1">
+              <a:alpha val="70000"/>
+            </a:schemeClr>
+          </a:solidFill>
+          <a:ln w="76200">
+            <a:solidFill>
+              <a:schemeClr val="tx1"/>
+            </a:solidFill>
+          </a:ln>
+        </p:spPr>
+        <p:style>
+          <a:lnRef idx="2">
+            <a:schemeClr val="accent1">
+              <a:shade val="50000"/>
+            </a:schemeClr>
+          </a:lnRef>
+          <a:fillRef idx="1">
+            <a:schemeClr val="accent1"/>
+          </a:fillRef>
+          <a:effectRef idx="0">
+            <a:schemeClr val="accent1"/>
+          </a:effectRef>
+          <a:fontRef idx="minor">
+            <a:schemeClr val="lt1"/>
+          </a:fontRef>
+        </p:style>
+        <p:txBody>
+          <a:bodyPr rtlCol="0" anchor="ctr"/>
+          <a:lstStyle/>
+          <a:p>
+            <a:pPr algn="ctr">
+              <a:spcAft>
+                <a:spcPts val="900"/>
+              </a:spcAft>
+            </a:pPr>
+            <a:r>
+              <a:rPr lang="ja-JP" altLang="en-US" sz="3200" dirty="0">
+                <a:solidFill>
+                  <a:schemeClr val="tx1"/>
+                </a:solidFill>
+                <a:latin typeface="HG創英角ｺﾞｼｯｸUB" panose="020B0909000000000000" pitchFamily="49" charset="-128"/>
+                <a:ea typeface="HG創英角ｺﾞｼｯｸUB" panose="020B0909000000000000" pitchFamily="49" charset="-128"/>
+              </a:rPr>
+              <a:t>まずい、ダンジョンが崩れ始めた！</a:t>
+            </a:r>
+            <a:endParaRPr lang="en-US" altLang="ja-JP" sz="3200" dirty="0">
+              <a:solidFill>
+                <a:schemeClr val="tx1"/>
+              </a:solidFill>
+              <a:latin typeface="HG創英角ｺﾞｼｯｸUB" panose="020B0909000000000000" pitchFamily="49" charset="-128"/>
+              <a:ea typeface="HG創英角ｺﾞｼｯｸUB" panose="020B0909000000000000" pitchFamily="49" charset="-128"/>
+            </a:endParaRPr>
+          </a:p>
+          <a:p>
+            <a:pPr algn="ctr">
+              <a:spcAft>
+                <a:spcPts val="900"/>
+              </a:spcAft>
+            </a:pPr>
+            <a:r>
+              <a:rPr lang="ja-JP" altLang="en-US" sz="3200" dirty="0">
+                <a:solidFill>
+                  <a:schemeClr val="tx1"/>
+                </a:solidFill>
+                <a:latin typeface="HG創英角ｺﾞｼｯｸUB" panose="020B0909000000000000" pitchFamily="49" charset="-128"/>
+                <a:ea typeface="HG創英角ｺﾞｼｯｸUB" panose="020B0909000000000000" pitchFamily="49" charset="-128"/>
+              </a:rPr>
+              <a:t>早くここから抜け出さないと！</a:t>
+            </a:r>
+            <a:r>
+              <a:rPr lang="ja-JP" altLang="en-US" sz="3200" dirty="0" smtClean="0">
+                <a:solidFill>
+                  <a:schemeClr val="tx1"/>
+                </a:solidFill>
+                <a:latin typeface="HG創英角ｺﾞｼｯｸUB" panose="020B0909000000000000" pitchFamily="49" charset="-128"/>
+                <a:ea typeface="HG創英角ｺﾞｼｯｸUB" panose="020B0909000000000000" pitchFamily="49" charset="-128"/>
+              </a:rPr>
+              <a:t>！</a:t>
+            </a:r>
+            <a:endParaRPr lang="ja-JP" altLang="en-US" sz="3200" dirty="0">
+              <a:solidFill>
+                <a:schemeClr val="tx1"/>
+              </a:solidFill>
+              <a:latin typeface="HG創英角ｺﾞｼｯｸUB" panose="020B0909000000000000" pitchFamily="49" charset="-128"/>
+              <a:ea typeface="HG創英角ｺﾞｼｯｸUB" panose="020B0909000000000000" pitchFamily="49" charset="-128"/>
+            </a:endParaRPr>
+          </a:p>
+        </p:txBody>
+      </p:sp>
+    </p:spTree>
+    <p:extLst>
+      <p:ext uri="{BB962C8B-B14F-4D97-AF65-F5344CB8AC3E}">
+        <p14:creationId xmlns:p14="http://schemas.microsoft.com/office/powerpoint/2010/main" val="514900886"/>
+      </p:ext>
+    </p:extLst>
+  </p:cSld>
+  <p:clrMapOvr>
+    <a:masterClrMapping/>
+  </p:clrMapOvr>
+</p:sld>
+</file>
+
+<file path=ppt/slides/slide2.xml><?xml version="1.0" encoding="utf-8"?>
+<p:sld xmlns:a="http://schemas.openxmlformats.org/drawingml/2006/main" xmlns:r="http://schemas.openxmlformats.org/officeDocument/2006/relationships" xmlns:p="http://schemas.openxmlformats.org/presentationml/2006/main">
+  <p:cSld>
+    <p:spTree>
+      <p:nvGrpSpPr>
+        <p:cNvPr id="1" name=""/>
+        <p:cNvGrpSpPr/>
+        <p:nvPr/>
+      </p:nvGrpSpPr>
+      <p:grpSpPr>
+        <a:xfrm>
+          <a:off x="0" y="0"/>
+          <a:ext cx="0" cy="0"/>
+          <a:chOff x="0" y="0"/>
+          <a:chExt cx="0" cy="0"/>
+        </a:xfrm>
+      </p:grpSpPr>
+      <p:pic>
+        <p:nvPicPr>
+          <p:cNvPr id="14" name="図 13">
+            <a:extLst>
+              <a:ext uri="{FF2B5EF4-FFF2-40B4-BE49-F238E27FC236}">
+                <a16:creationId xmlns:a16="http://schemas.microsoft.com/office/drawing/2014/main" id="{AAA4B2AC-6C5D-A987-C083-EEC0C63BBC1B}"/>
+              </a:ext>
+            </a:extLst>
+          </p:cNvPr>
+          <p:cNvPicPr>
+            <a:picLocks noChangeAspect="1"/>
+          </p:cNvPicPr>
+          <p:nvPr/>
+        </p:nvPicPr>
+        <p:blipFill>
+          <a:blip r:embed="rId2">
+            <a:extLst>
+              <a:ext uri="{28A0092B-C50C-407E-A947-70E740481C1C}">
+                <a14:useLocalDpi xmlns:a14="http://schemas.microsoft.com/office/drawing/2010/main" val="0"/>
+              </a:ext>
+            </a:extLst>
+          </a:blip>
+          <a:stretch>
+            <a:fillRect/>
+          </a:stretch>
+        </p:blipFill>
+        <p:spPr>
+          <a:xfrm>
+            <a:off x="-1" y="0"/>
+            <a:ext cx="12192000" cy="6858001"/>
+          </a:xfrm>
+          <a:prstGeom prst="rect">
+            <a:avLst/>
+          </a:prstGeom>
+        </p:spPr>
+      </p:pic>
+      <p:pic>
+        <p:nvPicPr>
+          <p:cNvPr id="11" name="図 10">
+            <a:extLst>
+              <a:ext uri="{FF2B5EF4-FFF2-40B4-BE49-F238E27FC236}">
+                <a16:creationId xmlns:a16="http://schemas.microsoft.com/office/drawing/2014/main" id="{089D75A4-4671-C746-AEEE-79CC7D9F43C3}"/>
+              </a:ext>
+            </a:extLst>
+          </p:cNvPr>
+          <p:cNvPicPr>
+            <a:picLocks noChangeAspect="1"/>
+          </p:cNvPicPr>
+          <p:nvPr/>
+        </p:nvPicPr>
+        <p:blipFill rotWithShape="1">
+          <a:blip r:embed="rId3">
+            <a:extLst>
+              <a:ext uri="{28A0092B-C50C-407E-A947-70E740481C1C}">
+                <a14:useLocalDpi xmlns:a14="http://schemas.microsoft.com/office/drawing/2010/main" val="0"/>
+              </a:ext>
+            </a:extLst>
+          </a:blip>
+          <a:srcRect l="1971" r="1"/>
+          <a:stretch/>
+        </p:blipFill>
+        <p:spPr>
+          <a:xfrm>
+            <a:off x="3257550" y="5013799"/>
+            <a:ext cx="9170838" cy="1303679"/>
+          </a:xfrm>
+          <a:prstGeom prst="rect">
+            <a:avLst/>
+          </a:prstGeom>
+        </p:spPr>
+      </p:pic>
+      <p:grpSp>
+        <p:nvGrpSpPr>
+          <p:cNvPr id="4" name="グループ化 3"/>
+          <p:cNvGrpSpPr/>
+          <p:nvPr/>
+        </p:nvGrpSpPr>
+        <p:grpSpPr>
+          <a:xfrm rot="538230">
+            <a:off x="85421" y="3873268"/>
+            <a:ext cx="3140932" cy="1342054"/>
+            <a:chOff x="2797378" y="2947808"/>
+            <a:chExt cx="4085559" cy="1745673"/>
+          </a:xfrm>
+        </p:grpSpPr>
+        <p:pic>
+          <p:nvPicPr>
+            <p:cNvPr id="2" name="図 1"/>
+            <p:cNvPicPr>
+              <a:picLocks noChangeAspect="1"/>
+            </p:cNvPicPr>
+            <p:nvPr/>
+          </p:nvPicPr>
+          <p:blipFill rotWithShape="1">
+            <a:blip r:embed="rId4" cstate="print">
+              <a:extLst>
+                <a:ext uri="{28A0092B-C50C-407E-A947-70E740481C1C}">
+                  <a14:useLocalDpi xmlns:a14="http://schemas.microsoft.com/office/drawing/2010/main" val="0"/>
+                </a:ext>
+              </a:extLst>
+            </a:blip>
+            <a:srcRect t="62247" b="7543"/>
+            <a:stretch/>
+          </p:blipFill>
+          <p:spPr>
+            <a:xfrm>
+              <a:off x="2797378" y="2947808"/>
+              <a:ext cx="4085559" cy="1745673"/>
+            </a:xfrm>
+            <a:prstGeom prst="rect">
+              <a:avLst/>
+            </a:prstGeom>
+          </p:spPr>
+        </p:pic>
+        <p:grpSp>
+          <p:nvGrpSpPr>
+            <p:cNvPr id="12" name="グループ化 11">
+              <a:extLst>
+                <a:ext uri="{FF2B5EF4-FFF2-40B4-BE49-F238E27FC236}">
+                  <a16:creationId xmlns:a16="http://schemas.microsoft.com/office/drawing/2014/main" id="{48EEB89F-0C05-8BA7-34A9-84B39148FA41}"/>
+                </a:ext>
+              </a:extLst>
+            </p:cNvPr>
+            <p:cNvGrpSpPr/>
+            <p:nvPr/>
+          </p:nvGrpSpPr>
+          <p:grpSpPr>
+            <a:xfrm>
+              <a:off x="3836999" y="3169642"/>
+              <a:ext cx="2006315" cy="1065706"/>
+              <a:chOff x="5207381" y="4553524"/>
+              <a:chExt cx="2499548" cy="1327699"/>
+            </a:xfrm>
+          </p:grpSpPr>
+          <p:pic>
+            <p:nvPicPr>
+              <p:cNvPr id="3" name="図 2">
+                <a:extLst>
+                  <a:ext uri="{FF2B5EF4-FFF2-40B4-BE49-F238E27FC236}">
+                    <a16:creationId xmlns:a16="http://schemas.microsoft.com/office/drawing/2014/main" id="{6C42171E-833E-39A4-6BB1-4E201405B81B}"/>
+                  </a:ext>
+                </a:extLst>
+              </p:cNvPr>
+              <p:cNvPicPr>
+                <a:picLocks noChangeAspect="1"/>
+              </p:cNvPicPr>
+              <p:nvPr/>
+            </p:nvPicPr>
+            <p:blipFill>
+              <a:blip r:embed="rId5">
+                <a:extLst>
+                  <a:ext uri="{28A0092B-C50C-407E-A947-70E740481C1C}">
+                    <a14:useLocalDpi xmlns:a14="http://schemas.microsoft.com/office/drawing/2010/main" val="0"/>
+                  </a:ext>
+                </a:extLst>
+              </a:blip>
+              <a:stretch>
+                <a:fillRect/>
+              </a:stretch>
+            </p:blipFill>
+            <p:spPr>
+              <a:xfrm flipH="1">
+                <a:off x="6487559" y="4553524"/>
+                <a:ext cx="1219370" cy="1219370"/>
+              </a:xfrm>
+              <a:prstGeom prst="rect">
+                <a:avLst/>
+              </a:prstGeom>
+            </p:spPr>
+          </p:pic>
+          <p:pic>
+            <p:nvPicPr>
+              <p:cNvPr id="7" name="図 6">
+                <a:extLst>
+                  <a:ext uri="{FF2B5EF4-FFF2-40B4-BE49-F238E27FC236}">
+                    <a16:creationId xmlns:a16="http://schemas.microsoft.com/office/drawing/2014/main" id="{317D22B9-1BDC-9BCA-001F-4F35061C55B1}"/>
+                  </a:ext>
+                </a:extLst>
+              </p:cNvPr>
+              <p:cNvPicPr>
+                <a:picLocks noChangeAspect="1"/>
+              </p:cNvPicPr>
+              <p:nvPr/>
+            </p:nvPicPr>
+            <p:blipFill>
+              <a:blip r:embed="rId6">
+                <a:extLst>
+                  <a:ext uri="{28A0092B-C50C-407E-A947-70E740481C1C}">
+                    <a14:useLocalDpi xmlns:a14="http://schemas.microsoft.com/office/drawing/2010/main" val="0"/>
+                  </a:ext>
+                </a:extLst>
+              </a:blip>
+              <a:stretch>
+                <a:fillRect/>
+              </a:stretch>
+            </p:blipFill>
+            <p:spPr>
+              <a:xfrm>
+                <a:off x="5207381" y="4662022"/>
+                <a:ext cx="1219199" cy="1219201"/>
+              </a:xfrm>
+              <a:prstGeom prst="rect">
+                <a:avLst/>
+              </a:prstGeom>
+            </p:spPr>
+          </p:pic>
+        </p:grpSp>
+      </p:grpSp>
+      <p:pic>
+        <p:nvPicPr>
+          <p:cNvPr id="6" name="図 5"/>
+          <p:cNvPicPr>
+            <a:picLocks noChangeAspect="1"/>
+          </p:cNvPicPr>
+          <p:nvPr/>
+        </p:nvPicPr>
+        <p:blipFill rotWithShape="1">
+          <a:blip r:embed="rId7">
+            <a:extLst>
+              <a:ext uri="{28A0092B-C50C-407E-A947-70E740481C1C}">
+                <a14:useLocalDpi xmlns:a14="http://schemas.microsoft.com/office/drawing/2010/main" val="0"/>
+              </a:ext>
+            </a:extLst>
+          </a:blip>
+          <a:srcRect l="65910" r="-1" b="87781"/>
+          <a:stretch/>
+        </p:blipFill>
+        <p:spPr>
+          <a:xfrm>
+            <a:off x="-171450" y="5539050"/>
+            <a:ext cx="3429000" cy="691369"/>
+          </a:xfrm>
+          <a:prstGeom prst="rect">
+            <a:avLst/>
+          </a:prstGeom>
+        </p:spPr>
+      </p:pic>
+      <p:sp>
+        <p:nvSpPr>
+          <p:cNvPr id="8" name="正方形/長方形 7"/>
+          <p:cNvSpPr/>
+          <p:nvPr/>
+        </p:nvSpPr>
+        <p:spPr>
+          <a:xfrm>
+            <a:off x="-1" y="0"/>
+            <a:ext cx="12192000" cy="781050"/>
+          </a:xfrm>
+          <a:prstGeom prst="rect">
+            <a:avLst/>
+          </a:prstGeom>
+          <a:solidFill>
+            <a:schemeClr val="tx1">
+              <a:lumMod val="85000"/>
+              <a:lumOff val="15000"/>
+            </a:schemeClr>
+          </a:solidFill>
+          <a:ln>
+            <a:noFill/>
+          </a:ln>
+        </p:spPr>
+        <p:style>
+          <a:lnRef idx="2">
+            <a:schemeClr val="accent1">
+              <a:shade val="50000"/>
+            </a:schemeClr>
+          </a:lnRef>
+          <a:fillRef idx="1">
+            <a:schemeClr val="accent1"/>
+          </a:fillRef>
+          <a:effectRef idx="0">
+            <a:schemeClr val="accent1"/>
+          </a:effectRef>
+          <a:fontRef idx="minor">
+            <a:schemeClr val="lt1"/>
+          </a:fontRef>
+        </p:style>
+        <p:txBody>
+          <a:bodyPr rtlCol="0" anchor="ctr"/>
+          <a:lstStyle/>
+          <a:p>
+            <a:pPr algn="ctr"/>
+            <a:endParaRPr kumimoji="1" lang="ja-JP" altLang="en-US"/>
+          </a:p>
+        </p:txBody>
+      </p:sp>
+      <p:sp>
+        <p:nvSpPr>
+          <p:cNvPr id="17" name="正方形/長方形 16"/>
+          <p:cNvSpPr/>
+          <p:nvPr/>
+        </p:nvSpPr>
+        <p:spPr>
+          <a:xfrm>
+            <a:off x="-1" y="6076952"/>
+            <a:ext cx="12192000" cy="781050"/>
+          </a:xfrm>
+          <a:prstGeom prst="rect">
+            <a:avLst/>
+          </a:prstGeom>
+          <a:solidFill>
+            <a:schemeClr val="tx1">
+              <a:lumMod val="85000"/>
+              <a:lumOff val="15000"/>
+            </a:schemeClr>
+          </a:solidFill>
+          <a:ln>
+            <a:noFill/>
+          </a:ln>
+        </p:spPr>
+        <p:style>
+          <a:lnRef idx="2">
+            <a:schemeClr val="accent1">
+              <a:shade val="50000"/>
+            </a:schemeClr>
+          </a:lnRef>
+          <a:fillRef idx="1">
+            <a:schemeClr val="accent1"/>
+          </a:fillRef>
+          <a:effectRef idx="0">
+            <a:schemeClr val="accent1"/>
+          </a:effectRef>
+          <a:fontRef idx="minor">
+            <a:schemeClr val="lt1"/>
+          </a:fontRef>
+        </p:style>
+        <p:txBody>
+          <a:bodyPr rtlCol="0" anchor="ctr"/>
+          <a:lstStyle/>
+          <a:p>
+            <a:pPr algn="ctr"/>
+            <a:endParaRPr kumimoji="1" lang="ja-JP" altLang="en-US"/>
+          </a:p>
+        </p:txBody>
+      </p:sp>
+    </p:spTree>
+    <p:extLst>
+      <p:ext uri="{BB962C8B-B14F-4D97-AF65-F5344CB8AC3E}">
+        <p14:creationId xmlns:p14="http://schemas.microsoft.com/office/powerpoint/2010/main" val="3168215252"/>
+      </p:ext>
+    </p:extLst>
+  </p:cSld>
+  <p:clrMapOvr>
+    <a:masterClrMapping/>
+  </p:clrMapOvr>
+</p:sld>
+</file>
+
+<file path=ppt/slides/slide3.xml><?xml version="1.0" encoding="utf-8"?>
+<p:sld xmlns:a="http://schemas.openxmlformats.org/drawingml/2006/main" xmlns:r="http://schemas.openxmlformats.org/officeDocument/2006/relationships" xmlns:p="http://schemas.openxmlformats.org/presentationml/2006/main">
+  <p:cSld>
+    <p:spTree>
+      <p:nvGrpSpPr>
+        <p:cNvPr id="1" name=""/>
+        <p:cNvGrpSpPr/>
+        <p:nvPr/>
+      </p:nvGrpSpPr>
+      <p:grpSpPr>
+        <a:xfrm>
+          <a:off x="0" y="0"/>
+          <a:ext cx="0" cy="0"/>
+          <a:chOff x="0" y="0"/>
+          <a:chExt cx="0" cy="0"/>
+        </a:xfrm>
+      </p:grpSpPr>
+      <p:pic>
+        <p:nvPicPr>
+          <p:cNvPr id="14" name="図 13">
+            <a:extLst>
+              <a:ext uri="{FF2B5EF4-FFF2-40B4-BE49-F238E27FC236}">
+                <a16:creationId xmlns:a16="http://schemas.microsoft.com/office/drawing/2014/main" id="{AAA4B2AC-6C5D-A987-C083-EEC0C63BBC1B}"/>
+              </a:ext>
+            </a:extLst>
+          </p:cNvPr>
+          <p:cNvPicPr>
+            <a:picLocks noChangeAspect="1"/>
+          </p:cNvPicPr>
+          <p:nvPr/>
+        </p:nvPicPr>
+        <p:blipFill>
+          <a:blip r:embed="rId2">
+            <a:extLst>
+              <a:ext uri="{28A0092B-C50C-407E-A947-70E740481C1C}">
+                <a14:useLocalDpi xmlns:a14="http://schemas.microsoft.com/office/drawing/2010/main" val="0"/>
+              </a:ext>
+            </a:extLst>
+          </a:blip>
+          <a:stretch>
+            <a:fillRect/>
+          </a:stretch>
+        </p:blipFill>
+        <p:spPr>
+          <a:xfrm>
+            <a:off x="-1" y="0"/>
+            <a:ext cx="12192000" cy="6858001"/>
+          </a:xfrm>
+          <a:prstGeom prst="rect">
+            <a:avLst/>
+          </a:prstGeom>
+        </p:spPr>
+      </p:pic>
+      <p:pic>
+        <p:nvPicPr>
+          <p:cNvPr id="11" name="図 10">
+            <a:extLst>
+              <a:ext uri="{FF2B5EF4-FFF2-40B4-BE49-F238E27FC236}">
+                <a16:creationId xmlns:a16="http://schemas.microsoft.com/office/drawing/2014/main" id="{089D75A4-4671-C746-AEEE-79CC7D9F43C3}"/>
+              </a:ext>
+            </a:extLst>
+          </p:cNvPr>
+          <p:cNvPicPr>
+            <a:picLocks noChangeAspect="1"/>
+          </p:cNvPicPr>
+          <p:nvPr/>
+        </p:nvPicPr>
+        <p:blipFill rotWithShape="1">
+          <a:blip r:embed="rId3">
+            <a:extLst>
+              <a:ext uri="{28A0092B-C50C-407E-A947-70E740481C1C}">
+                <a14:useLocalDpi xmlns:a14="http://schemas.microsoft.com/office/drawing/2010/main" val="0"/>
+              </a:ext>
+            </a:extLst>
+          </a:blip>
+          <a:srcRect l="1971" r="1"/>
+          <a:stretch/>
+        </p:blipFill>
+        <p:spPr>
+          <a:xfrm>
+            <a:off x="3257550" y="5013799"/>
+            <a:ext cx="9170838" cy="1303679"/>
+          </a:xfrm>
+          <a:prstGeom prst="rect">
+            <a:avLst/>
+          </a:prstGeom>
+        </p:spPr>
+      </p:pic>
+      <p:grpSp>
+        <p:nvGrpSpPr>
+          <p:cNvPr id="4" name="グループ化 3"/>
+          <p:cNvGrpSpPr/>
+          <p:nvPr/>
+        </p:nvGrpSpPr>
+        <p:grpSpPr>
+          <a:xfrm rot="239137">
+            <a:off x="4276420" y="2757973"/>
+            <a:ext cx="3140932" cy="1342054"/>
+            <a:chOff x="2797378" y="2947808"/>
+            <a:chExt cx="4085559" cy="1745673"/>
+          </a:xfrm>
+        </p:grpSpPr>
+        <p:pic>
+          <p:nvPicPr>
+            <p:cNvPr id="2" name="図 1"/>
+            <p:cNvPicPr>
+              <a:picLocks noChangeAspect="1"/>
+            </p:cNvPicPr>
+            <p:nvPr/>
+          </p:nvPicPr>
+          <p:blipFill rotWithShape="1">
+            <a:blip r:embed="rId4" cstate="print">
+              <a:extLst>
+                <a:ext uri="{28A0092B-C50C-407E-A947-70E740481C1C}">
+                  <a14:useLocalDpi xmlns:a14="http://schemas.microsoft.com/office/drawing/2010/main" val="0"/>
+                </a:ext>
+              </a:extLst>
+            </a:blip>
+            <a:srcRect t="62247" b="7543"/>
+            <a:stretch/>
+          </p:blipFill>
+          <p:spPr>
+            <a:xfrm>
+              <a:off x="2797378" y="2947808"/>
+              <a:ext cx="4085559" cy="1745673"/>
+            </a:xfrm>
+            <a:prstGeom prst="rect">
+              <a:avLst/>
+            </a:prstGeom>
+          </p:spPr>
+        </p:pic>
+        <p:grpSp>
+          <p:nvGrpSpPr>
+            <p:cNvPr id="12" name="グループ化 11">
+              <a:extLst>
+                <a:ext uri="{FF2B5EF4-FFF2-40B4-BE49-F238E27FC236}">
+                  <a16:creationId xmlns:a16="http://schemas.microsoft.com/office/drawing/2014/main" id="{48EEB89F-0C05-8BA7-34A9-84B39148FA41}"/>
+                </a:ext>
+              </a:extLst>
+            </p:cNvPr>
+            <p:cNvGrpSpPr/>
+            <p:nvPr/>
+          </p:nvGrpSpPr>
+          <p:grpSpPr>
+            <a:xfrm>
+              <a:off x="3836999" y="3169642"/>
+              <a:ext cx="2006315" cy="1065706"/>
+              <a:chOff x="5207381" y="4553524"/>
+              <a:chExt cx="2499548" cy="1327699"/>
+            </a:xfrm>
+          </p:grpSpPr>
+          <p:pic>
+            <p:nvPicPr>
+              <p:cNvPr id="3" name="図 2">
+                <a:extLst>
+                  <a:ext uri="{FF2B5EF4-FFF2-40B4-BE49-F238E27FC236}">
+                    <a16:creationId xmlns:a16="http://schemas.microsoft.com/office/drawing/2014/main" id="{6C42171E-833E-39A4-6BB1-4E201405B81B}"/>
+                  </a:ext>
+                </a:extLst>
+              </p:cNvPr>
+              <p:cNvPicPr>
+                <a:picLocks noChangeAspect="1"/>
+              </p:cNvPicPr>
+              <p:nvPr/>
+            </p:nvPicPr>
+            <p:blipFill>
+              <a:blip r:embed="rId5">
+                <a:extLst>
+                  <a:ext uri="{28A0092B-C50C-407E-A947-70E740481C1C}">
+                    <a14:useLocalDpi xmlns:a14="http://schemas.microsoft.com/office/drawing/2010/main" val="0"/>
+                  </a:ext>
+                </a:extLst>
+              </a:blip>
+              <a:stretch>
+                <a:fillRect/>
+              </a:stretch>
+            </p:blipFill>
+            <p:spPr>
+              <a:xfrm flipH="1">
+                <a:off x="6487559" y="4553524"/>
+                <a:ext cx="1219370" cy="1219370"/>
+              </a:xfrm>
+              <a:prstGeom prst="rect">
+                <a:avLst/>
+              </a:prstGeom>
+            </p:spPr>
+          </p:pic>
+          <p:pic>
+            <p:nvPicPr>
+              <p:cNvPr id="7" name="図 6">
+                <a:extLst>
+                  <a:ext uri="{FF2B5EF4-FFF2-40B4-BE49-F238E27FC236}">
+                    <a16:creationId xmlns:a16="http://schemas.microsoft.com/office/drawing/2014/main" id="{317D22B9-1BDC-9BCA-001F-4F35061C55B1}"/>
+                  </a:ext>
+                </a:extLst>
+              </p:cNvPr>
+              <p:cNvPicPr>
+                <a:picLocks noChangeAspect="1"/>
+              </p:cNvPicPr>
+              <p:nvPr/>
+            </p:nvPicPr>
+            <p:blipFill>
+              <a:blip r:embed="rId6">
+                <a:extLst>
+                  <a:ext uri="{28A0092B-C50C-407E-A947-70E740481C1C}">
+                    <a14:useLocalDpi xmlns:a14="http://schemas.microsoft.com/office/drawing/2010/main" val="0"/>
+                  </a:ext>
+                </a:extLst>
+              </a:blip>
+              <a:stretch>
+                <a:fillRect/>
+              </a:stretch>
+            </p:blipFill>
+            <p:spPr>
+              <a:xfrm>
+                <a:off x="5207381" y="4662022"/>
+                <a:ext cx="1219199" cy="1219201"/>
+              </a:xfrm>
+              <a:prstGeom prst="rect">
+                <a:avLst/>
+              </a:prstGeom>
+            </p:spPr>
+          </p:pic>
+        </p:grpSp>
+      </p:grpSp>
+      <p:pic>
+        <p:nvPicPr>
+          <p:cNvPr id="6" name="図 5"/>
+          <p:cNvPicPr>
+            <a:picLocks noChangeAspect="1"/>
+          </p:cNvPicPr>
+          <p:nvPr/>
+        </p:nvPicPr>
+        <p:blipFill rotWithShape="1">
+          <a:blip r:embed="rId7">
+            <a:extLst>
+              <a:ext uri="{28A0092B-C50C-407E-A947-70E740481C1C}">
+                <a14:useLocalDpi xmlns:a14="http://schemas.microsoft.com/office/drawing/2010/main" val="0"/>
+              </a:ext>
+            </a:extLst>
+          </a:blip>
+          <a:srcRect l="65910" r="-1" b="87781"/>
+          <a:stretch/>
+        </p:blipFill>
+        <p:spPr>
+          <a:xfrm>
+            <a:off x="-171450" y="5539050"/>
+            <a:ext cx="3429000" cy="691369"/>
+          </a:xfrm>
+          <a:prstGeom prst="rect">
+            <a:avLst/>
+          </a:prstGeom>
+        </p:spPr>
+      </p:pic>
+      <p:sp>
+        <p:nvSpPr>
+          <p:cNvPr id="8" name="正方形/長方形 7"/>
+          <p:cNvSpPr/>
+          <p:nvPr/>
+        </p:nvSpPr>
+        <p:spPr>
+          <a:xfrm>
+            <a:off x="-1" y="0"/>
+            <a:ext cx="12192000" cy="781050"/>
+          </a:xfrm>
+          <a:prstGeom prst="rect">
+            <a:avLst/>
+          </a:prstGeom>
+          <a:solidFill>
+            <a:schemeClr val="tx1">
+              <a:lumMod val="85000"/>
+              <a:lumOff val="15000"/>
+            </a:schemeClr>
+          </a:solidFill>
+          <a:ln>
+            <a:noFill/>
+          </a:ln>
+        </p:spPr>
+        <p:style>
+          <a:lnRef idx="2">
+            <a:schemeClr val="accent1">
+              <a:shade val="50000"/>
+            </a:schemeClr>
+          </a:lnRef>
+          <a:fillRef idx="1">
+            <a:schemeClr val="accent1"/>
+          </a:fillRef>
+          <a:effectRef idx="0">
+            <a:schemeClr val="accent1"/>
+          </a:effectRef>
+          <a:fontRef idx="minor">
+            <a:schemeClr val="lt1"/>
+          </a:fontRef>
+        </p:style>
+        <p:txBody>
+          <a:bodyPr rtlCol="0" anchor="ctr"/>
+          <a:lstStyle/>
+          <a:p>
+            <a:pPr algn="ctr"/>
+            <a:endParaRPr kumimoji="1" lang="ja-JP" altLang="en-US"/>
+          </a:p>
+        </p:txBody>
+      </p:sp>
+      <p:sp>
+        <p:nvSpPr>
+          <p:cNvPr id="17" name="正方形/長方形 16"/>
+          <p:cNvSpPr/>
+          <p:nvPr/>
+        </p:nvSpPr>
+        <p:spPr>
+          <a:xfrm>
+            <a:off x="-1" y="6076952"/>
+            <a:ext cx="12192000" cy="781050"/>
+          </a:xfrm>
+          <a:prstGeom prst="rect">
+            <a:avLst/>
+          </a:prstGeom>
+          <a:solidFill>
+            <a:schemeClr val="tx1">
+              <a:lumMod val="85000"/>
+              <a:lumOff val="15000"/>
+            </a:schemeClr>
+          </a:solidFill>
+          <a:ln>
+            <a:noFill/>
+          </a:ln>
+        </p:spPr>
+        <p:style>
+          <a:lnRef idx="2">
+            <a:schemeClr val="accent1">
+              <a:shade val="50000"/>
+            </a:schemeClr>
+          </a:lnRef>
+          <a:fillRef idx="1">
+            <a:schemeClr val="accent1"/>
+          </a:fillRef>
+          <a:effectRef idx="0">
+            <a:schemeClr val="accent1"/>
+          </a:effectRef>
+          <a:fontRef idx="minor">
+            <a:schemeClr val="lt1"/>
+          </a:fontRef>
+        </p:style>
+        <p:txBody>
+          <a:bodyPr rtlCol="0" anchor="ctr"/>
+          <a:lstStyle/>
+          <a:p>
+            <a:pPr algn="ctr"/>
+            <a:endParaRPr kumimoji="1" lang="ja-JP" altLang="en-US"/>
+          </a:p>
+        </p:txBody>
+      </p:sp>
+    </p:spTree>
+    <p:extLst>
+      <p:ext uri="{BB962C8B-B14F-4D97-AF65-F5344CB8AC3E}">
+        <p14:creationId xmlns:p14="http://schemas.microsoft.com/office/powerpoint/2010/main" val="329241545"/>
+      </p:ext>
+    </p:extLst>
+  </p:cSld>
+  <p:clrMapOvr>
+    <a:masterClrMapping/>
+  </p:clrMapOvr>
+</p:sld>
+</file>
+
+<file path=ppt/slides/slide4.xml><?xml version="1.0" encoding="utf-8"?>
+<p:sld xmlns:a="http://schemas.openxmlformats.org/drawingml/2006/main" xmlns:r="http://schemas.openxmlformats.org/officeDocument/2006/relationships" xmlns:p="http://schemas.openxmlformats.org/presentationml/2006/main">
+  <p:cSld>
+    <p:spTree>
+      <p:nvGrpSpPr>
+        <p:cNvPr id="1" name=""/>
+        <p:cNvGrpSpPr/>
+        <p:nvPr/>
+      </p:nvGrpSpPr>
+      <p:grpSpPr>
+        <a:xfrm>
+          <a:off x="0" y="0"/>
+          <a:ext cx="0" cy="0"/>
+          <a:chOff x="0" y="0"/>
+          <a:chExt cx="0" cy="0"/>
+        </a:xfrm>
+      </p:grpSpPr>
+      <p:pic>
+        <p:nvPicPr>
+          <p:cNvPr id="14" name="図 13">
+            <a:extLst>
+              <a:ext uri="{FF2B5EF4-FFF2-40B4-BE49-F238E27FC236}">
+                <a16:creationId xmlns:a16="http://schemas.microsoft.com/office/drawing/2014/main" id="{AAA4B2AC-6C5D-A987-C083-EEC0C63BBC1B}"/>
+              </a:ext>
+            </a:extLst>
+          </p:cNvPr>
+          <p:cNvPicPr>
+            <a:picLocks noChangeAspect="1"/>
+          </p:cNvPicPr>
+          <p:nvPr/>
+        </p:nvPicPr>
+        <p:blipFill>
+          <a:blip r:embed="rId2">
+            <a:extLst>
+              <a:ext uri="{28A0092B-C50C-407E-A947-70E740481C1C}">
+                <a14:useLocalDpi xmlns:a14="http://schemas.microsoft.com/office/drawing/2010/main" val="0"/>
+              </a:ext>
+            </a:extLst>
+          </a:blip>
+          <a:stretch>
+            <a:fillRect/>
+          </a:stretch>
+        </p:blipFill>
+        <p:spPr>
+          <a:xfrm>
+            <a:off x="-1" y="0"/>
+            <a:ext cx="12192000" cy="6858001"/>
+          </a:xfrm>
+          <a:prstGeom prst="rect">
+            <a:avLst/>
+          </a:prstGeom>
+        </p:spPr>
+      </p:pic>
+      <p:pic>
+        <p:nvPicPr>
+          <p:cNvPr id="11" name="図 10">
+            <a:extLst>
+              <a:ext uri="{FF2B5EF4-FFF2-40B4-BE49-F238E27FC236}">
+                <a16:creationId xmlns:a16="http://schemas.microsoft.com/office/drawing/2014/main" id="{089D75A4-4671-C746-AEEE-79CC7D9F43C3}"/>
+              </a:ext>
+            </a:extLst>
+          </p:cNvPr>
+          <p:cNvPicPr>
+            <a:picLocks noChangeAspect="1"/>
+          </p:cNvPicPr>
+          <p:nvPr/>
+        </p:nvPicPr>
+        <p:blipFill rotWithShape="1">
+          <a:blip r:embed="rId3">
+            <a:extLst>
+              <a:ext uri="{28A0092B-C50C-407E-A947-70E740481C1C}">
+                <a14:useLocalDpi xmlns:a14="http://schemas.microsoft.com/office/drawing/2010/main" val="0"/>
+              </a:ext>
+            </a:extLst>
+          </a:blip>
+          <a:srcRect l="1971" r="1"/>
+          <a:stretch/>
+        </p:blipFill>
+        <p:spPr>
+          <a:xfrm>
+            <a:off x="3257550" y="5013799"/>
+            <a:ext cx="9170838" cy="1303679"/>
+          </a:xfrm>
+          <a:prstGeom prst="rect">
+            <a:avLst/>
+          </a:prstGeom>
+        </p:spPr>
+      </p:pic>
+      <p:pic>
+        <p:nvPicPr>
+          <p:cNvPr id="3" name="図 2">
+            <a:extLst>
+              <a:ext uri="{FF2B5EF4-FFF2-40B4-BE49-F238E27FC236}">
+                <a16:creationId xmlns:a16="http://schemas.microsoft.com/office/drawing/2014/main" id="{6C42171E-833E-39A4-6BB1-4E201405B81B}"/>
+              </a:ext>
+            </a:extLst>
+          </p:cNvPr>
+          <p:cNvPicPr>
+            <a:picLocks noChangeAspect="1"/>
+          </p:cNvPicPr>
+          <p:nvPr/>
+        </p:nvPicPr>
+        <p:blipFill>
+          <a:blip r:embed="rId4">
+            <a:extLst>
+              <a:ext uri="{28A0092B-C50C-407E-A947-70E740481C1C}">
+                <a14:useLocalDpi xmlns:a14="http://schemas.microsoft.com/office/drawing/2010/main" val="0"/>
+              </a:ext>
+            </a:extLst>
+          </a:blip>
+          <a:stretch>
+            <a:fillRect/>
+          </a:stretch>
+        </p:blipFill>
+        <p:spPr>
+          <a:xfrm flipH="1">
+            <a:off x="8417083" y="4499383"/>
+            <a:ext cx="752454" cy="752454"/>
+          </a:xfrm>
+          <a:prstGeom prst="rect">
+            <a:avLst/>
+          </a:prstGeom>
+        </p:spPr>
+      </p:pic>
+      <p:pic>
+        <p:nvPicPr>
+          <p:cNvPr id="7" name="図 6">
+            <a:extLst>
+              <a:ext uri="{FF2B5EF4-FFF2-40B4-BE49-F238E27FC236}">
+                <a16:creationId xmlns:a16="http://schemas.microsoft.com/office/drawing/2014/main" id="{317D22B9-1BDC-9BCA-001F-4F35061C55B1}"/>
+              </a:ext>
+            </a:extLst>
+          </p:cNvPr>
+          <p:cNvPicPr>
+            <a:picLocks noChangeAspect="1"/>
+          </p:cNvPicPr>
+          <p:nvPr/>
+        </p:nvPicPr>
+        <p:blipFill>
+          <a:blip r:embed="rId5">
+            <a:extLst>
+              <a:ext uri="{28A0092B-C50C-407E-A947-70E740481C1C}">
+                <a14:useLocalDpi xmlns:a14="http://schemas.microsoft.com/office/drawing/2010/main" val="0"/>
+              </a:ext>
+            </a:extLst>
+          </a:blip>
+          <a:stretch>
+            <a:fillRect/>
+          </a:stretch>
+        </p:blipFill>
+        <p:spPr>
+          <a:xfrm>
+            <a:off x="7560838" y="4473275"/>
+            <a:ext cx="752349" cy="752350"/>
+          </a:xfrm>
+          <a:prstGeom prst="rect">
+            <a:avLst/>
+          </a:prstGeom>
+        </p:spPr>
+      </p:pic>
+      <p:pic>
+        <p:nvPicPr>
+          <p:cNvPr id="6" name="図 5"/>
+          <p:cNvPicPr>
+            <a:picLocks noChangeAspect="1"/>
+          </p:cNvPicPr>
+          <p:nvPr/>
+        </p:nvPicPr>
+        <p:blipFill rotWithShape="1">
+          <a:blip r:embed="rId6">
+            <a:extLst>
+              <a:ext uri="{28A0092B-C50C-407E-A947-70E740481C1C}">
+                <a14:useLocalDpi xmlns:a14="http://schemas.microsoft.com/office/drawing/2010/main" val="0"/>
+              </a:ext>
+            </a:extLst>
+          </a:blip>
+          <a:srcRect l="65910" r="-1" b="87781"/>
+          <a:stretch/>
+        </p:blipFill>
+        <p:spPr>
+          <a:xfrm>
+            <a:off x="-171450" y="5539050"/>
+            <a:ext cx="3429000" cy="691369"/>
+          </a:xfrm>
+          <a:prstGeom prst="rect">
+            <a:avLst/>
+          </a:prstGeom>
+        </p:spPr>
+      </p:pic>
+      <p:sp>
+        <p:nvSpPr>
+          <p:cNvPr id="8" name="正方形/長方形 7"/>
+          <p:cNvSpPr/>
+          <p:nvPr/>
+        </p:nvSpPr>
+        <p:spPr>
+          <a:xfrm>
+            <a:off x="-1" y="0"/>
+            <a:ext cx="12192000" cy="781050"/>
+          </a:xfrm>
+          <a:prstGeom prst="rect">
+            <a:avLst/>
+          </a:prstGeom>
+          <a:solidFill>
+            <a:schemeClr val="tx1">
+              <a:lumMod val="85000"/>
+              <a:lumOff val="15000"/>
+            </a:schemeClr>
+          </a:solidFill>
+          <a:ln>
+            <a:noFill/>
+          </a:ln>
+        </p:spPr>
+        <p:style>
+          <a:lnRef idx="2">
+            <a:schemeClr val="accent1">
+              <a:shade val="50000"/>
+            </a:schemeClr>
+          </a:lnRef>
+          <a:fillRef idx="1">
+            <a:schemeClr val="accent1"/>
+          </a:fillRef>
+          <a:effectRef idx="0">
+            <a:schemeClr val="accent1"/>
+          </a:effectRef>
+          <a:fontRef idx="minor">
+            <a:schemeClr val="lt1"/>
+          </a:fontRef>
+        </p:style>
+        <p:txBody>
+          <a:bodyPr rtlCol="0" anchor="ctr"/>
+          <a:lstStyle/>
+          <a:p>
+            <a:pPr algn="ctr"/>
+            <a:endParaRPr kumimoji="1" lang="ja-JP" altLang="en-US"/>
+          </a:p>
+        </p:txBody>
+      </p:sp>
+      <p:sp>
+        <p:nvSpPr>
+          <p:cNvPr id="17" name="正方形/長方形 16"/>
+          <p:cNvSpPr/>
+          <p:nvPr/>
+        </p:nvSpPr>
+        <p:spPr>
+          <a:xfrm>
+            <a:off x="-1" y="6076952"/>
+            <a:ext cx="12192000" cy="781050"/>
+          </a:xfrm>
+          <a:prstGeom prst="rect">
+            <a:avLst/>
+          </a:prstGeom>
+          <a:solidFill>
+            <a:schemeClr val="tx1">
+              <a:lumMod val="85000"/>
+              <a:lumOff val="15000"/>
+            </a:schemeClr>
+          </a:solidFill>
+          <a:ln>
+            <a:noFill/>
+          </a:ln>
+        </p:spPr>
+        <p:style>
+          <a:lnRef idx="2">
+            <a:schemeClr val="accent1">
+              <a:shade val="50000"/>
+            </a:schemeClr>
+          </a:lnRef>
+          <a:fillRef idx="1">
+            <a:schemeClr val="accent1"/>
+          </a:fillRef>
+          <a:effectRef idx="0">
+            <a:schemeClr val="accent1"/>
+          </a:effectRef>
+          <a:fontRef idx="minor">
+            <a:schemeClr val="lt1"/>
+          </a:fontRef>
+        </p:style>
+        <p:txBody>
+          <a:bodyPr rtlCol="0" anchor="ctr"/>
+          <a:lstStyle/>
+          <a:p>
+            <a:pPr algn="ctr"/>
+            <a:endParaRPr kumimoji="1" lang="ja-JP" altLang="en-US"/>
+          </a:p>
+        </p:txBody>
+      </p:sp>
+      <p:pic>
+        <p:nvPicPr>
+          <p:cNvPr id="13" name="図 12"/>
+          <p:cNvPicPr>
+            <a:picLocks noChangeAspect="1"/>
+          </p:cNvPicPr>
+          <p:nvPr/>
+        </p:nvPicPr>
+        <p:blipFill>
+          <a:blip r:embed="rId7">
+            <a:extLst>
+              <a:ext uri="{28A0092B-C50C-407E-A947-70E740481C1C}">
+                <a14:useLocalDpi xmlns:a14="http://schemas.microsoft.com/office/drawing/2010/main" val="0"/>
+              </a:ext>
+            </a:extLst>
+          </a:blip>
+          <a:stretch>
+            <a:fillRect/>
+          </a:stretch>
+        </p:blipFill>
+        <p:spPr>
+          <a:xfrm rot="271662">
+            <a:off x="4204881" y="3930167"/>
+            <a:ext cx="3137406" cy="1317363"/>
+          </a:xfrm>
+          <a:prstGeom prst="rect">
+            <a:avLst/>
+          </a:prstGeom>
+        </p:spPr>
+      </p:pic>
+    </p:spTree>
+    <p:extLst>
+      <p:ext uri="{BB962C8B-B14F-4D97-AF65-F5344CB8AC3E}">
+        <p14:creationId xmlns:p14="http://schemas.microsoft.com/office/powerpoint/2010/main" val="1897701322"/>
+      </p:ext>
+    </p:extLst>
+  </p:cSld>
+  <p:clrMapOvr>
+    <a:masterClrMapping/>
+  </p:clrMapOvr>
+</p:sld>
+</file>
+
+<file path=ppt/slides/slide5.xml><?xml version="1.0" encoding="utf-8"?>
+<p:sld xmlns:a="http://schemas.openxmlformats.org/drawingml/2006/main" xmlns:r="http://schemas.openxmlformats.org/officeDocument/2006/relationships" xmlns:p="http://schemas.openxmlformats.org/presentationml/2006/main">
+  <p:cSld>
+    <p:spTree>
+      <p:nvGrpSpPr>
+        <p:cNvPr id="1" name=""/>
+        <p:cNvGrpSpPr/>
+        <p:nvPr/>
+      </p:nvGrpSpPr>
+      <p:grpSpPr>
+        <a:xfrm>
+          <a:off x="0" y="0"/>
+          <a:ext cx="0" cy="0"/>
+          <a:chOff x="0" y="0"/>
+          <a:chExt cx="0" cy="0"/>
+        </a:xfrm>
+      </p:grpSpPr>
+      <p:pic>
+        <p:nvPicPr>
           <p:cNvPr id="14" name="図 13">
             <a:extLst>
               <a:ext uri="{FF2B5EF4-FFF2-40B4-BE49-F238E27FC236}">

--- a/test_net/Assets/User/Shibatsuzi/image/Stage/Map/Ending.pptx
+++ b/test_net/Assets/User/Shibatsuzi/image/Stage/Map/Ending.pptx
@@ -263,7 +263,7 @@
           <a:p>
             <a:fld id="{7AA357A6-0792-438F-BA9D-1A1686D92782}" type="datetimeFigureOut">
               <a:rPr kumimoji="1" lang="ja-JP" altLang="en-US" smtClean="0"/>
-              <a:t>2023/11/30</a:t>
+              <a:t>2023/12/1</a:t>
             </a:fld>
             <a:endParaRPr kumimoji="1" lang="ja-JP" altLang="en-US"/>
           </a:p>
@@ -493,7 +493,7 @@
           <a:p>
             <a:fld id="{7AA357A6-0792-438F-BA9D-1A1686D92782}" type="datetimeFigureOut">
               <a:rPr kumimoji="1" lang="ja-JP" altLang="en-US" smtClean="0"/>
-              <a:t>2023/11/30</a:t>
+              <a:t>2023/12/1</a:t>
             </a:fld>
             <a:endParaRPr kumimoji="1" lang="ja-JP" altLang="en-US"/>
           </a:p>
@@ -733,7 +733,7 @@
           <a:p>
             <a:fld id="{7AA357A6-0792-438F-BA9D-1A1686D92782}" type="datetimeFigureOut">
               <a:rPr kumimoji="1" lang="ja-JP" altLang="en-US" smtClean="0"/>
-              <a:t>2023/11/30</a:t>
+              <a:t>2023/12/1</a:t>
             </a:fld>
             <a:endParaRPr kumimoji="1" lang="ja-JP" altLang="en-US"/>
           </a:p>
@@ -963,7 +963,7 @@
           <a:p>
             <a:fld id="{7AA357A6-0792-438F-BA9D-1A1686D92782}" type="datetimeFigureOut">
               <a:rPr kumimoji="1" lang="ja-JP" altLang="en-US" smtClean="0"/>
-              <a:t>2023/11/30</a:t>
+              <a:t>2023/12/1</a:t>
             </a:fld>
             <a:endParaRPr kumimoji="1" lang="ja-JP" altLang="en-US"/>
           </a:p>
@@ -1238,7 +1238,7 @@
           <a:p>
             <a:fld id="{7AA357A6-0792-438F-BA9D-1A1686D92782}" type="datetimeFigureOut">
               <a:rPr kumimoji="1" lang="ja-JP" altLang="en-US" smtClean="0"/>
-              <a:t>2023/11/30</a:t>
+              <a:t>2023/12/1</a:t>
             </a:fld>
             <a:endParaRPr kumimoji="1" lang="ja-JP" altLang="en-US"/>
           </a:p>
@@ -1567,7 +1567,7 @@
           <a:p>
             <a:fld id="{7AA357A6-0792-438F-BA9D-1A1686D92782}" type="datetimeFigureOut">
               <a:rPr kumimoji="1" lang="ja-JP" altLang="en-US" smtClean="0"/>
-              <a:t>2023/11/30</a:t>
+              <a:t>2023/12/1</a:t>
             </a:fld>
             <a:endParaRPr kumimoji="1" lang="ja-JP" altLang="en-US"/>
           </a:p>
@@ -2043,7 +2043,7 @@
           <a:p>
             <a:fld id="{7AA357A6-0792-438F-BA9D-1A1686D92782}" type="datetimeFigureOut">
               <a:rPr kumimoji="1" lang="ja-JP" altLang="en-US" smtClean="0"/>
-              <a:t>2023/11/30</a:t>
+              <a:t>2023/12/1</a:t>
             </a:fld>
             <a:endParaRPr kumimoji="1" lang="ja-JP" altLang="en-US"/>
           </a:p>
@@ -2184,7 +2184,7 @@
           <a:p>
             <a:fld id="{7AA357A6-0792-438F-BA9D-1A1686D92782}" type="datetimeFigureOut">
               <a:rPr kumimoji="1" lang="ja-JP" altLang="en-US" smtClean="0"/>
-              <a:t>2023/11/30</a:t>
+              <a:t>2023/12/1</a:t>
             </a:fld>
             <a:endParaRPr kumimoji="1" lang="ja-JP" altLang="en-US"/>
           </a:p>
@@ -2297,7 +2297,7 @@
           <a:p>
             <a:fld id="{7AA357A6-0792-438F-BA9D-1A1686D92782}" type="datetimeFigureOut">
               <a:rPr kumimoji="1" lang="ja-JP" altLang="en-US" smtClean="0"/>
-              <a:t>2023/11/30</a:t>
+              <a:t>2023/12/1</a:t>
             </a:fld>
             <a:endParaRPr kumimoji="1" lang="ja-JP" altLang="en-US"/>
           </a:p>
@@ -2640,7 +2640,7 @@
           <a:p>
             <a:fld id="{7AA357A6-0792-438F-BA9D-1A1686D92782}" type="datetimeFigureOut">
               <a:rPr kumimoji="1" lang="ja-JP" altLang="en-US" smtClean="0"/>
-              <a:t>2023/11/30</a:t>
+              <a:t>2023/12/1</a:t>
             </a:fld>
             <a:endParaRPr kumimoji="1" lang="ja-JP" altLang="en-US"/>
           </a:p>
@@ -2928,7 +2928,7 @@
           <a:p>
             <a:fld id="{7AA357A6-0792-438F-BA9D-1A1686D92782}" type="datetimeFigureOut">
               <a:rPr kumimoji="1" lang="ja-JP" altLang="en-US" smtClean="0"/>
-              <a:t>2023/11/30</a:t>
+              <a:t>2023/12/1</a:t>
             </a:fld>
             <a:endParaRPr kumimoji="1" lang="ja-JP" altLang="en-US"/>
           </a:p>
@@ -3201,7 +3201,7 @@
           <a:p>
             <a:fld id="{7AA357A6-0792-438F-BA9D-1A1686D92782}" type="datetimeFigureOut">
               <a:rPr kumimoji="1" lang="ja-JP" altLang="en-US" smtClean="0"/>
-              <a:t>2023/11/30</a:t>
+              <a:t>2023/12/1</a:t>
             </a:fld>
             <a:endParaRPr kumimoji="1" lang="ja-JP" altLang="en-US"/>
           </a:p>
@@ -6032,25 +6032,8 @@
                 <a:latin typeface="HG創英角ｺﾞｼｯｸUB" panose="020B0909000000000000" pitchFamily="49" charset="-128"/>
                 <a:ea typeface="HG創英角ｺﾞｼｯｸUB" panose="020B0909000000000000" pitchFamily="49" charset="-128"/>
               </a:rPr>
-              <a:t>早くここから抜け出さないと！</a:t>
-            </a:r>
-            <a:r>
-              <a:rPr lang="ja-JP" altLang="en-US" sz="3200" dirty="0" smtClean="0">
-                <a:solidFill>
-                  <a:schemeClr val="tx1"/>
-                </a:solidFill>
-                <a:latin typeface="HG創英角ｺﾞｼｯｸUB" panose="020B0909000000000000" pitchFamily="49" charset="-128"/>
-                <a:ea typeface="HG創英角ｺﾞｼｯｸUB" panose="020B0909000000000000" pitchFamily="49" charset="-128"/>
-              </a:rPr>
-              <a:t>！</a:t>
-            </a:r>
-            <a:endParaRPr lang="ja-JP" altLang="en-US" sz="3200" dirty="0">
-              <a:solidFill>
-                <a:schemeClr val="tx1"/>
-              </a:solidFill>
-              <a:latin typeface="HG創英角ｺﾞｼｯｸUB" panose="020B0909000000000000" pitchFamily="49" charset="-128"/>
-              <a:ea typeface="HG創英角ｺﾞｼｯｸUB" panose="020B0909000000000000" pitchFamily="49" charset="-128"/>
-            </a:endParaRPr>
+              <a:t>早くここから抜け出さないと！！</a:t>
+            </a:r>
           </a:p>
         </p:txBody>
       </p:sp>
@@ -6292,35 +6275,6 @@
           </p:pic>
         </p:grpSp>
       </p:grpSp>
-      <p:pic>
-        <p:nvPicPr>
-          <p:cNvPr id="6" name="図 5"/>
-          <p:cNvPicPr>
-            <a:picLocks noChangeAspect="1"/>
-          </p:cNvPicPr>
-          <p:nvPr/>
-        </p:nvPicPr>
-        <p:blipFill rotWithShape="1">
-          <a:blip r:embed="rId7">
-            <a:extLst>
-              <a:ext uri="{28A0092B-C50C-407E-A947-70E740481C1C}">
-                <a14:useLocalDpi xmlns:a14="http://schemas.microsoft.com/office/drawing/2010/main" val="0"/>
-              </a:ext>
-            </a:extLst>
-          </a:blip>
-          <a:srcRect l="65910" r="-1" b="87781"/>
-          <a:stretch/>
-        </p:blipFill>
-        <p:spPr>
-          <a:xfrm>
-            <a:off x="-171450" y="5539050"/>
-            <a:ext cx="3429000" cy="691369"/>
-          </a:xfrm>
-          <a:prstGeom prst="rect">
-            <a:avLst/>
-          </a:prstGeom>
-        </p:spPr>
-      </p:pic>
       <p:sp>
         <p:nvSpPr>
           <p:cNvPr id="8" name="正方形/長方形 7"/>
@@ -6370,6 +6324,58 @@
           </a:p>
         </p:txBody>
       </p:sp>
+      <p:pic>
+        <p:nvPicPr>
+          <p:cNvPr id="5" name="図 4">
+            <a:extLst>
+              <a:ext uri="{FF2B5EF4-FFF2-40B4-BE49-F238E27FC236}">
+                <a16:creationId xmlns:a16="http://schemas.microsoft.com/office/drawing/2014/main" id="{22FD1B1C-939E-352A-576E-8281CEC3A67B}"/>
+              </a:ext>
+            </a:extLst>
+          </p:cNvPr>
+          <p:cNvPicPr>
+            <a:picLocks noChangeAspect="1"/>
+          </p:cNvPicPr>
+          <p:nvPr/>
+        </p:nvPicPr>
+        <p:blipFill rotWithShape="1">
+          <a:blip r:embed="rId7">
+            <a:duotone>
+              <a:prstClr val="black"/>
+              <a:srgbClr val="663300">
+                <a:tint val="45000"/>
+                <a:satMod val="400000"/>
+              </a:srgbClr>
+            </a:duotone>
+            <a:extLst>
+              <a:ext uri="{BEBA8EAE-BF5A-486C-A8C5-ECC9F3942E4B}">
+                <a14:imgProps xmlns:a14="http://schemas.microsoft.com/office/drawing/2010/main">
+                  <a14:imgLayer r:embed="rId8">
+                    <a14:imgEffect>
+                      <a14:brightnessContrast bright="-40000" contrast="-40000"/>
+                    </a14:imgEffect>
+                  </a14:imgLayer>
+                </a14:imgProps>
+              </a:ext>
+              <a:ext uri="{28A0092B-C50C-407E-A947-70E740481C1C}">
+                <a14:useLocalDpi xmlns:a14="http://schemas.microsoft.com/office/drawing/2010/main" val="0"/>
+              </a:ext>
+            </a:extLst>
+          </a:blip>
+          <a:srcRect l="71875" t="59464" b="21304"/>
+          <a:stretch/>
+        </p:blipFill>
+        <p:spPr>
+          <a:xfrm>
+            <a:off x="-171450" y="5551333"/>
+            <a:ext cx="3429000" cy="1318950"/>
+          </a:xfrm>
+          <a:prstGeom prst="rect">
+            <a:avLst/>
+          </a:prstGeom>
+          <a:noFill/>
+        </p:spPr>
+      </p:pic>
       <p:sp>
         <p:nvSpPr>
           <p:cNvPr id="17" name="正方形/長方形 16"/>
@@ -6657,9 +6663,64 @@
           </p:pic>
         </p:grpSp>
       </p:grpSp>
+      <p:sp>
+        <p:nvSpPr>
+          <p:cNvPr id="8" name="正方形/長方形 7"/>
+          <p:cNvSpPr/>
+          <p:nvPr/>
+        </p:nvSpPr>
+        <p:spPr>
+          <a:xfrm>
+            <a:off x="-1" y="0"/>
+            <a:ext cx="12192000" cy="781050"/>
+          </a:xfrm>
+          <a:prstGeom prst="rect">
+            <a:avLst/>
+          </a:prstGeom>
+          <a:solidFill>
+            <a:schemeClr val="tx1">
+              <a:lumMod val="85000"/>
+              <a:lumOff val="15000"/>
+            </a:schemeClr>
+          </a:solidFill>
+          <a:ln>
+            <a:noFill/>
+          </a:ln>
+        </p:spPr>
+        <p:style>
+          <a:lnRef idx="2">
+            <a:schemeClr val="accent1">
+              <a:shade val="50000"/>
+            </a:schemeClr>
+          </a:lnRef>
+          <a:fillRef idx="1">
+            <a:schemeClr val="accent1"/>
+          </a:fillRef>
+          <a:effectRef idx="0">
+            <a:schemeClr val="accent1"/>
+          </a:effectRef>
+          <a:fontRef idx="minor">
+            <a:schemeClr val="lt1"/>
+          </a:fontRef>
+        </p:style>
+        <p:txBody>
+          <a:bodyPr rtlCol="0" anchor="ctr"/>
+          <a:lstStyle/>
+          <a:p>
+            <a:pPr algn="ctr"/>
+            <a:endParaRPr kumimoji="1" lang="ja-JP" altLang="en-US"/>
+          </a:p>
+        </p:txBody>
+      </p:sp>
       <p:pic>
         <p:nvPicPr>
-          <p:cNvPr id="6" name="図 5"/>
+          <p:cNvPr id="5" name="図 4">
+            <a:extLst>
+              <a:ext uri="{FF2B5EF4-FFF2-40B4-BE49-F238E27FC236}">
+                <a16:creationId xmlns:a16="http://schemas.microsoft.com/office/drawing/2014/main" id="{F1311285-2CFE-1FEF-8434-523C68ACEE7D}"/>
+              </a:ext>
+            </a:extLst>
+          </p:cNvPr>
           <p:cNvPicPr>
             <a:picLocks noChangeAspect="1"/>
           </p:cNvPicPr>
@@ -6667,19 +6728,258 @@
         </p:nvPicPr>
         <p:blipFill rotWithShape="1">
           <a:blip r:embed="rId7">
-            <a:extLst>
+            <a:duotone>
+              <a:prstClr val="black"/>
+              <a:srgbClr val="663300">
+                <a:tint val="45000"/>
+                <a:satMod val="400000"/>
+              </a:srgbClr>
+            </a:duotone>
+            <a:extLst>
+              <a:ext uri="{BEBA8EAE-BF5A-486C-A8C5-ECC9F3942E4B}">
+                <a14:imgProps xmlns:a14="http://schemas.microsoft.com/office/drawing/2010/main">
+                  <a14:imgLayer r:embed="rId8">
+                    <a14:imgEffect>
+                      <a14:brightnessContrast bright="-40000" contrast="-40000"/>
+                    </a14:imgEffect>
+                  </a14:imgLayer>
+                </a14:imgProps>
+              </a:ext>
               <a:ext uri="{28A0092B-C50C-407E-A947-70E740481C1C}">
                 <a14:useLocalDpi xmlns:a14="http://schemas.microsoft.com/office/drawing/2010/main" val="0"/>
               </a:ext>
             </a:extLst>
           </a:blip>
-          <a:srcRect l="65910" r="-1" b="87781"/>
+          <a:srcRect l="71875" t="59464" b="21304"/>
           <a:stretch/>
         </p:blipFill>
         <p:spPr>
           <a:xfrm>
-            <a:off x="-171450" y="5539050"/>
-            <a:ext cx="3429000" cy="691369"/>
+            <a:off x="-171450" y="5551333"/>
+            <a:ext cx="3429000" cy="1318950"/>
+          </a:xfrm>
+          <a:prstGeom prst="rect">
+            <a:avLst/>
+          </a:prstGeom>
+          <a:noFill/>
+        </p:spPr>
+      </p:pic>
+      <p:sp>
+        <p:nvSpPr>
+          <p:cNvPr id="17" name="正方形/長方形 16"/>
+          <p:cNvSpPr/>
+          <p:nvPr/>
+        </p:nvSpPr>
+        <p:spPr>
+          <a:xfrm>
+            <a:off x="-1" y="6076952"/>
+            <a:ext cx="12192000" cy="781050"/>
+          </a:xfrm>
+          <a:prstGeom prst="rect">
+            <a:avLst/>
+          </a:prstGeom>
+          <a:solidFill>
+            <a:schemeClr val="tx1">
+              <a:lumMod val="85000"/>
+              <a:lumOff val="15000"/>
+            </a:schemeClr>
+          </a:solidFill>
+          <a:ln>
+            <a:noFill/>
+          </a:ln>
+        </p:spPr>
+        <p:style>
+          <a:lnRef idx="2">
+            <a:schemeClr val="accent1">
+              <a:shade val="50000"/>
+            </a:schemeClr>
+          </a:lnRef>
+          <a:fillRef idx="1">
+            <a:schemeClr val="accent1"/>
+          </a:fillRef>
+          <a:effectRef idx="0">
+            <a:schemeClr val="accent1"/>
+          </a:effectRef>
+          <a:fontRef idx="minor">
+            <a:schemeClr val="lt1"/>
+          </a:fontRef>
+        </p:style>
+        <p:txBody>
+          <a:bodyPr rtlCol="0" anchor="ctr"/>
+          <a:lstStyle/>
+          <a:p>
+            <a:pPr algn="ctr"/>
+            <a:endParaRPr kumimoji="1" lang="ja-JP" altLang="en-US"/>
+          </a:p>
+        </p:txBody>
+      </p:sp>
+    </p:spTree>
+    <p:extLst>
+      <p:ext uri="{BB962C8B-B14F-4D97-AF65-F5344CB8AC3E}">
+        <p14:creationId xmlns:p14="http://schemas.microsoft.com/office/powerpoint/2010/main" val="329241545"/>
+      </p:ext>
+    </p:extLst>
+  </p:cSld>
+  <p:clrMapOvr>
+    <a:masterClrMapping/>
+  </p:clrMapOvr>
+</p:sld>
+</file>
+
+<file path=ppt/slides/slide4.xml><?xml version="1.0" encoding="utf-8"?>
+<p:sld xmlns:a="http://schemas.openxmlformats.org/drawingml/2006/main" xmlns:r="http://schemas.openxmlformats.org/officeDocument/2006/relationships" xmlns:p="http://schemas.openxmlformats.org/presentationml/2006/main">
+  <p:cSld>
+    <p:spTree>
+      <p:nvGrpSpPr>
+        <p:cNvPr id="1" name=""/>
+        <p:cNvGrpSpPr/>
+        <p:nvPr/>
+      </p:nvGrpSpPr>
+      <p:grpSpPr>
+        <a:xfrm>
+          <a:off x="0" y="0"/>
+          <a:ext cx="0" cy="0"/>
+          <a:chOff x="0" y="0"/>
+          <a:chExt cx="0" cy="0"/>
+        </a:xfrm>
+      </p:grpSpPr>
+      <p:pic>
+        <p:nvPicPr>
+          <p:cNvPr id="14" name="図 13">
+            <a:extLst>
+              <a:ext uri="{FF2B5EF4-FFF2-40B4-BE49-F238E27FC236}">
+                <a16:creationId xmlns:a16="http://schemas.microsoft.com/office/drawing/2014/main" id="{AAA4B2AC-6C5D-A987-C083-EEC0C63BBC1B}"/>
+              </a:ext>
+            </a:extLst>
+          </p:cNvPr>
+          <p:cNvPicPr>
+            <a:picLocks noChangeAspect="1"/>
+          </p:cNvPicPr>
+          <p:nvPr/>
+        </p:nvPicPr>
+        <p:blipFill>
+          <a:blip r:embed="rId2">
+            <a:extLst>
+              <a:ext uri="{28A0092B-C50C-407E-A947-70E740481C1C}">
+                <a14:useLocalDpi xmlns:a14="http://schemas.microsoft.com/office/drawing/2010/main" val="0"/>
+              </a:ext>
+            </a:extLst>
+          </a:blip>
+          <a:stretch>
+            <a:fillRect/>
+          </a:stretch>
+        </p:blipFill>
+        <p:spPr>
+          <a:xfrm>
+            <a:off x="-1" y="0"/>
+            <a:ext cx="12192000" cy="6858001"/>
+          </a:xfrm>
+          <a:prstGeom prst="rect">
+            <a:avLst/>
+          </a:prstGeom>
+        </p:spPr>
+      </p:pic>
+      <p:pic>
+        <p:nvPicPr>
+          <p:cNvPr id="11" name="図 10">
+            <a:extLst>
+              <a:ext uri="{FF2B5EF4-FFF2-40B4-BE49-F238E27FC236}">
+                <a16:creationId xmlns:a16="http://schemas.microsoft.com/office/drawing/2014/main" id="{089D75A4-4671-C746-AEEE-79CC7D9F43C3}"/>
+              </a:ext>
+            </a:extLst>
+          </p:cNvPr>
+          <p:cNvPicPr>
+            <a:picLocks noChangeAspect="1"/>
+          </p:cNvPicPr>
+          <p:nvPr/>
+        </p:nvPicPr>
+        <p:blipFill rotWithShape="1">
+          <a:blip r:embed="rId3">
+            <a:extLst>
+              <a:ext uri="{28A0092B-C50C-407E-A947-70E740481C1C}">
+                <a14:useLocalDpi xmlns:a14="http://schemas.microsoft.com/office/drawing/2010/main" val="0"/>
+              </a:ext>
+            </a:extLst>
+          </a:blip>
+          <a:srcRect l="1971" r="1"/>
+          <a:stretch/>
+        </p:blipFill>
+        <p:spPr>
+          <a:xfrm>
+            <a:off x="3257550" y="5013799"/>
+            <a:ext cx="9170838" cy="1303679"/>
+          </a:xfrm>
+          <a:prstGeom prst="rect">
+            <a:avLst/>
+          </a:prstGeom>
+        </p:spPr>
+      </p:pic>
+      <p:pic>
+        <p:nvPicPr>
+          <p:cNvPr id="3" name="図 2">
+            <a:extLst>
+              <a:ext uri="{FF2B5EF4-FFF2-40B4-BE49-F238E27FC236}">
+                <a16:creationId xmlns:a16="http://schemas.microsoft.com/office/drawing/2014/main" id="{6C42171E-833E-39A4-6BB1-4E201405B81B}"/>
+              </a:ext>
+            </a:extLst>
+          </p:cNvPr>
+          <p:cNvPicPr>
+            <a:picLocks noChangeAspect="1"/>
+          </p:cNvPicPr>
+          <p:nvPr/>
+        </p:nvPicPr>
+        <p:blipFill>
+          <a:blip r:embed="rId4">
+            <a:extLst>
+              <a:ext uri="{28A0092B-C50C-407E-A947-70E740481C1C}">
+                <a14:useLocalDpi xmlns:a14="http://schemas.microsoft.com/office/drawing/2010/main" val="0"/>
+              </a:ext>
+            </a:extLst>
+          </a:blip>
+          <a:stretch>
+            <a:fillRect/>
+          </a:stretch>
+        </p:blipFill>
+        <p:spPr>
+          <a:xfrm flipH="1">
+            <a:off x="8417083" y="4499383"/>
+            <a:ext cx="752454" cy="752454"/>
+          </a:xfrm>
+          <a:prstGeom prst="rect">
+            <a:avLst/>
+          </a:prstGeom>
+        </p:spPr>
+      </p:pic>
+      <p:pic>
+        <p:nvPicPr>
+          <p:cNvPr id="7" name="図 6">
+            <a:extLst>
+              <a:ext uri="{FF2B5EF4-FFF2-40B4-BE49-F238E27FC236}">
+                <a16:creationId xmlns:a16="http://schemas.microsoft.com/office/drawing/2014/main" id="{317D22B9-1BDC-9BCA-001F-4F35061C55B1}"/>
+              </a:ext>
+            </a:extLst>
+          </p:cNvPr>
+          <p:cNvPicPr>
+            <a:picLocks noChangeAspect="1"/>
+          </p:cNvPicPr>
+          <p:nvPr/>
+        </p:nvPicPr>
+        <p:blipFill>
+          <a:blip r:embed="rId5">
+            <a:extLst>
+              <a:ext uri="{28A0092B-C50C-407E-A947-70E740481C1C}">
+                <a14:useLocalDpi xmlns:a14="http://schemas.microsoft.com/office/drawing/2010/main" val="0"/>
+              </a:ext>
+            </a:extLst>
+          </a:blip>
+          <a:stretch>
+            <a:fillRect/>
+          </a:stretch>
+        </p:blipFill>
+        <p:spPr>
+          <a:xfrm>
+            <a:off x="7560838" y="4473275"/>
+            <a:ext cx="752349" cy="752350"/>
           </a:xfrm>
           <a:prstGeom prst="rect">
             <a:avLst/>
@@ -6735,6 +7035,88 @@
           </a:p>
         </p:txBody>
       </p:sp>
+      <p:pic>
+        <p:nvPicPr>
+          <p:cNvPr id="13" name="図 12"/>
+          <p:cNvPicPr>
+            <a:picLocks noChangeAspect="1"/>
+          </p:cNvPicPr>
+          <p:nvPr/>
+        </p:nvPicPr>
+        <p:blipFill>
+          <a:blip r:embed="rId6">
+            <a:extLst>
+              <a:ext uri="{28A0092B-C50C-407E-A947-70E740481C1C}">
+                <a14:useLocalDpi xmlns:a14="http://schemas.microsoft.com/office/drawing/2010/main" val="0"/>
+              </a:ext>
+            </a:extLst>
+          </a:blip>
+          <a:stretch>
+            <a:fillRect/>
+          </a:stretch>
+        </p:blipFill>
+        <p:spPr>
+          <a:xfrm rot="271662">
+            <a:off x="4204881" y="3930167"/>
+            <a:ext cx="3137406" cy="1317363"/>
+          </a:xfrm>
+          <a:prstGeom prst="rect">
+            <a:avLst/>
+          </a:prstGeom>
+        </p:spPr>
+      </p:pic>
+      <p:pic>
+        <p:nvPicPr>
+          <p:cNvPr id="2" name="図 1">
+            <a:extLst>
+              <a:ext uri="{FF2B5EF4-FFF2-40B4-BE49-F238E27FC236}">
+                <a16:creationId xmlns:a16="http://schemas.microsoft.com/office/drawing/2014/main" id="{2AB68084-8693-A3DC-7F49-7BEAF65C56B5}"/>
+              </a:ext>
+            </a:extLst>
+          </p:cNvPr>
+          <p:cNvPicPr>
+            <a:picLocks noChangeAspect="1"/>
+          </p:cNvPicPr>
+          <p:nvPr/>
+        </p:nvPicPr>
+        <p:blipFill rotWithShape="1">
+          <a:blip r:embed="rId7">
+            <a:duotone>
+              <a:prstClr val="black"/>
+              <a:srgbClr val="663300">
+                <a:tint val="45000"/>
+                <a:satMod val="400000"/>
+              </a:srgbClr>
+            </a:duotone>
+            <a:extLst>
+              <a:ext uri="{BEBA8EAE-BF5A-486C-A8C5-ECC9F3942E4B}">
+                <a14:imgProps xmlns:a14="http://schemas.microsoft.com/office/drawing/2010/main">
+                  <a14:imgLayer r:embed="rId8">
+                    <a14:imgEffect>
+                      <a14:brightnessContrast bright="-40000" contrast="-40000"/>
+                    </a14:imgEffect>
+                  </a14:imgLayer>
+                </a14:imgProps>
+              </a:ext>
+              <a:ext uri="{28A0092B-C50C-407E-A947-70E740481C1C}">
+                <a14:useLocalDpi xmlns:a14="http://schemas.microsoft.com/office/drawing/2010/main" val="0"/>
+              </a:ext>
+            </a:extLst>
+          </a:blip>
+          <a:srcRect l="71875" t="59464" b="21304"/>
+          <a:stretch/>
+        </p:blipFill>
+        <p:spPr>
+          <a:xfrm>
+            <a:off x="-171450" y="5551333"/>
+            <a:ext cx="3429000" cy="1318950"/>
+          </a:xfrm>
+          <a:prstGeom prst="rect">
+            <a:avLst/>
+          </a:prstGeom>
+          <a:noFill/>
+        </p:spPr>
+      </p:pic>
       <p:sp>
         <p:nvSpPr>
           <p:cNvPr id="17" name="正方形/長方形 16"/>
@@ -6784,336 +7166,6 @@
           </a:p>
         </p:txBody>
       </p:sp>
-    </p:spTree>
-    <p:extLst>
-      <p:ext uri="{BB962C8B-B14F-4D97-AF65-F5344CB8AC3E}">
-        <p14:creationId xmlns:p14="http://schemas.microsoft.com/office/powerpoint/2010/main" val="329241545"/>
-      </p:ext>
-    </p:extLst>
-  </p:cSld>
-  <p:clrMapOvr>
-    <a:masterClrMapping/>
-  </p:clrMapOvr>
-</p:sld>
-</file>
-
-<file path=ppt/slides/slide4.xml><?xml version="1.0" encoding="utf-8"?>
-<p:sld xmlns:a="http://schemas.openxmlformats.org/drawingml/2006/main" xmlns:r="http://schemas.openxmlformats.org/officeDocument/2006/relationships" xmlns:p="http://schemas.openxmlformats.org/presentationml/2006/main">
-  <p:cSld>
-    <p:spTree>
-      <p:nvGrpSpPr>
-        <p:cNvPr id="1" name=""/>
-        <p:cNvGrpSpPr/>
-        <p:nvPr/>
-      </p:nvGrpSpPr>
-      <p:grpSpPr>
-        <a:xfrm>
-          <a:off x="0" y="0"/>
-          <a:ext cx="0" cy="0"/>
-          <a:chOff x="0" y="0"/>
-          <a:chExt cx="0" cy="0"/>
-        </a:xfrm>
-      </p:grpSpPr>
-      <p:pic>
-        <p:nvPicPr>
-          <p:cNvPr id="14" name="図 13">
-            <a:extLst>
-              <a:ext uri="{FF2B5EF4-FFF2-40B4-BE49-F238E27FC236}">
-                <a16:creationId xmlns:a16="http://schemas.microsoft.com/office/drawing/2014/main" id="{AAA4B2AC-6C5D-A987-C083-EEC0C63BBC1B}"/>
-              </a:ext>
-            </a:extLst>
-          </p:cNvPr>
-          <p:cNvPicPr>
-            <a:picLocks noChangeAspect="1"/>
-          </p:cNvPicPr>
-          <p:nvPr/>
-        </p:nvPicPr>
-        <p:blipFill>
-          <a:blip r:embed="rId2">
-            <a:extLst>
-              <a:ext uri="{28A0092B-C50C-407E-A947-70E740481C1C}">
-                <a14:useLocalDpi xmlns:a14="http://schemas.microsoft.com/office/drawing/2010/main" val="0"/>
-              </a:ext>
-            </a:extLst>
-          </a:blip>
-          <a:stretch>
-            <a:fillRect/>
-          </a:stretch>
-        </p:blipFill>
-        <p:spPr>
-          <a:xfrm>
-            <a:off x="-1" y="0"/>
-            <a:ext cx="12192000" cy="6858001"/>
-          </a:xfrm>
-          <a:prstGeom prst="rect">
-            <a:avLst/>
-          </a:prstGeom>
-        </p:spPr>
-      </p:pic>
-      <p:pic>
-        <p:nvPicPr>
-          <p:cNvPr id="11" name="図 10">
-            <a:extLst>
-              <a:ext uri="{FF2B5EF4-FFF2-40B4-BE49-F238E27FC236}">
-                <a16:creationId xmlns:a16="http://schemas.microsoft.com/office/drawing/2014/main" id="{089D75A4-4671-C746-AEEE-79CC7D9F43C3}"/>
-              </a:ext>
-            </a:extLst>
-          </p:cNvPr>
-          <p:cNvPicPr>
-            <a:picLocks noChangeAspect="1"/>
-          </p:cNvPicPr>
-          <p:nvPr/>
-        </p:nvPicPr>
-        <p:blipFill rotWithShape="1">
-          <a:blip r:embed="rId3">
-            <a:extLst>
-              <a:ext uri="{28A0092B-C50C-407E-A947-70E740481C1C}">
-                <a14:useLocalDpi xmlns:a14="http://schemas.microsoft.com/office/drawing/2010/main" val="0"/>
-              </a:ext>
-            </a:extLst>
-          </a:blip>
-          <a:srcRect l="1971" r="1"/>
-          <a:stretch/>
-        </p:blipFill>
-        <p:spPr>
-          <a:xfrm>
-            <a:off x="3257550" y="5013799"/>
-            <a:ext cx="9170838" cy="1303679"/>
-          </a:xfrm>
-          <a:prstGeom prst="rect">
-            <a:avLst/>
-          </a:prstGeom>
-        </p:spPr>
-      </p:pic>
-      <p:pic>
-        <p:nvPicPr>
-          <p:cNvPr id="3" name="図 2">
-            <a:extLst>
-              <a:ext uri="{FF2B5EF4-FFF2-40B4-BE49-F238E27FC236}">
-                <a16:creationId xmlns:a16="http://schemas.microsoft.com/office/drawing/2014/main" id="{6C42171E-833E-39A4-6BB1-4E201405B81B}"/>
-              </a:ext>
-            </a:extLst>
-          </p:cNvPr>
-          <p:cNvPicPr>
-            <a:picLocks noChangeAspect="1"/>
-          </p:cNvPicPr>
-          <p:nvPr/>
-        </p:nvPicPr>
-        <p:blipFill>
-          <a:blip r:embed="rId4">
-            <a:extLst>
-              <a:ext uri="{28A0092B-C50C-407E-A947-70E740481C1C}">
-                <a14:useLocalDpi xmlns:a14="http://schemas.microsoft.com/office/drawing/2010/main" val="0"/>
-              </a:ext>
-            </a:extLst>
-          </a:blip>
-          <a:stretch>
-            <a:fillRect/>
-          </a:stretch>
-        </p:blipFill>
-        <p:spPr>
-          <a:xfrm flipH="1">
-            <a:off x="8417083" y="4499383"/>
-            <a:ext cx="752454" cy="752454"/>
-          </a:xfrm>
-          <a:prstGeom prst="rect">
-            <a:avLst/>
-          </a:prstGeom>
-        </p:spPr>
-      </p:pic>
-      <p:pic>
-        <p:nvPicPr>
-          <p:cNvPr id="7" name="図 6">
-            <a:extLst>
-              <a:ext uri="{FF2B5EF4-FFF2-40B4-BE49-F238E27FC236}">
-                <a16:creationId xmlns:a16="http://schemas.microsoft.com/office/drawing/2014/main" id="{317D22B9-1BDC-9BCA-001F-4F35061C55B1}"/>
-              </a:ext>
-            </a:extLst>
-          </p:cNvPr>
-          <p:cNvPicPr>
-            <a:picLocks noChangeAspect="1"/>
-          </p:cNvPicPr>
-          <p:nvPr/>
-        </p:nvPicPr>
-        <p:blipFill>
-          <a:blip r:embed="rId5">
-            <a:extLst>
-              <a:ext uri="{28A0092B-C50C-407E-A947-70E740481C1C}">
-                <a14:useLocalDpi xmlns:a14="http://schemas.microsoft.com/office/drawing/2010/main" val="0"/>
-              </a:ext>
-            </a:extLst>
-          </a:blip>
-          <a:stretch>
-            <a:fillRect/>
-          </a:stretch>
-        </p:blipFill>
-        <p:spPr>
-          <a:xfrm>
-            <a:off x="7560838" y="4473275"/>
-            <a:ext cx="752349" cy="752350"/>
-          </a:xfrm>
-          <a:prstGeom prst="rect">
-            <a:avLst/>
-          </a:prstGeom>
-        </p:spPr>
-      </p:pic>
-      <p:pic>
-        <p:nvPicPr>
-          <p:cNvPr id="6" name="図 5"/>
-          <p:cNvPicPr>
-            <a:picLocks noChangeAspect="1"/>
-          </p:cNvPicPr>
-          <p:nvPr/>
-        </p:nvPicPr>
-        <p:blipFill rotWithShape="1">
-          <a:blip r:embed="rId6">
-            <a:extLst>
-              <a:ext uri="{28A0092B-C50C-407E-A947-70E740481C1C}">
-                <a14:useLocalDpi xmlns:a14="http://schemas.microsoft.com/office/drawing/2010/main" val="0"/>
-              </a:ext>
-            </a:extLst>
-          </a:blip>
-          <a:srcRect l="65910" r="-1" b="87781"/>
-          <a:stretch/>
-        </p:blipFill>
-        <p:spPr>
-          <a:xfrm>
-            <a:off x="-171450" y="5539050"/>
-            <a:ext cx="3429000" cy="691369"/>
-          </a:xfrm>
-          <a:prstGeom prst="rect">
-            <a:avLst/>
-          </a:prstGeom>
-        </p:spPr>
-      </p:pic>
-      <p:sp>
-        <p:nvSpPr>
-          <p:cNvPr id="8" name="正方形/長方形 7"/>
-          <p:cNvSpPr/>
-          <p:nvPr/>
-        </p:nvSpPr>
-        <p:spPr>
-          <a:xfrm>
-            <a:off x="-1" y="0"/>
-            <a:ext cx="12192000" cy="781050"/>
-          </a:xfrm>
-          <a:prstGeom prst="rect">
-            <a:avLst/>
-          </a:prstGeom>
-          <a:solidFill>
-            <a:schemeClr val="tx1">
-              <a:lumMod val="85000"/>
-              <a:lumOff val="15000"/>
-            </a:schemeClr>
-          </a:solidFill>
-          <a:ln>
-            <a:noFill/>
-          </a:ln>
-        </p:spPr>
-        <p:style>
-          <a:lnRef idx="2">
-            <a:schemeClr val="accent1">
-              <a:shade val="50000"/>
-            </a:schemeClr>
-          </a:lnRef>
-          <a:fillRef idx="1">
-            <a:schemeClr val="accent1"/>
-          </a:fillRef>
-          <a:effectRef idx="0">
-            <a:schemeClr val="accent1"/>
-          </a:effectRef>
-          <a:fontRef idx="minor">
-            <a:schemeClr val="lt1"/>
-          </a:fontRef>
-        </p:style>
-        <p:txBody>
-          <a:bodyPr rtlCol="0" anchor="ctr"/>
-          <a:lstStyle/>
-          <a:p>
-            <a:pPr algn="ctr"/>
-            <a:endParaRPr kumimoji="1" lang="ja-JP" altLang="en-US"/>
-          </a:p>
-        </p:txBody>
-      </p:sp>
-      <p:sp>
-        <p:nvSpPr>
-          <p:cNvPr id="17" name="正方形/長方形 16"/>
-          <p:cNvSpPr/>
-          <p:nvPr/>
-        </p:nvSpPr>
-        <p:spPr>
-          <a:xfrm>
-            <a:off x="-1" y="6076952"/>
-            <a:ext cx="12192000" cy="781050"/>
-          </a:xfrm>
-          <a:prstGeom prst="rect">
-            <a:avLst/>
-          </a:prstGeom>
-          <a:solidFill>
-            <a:schemeClr val="tx1">
-              <a:lumMod val="85000"/>
-              <a:lumOff val="15000"/>
-            </a:schemeClr>
-          </a:solidFill>
-          <a:ln>
-            <a:noFill/>
-          </a:ln>
-        </p:spPr>
-        <p:style>
-          <a:lnRef idx="2">
-            <a:schemeClr val="accent1">
-              <a:shade val="50000"/>
-            </a:schemeClr>
-          </a:lnRef>
-          <a:fillRef idx="1">
-            <a:schemeClr val="accent1"/>
-          </a:fillRef>
-          <a:effectRef idx="0">
-            <a:schemeClr val="accent1"/>
-          </a:effectRef>
-          <a:fontRef idx="minor">
-            <a:schemeClr val="lt1"/>
-          </a:fontRef>
-        </p:style>
-        <p:txBody>
-          <a:bodyPr rtlCol="0" anchor="ctr"/>
-          <a:lstStyle/>
-          <a:p>
-            <a:pPr algn="ctr"/>
-            <a:endParaRPr kumimoji="1" lang="ja-JP" altLang="en-US"/>
-          </a:p>
-        </p:txBody>
-      </p:sp>
-      <p:pic>
-        <p:nvPicPr>
-          <p:cNvPr id="13" name="図 12"/>
-          <p:cNvPicPr>
-            <a:picLocks noChangeAspect="1"/>
-          </p:cNvPicPr>
-          <p:nvPr/>
-        </p:nvPicPr>
-        <p:blipFill>
-          <a:blip r:embed="rId7">
-            <a:extLst>
-              <a:ext uri="{28A0092B-C50C-407E-A947-70E740481C1C}">
-                <a14:useLocalDpi xmlns:a14="http://schemas.microsoft.com/office/drawing/2010/main" val="0"/>
-              </a:ext>
-            </a:extLst>
-          </a:blip>
-          <a:stretch>
-            <a:fillRect/>
-          </a:stretch>
-        </p:blipFill>
-        <p:spPr>
-          <a:xfrm rot="271662">
-            <a:off x="4204881" y="3930167"/>
-            <a:ext cx="3137406" cy="1317363"/>
-          </a:xfrm>
-          <a:prstGeom prst="rect">
-            <a:avLst/>
-          </a:prstGeom>
-        </p:spPr>
-      </p:pic>
     </p:spTree>
     <p:extLst>
       <p:ext uri="{BB962C8B-B14F-4D97-AF65-F5344CB8AC3E}">

--- a/test_net/Assets/User/Shibatsuzi/image/Stage/Map/Ending.pptx
+++ b/test_net/Assets/User/Shibatsuzi/image/Stage/Map/Ending.pptx
@@ -6,10 +6,11 @@
   </p:sldMasterIdLst>
   <p:sldIdLst>
     <p:sldId id="261" r:id="rId2"/>
-    <p:sldId id="258" r:id="rId3"/>
-    <p:sldId id="259" r:id="rId4"/>
-    <p:sldId id="260" r:id="rId5"/>
-    <p:sldId id="257" r:id="rId6"/>
+    <p:sldId id="262" r:id="rId3"/>
+    <p:sldId id="258" r:id="rId4"/>
+    <p:sldId id="259" r:id="rId5"/>
+    <p:sldId id="260" r:id="rId6"/>
+    <p:sldId id="257" r:id="rId7"/>
   </p:sldIdLst>
   <p:sldSz cx="12192000" cy="6858000"/>
   <p:notesSz cx="6858000" cy="9144000"/>
@@ -263,7 +264,7 @@
           <a:p>
             <a:fld id="{7AA357A6-0792-438F-BA9D-1A1686D92782}" type="datetimeFigureOut">
               <a:rPr kumimoji="1" lang="ja-JP" altLang="en-US" smtClean="0"/>
-              <a:t>2023/12/1</a:t>
+              <a:t>2024/2/5</a:t>
             </a:fld>
             <a:endParaRPr kumimoji="1" lang="ja-JP" altLang="en-US"/>
           </a:p>
@@ -493,7 +494,7 @@
           <a:p>
             <a:fld id="{7AA357A6-0792-438F-BA9D-1A1686D92782}" type="datetimeFigureOut">
               <a:rPr kumimoji="1" lang="ja-JP" altLang="en-US" smtClean="0"/>
-              <a:t>2023/12/1</a:t>
+              <a:t>2024/2/5</a:t>
             </a:fld>
             <a:endParaRPr kumimoji="1" lang="ja-JP" altLang="en-US"/>
           </a:p>
@@ -733,7 +734,7 @@
           <a:p>
             <a:fld id="{7AA357A6-0792-438F-BA9D-1A1686D92782}" type="datetimeFigureOut">
               <a:rPr kumimoji="1" lang="ja-JP" altLang="en-US" smtClean="0"/>
-              <a:t>2023/12/1</a:t>
+              <a:t>2024/2/5</a:t>
             </a:fld>
             <a:endParaRPr kumimoji="1" lang="ja-JP" altLang="en-US"/>
           </a:p>
@@ -963,7 +964,7 @@
           <a:p>
             <a:fld id="{7AA357A6-0792-438F-BA9D-1A1686D92782}" type="datetimeFigureOut">
               <a:rPr kumimoji="1" lang="ja-JP" altLang="en-US" smtClean="0"/>
-              <a:t>2023/12/1</a:t>
+              <a:t>2024/2/5</a:t>
             </a:fld>
             <a:endParaRPr kumimoji="1" lang="ja-JP" altLang="en-US"/>
           </a:p>
@@ -1238,7 +1239,7 @@
           <a:p>
             <a:fld id="{7AA357A6-0792-438F-BA9D-1A1686D92782}" type="datetimeFigureOut">
               <a:rPr kumimoji="1" lang="ja-JP" altLang="en-US" smtClean="0"/>
-              <a:t>2023/12/1</a:t>
+              <a:t>2024/2/5</a:t>
             </a:fld>
             <a:endParaRPr kumimoji="1" lang="ja-JP" altLang="en-US"/>
           </a:p>
@@ -1567,7 +1568,7 @@
           <a:p>
             <a:fld id="{7AA357A6-0792-438F-BA9D-1A1686D92782}" type="datetimeFigureOut">
               <a:rPr kumimoji="1" lang="ja-JP" altLang="en-US" smtClean="0"/>
-              <a:t>2023/12/1</a:t>
+              <a:t>2024/2/5</a:t>
             </a:fld>
             <a:endParaRPr kumimoji="1" lang="ja-JP" altLang="en-US"/>
           </a:p>
@@ -2043,7 +2044,7 @@
           <a:p>
             <a:fld id="{7AA357A6-0792-438F-BA9D-1A1686D92782}" type="datetimeFigureOut">
               <a:rPr kumimoji="1" lang="ja-JP" altLang="en-US" smtClean="0"/>
-              <a:t>2023/12/1</a:t>
+              <a:t>2024/2/5</a:t>
             </a:fld>
             <a:endParaRPr kumimoji="1" lang="ja-JP" altLang="en-US"/>
           </a:p>
@@ -2184,7 +2185,7 @@
           <a:p>
             <a:fld id="{7AA357A6-0792-438F-BA9D-1A1686D92782}" type="datetimeFigureOut">
               <a:rPr kumimoji="1" lang="ja-JP" altLang="en-US" smtClean="0"/>
-              <a:t>2023/12/1</a:t>
+              <a:t>2024/2/5</a:t>
             </a:fld>
             <a:endParaRPr kumimoji="1" lang="ja-JP" altLang="en-US"/>
           </a:p>
@@ -2297,7 +2298,7 @@
           <a:p>
             <a:fld id="{7AA357A6-0792-438F-BA9D-1A1686D92782}" type="datetimeFigureOut">
               <a:rPr kumimoji="1" lang="ja-JP" altLang="en-US" smtClean="0"/>
-              <a:t>2023/12/1</a:t>
+              <a:t>2024/2/5</a:t>
             </a:fld>
             <a:endParaRPr kumimoji="1" lang="ja-JP" altLang="en-US"/>
           </a:p>
@@ -2640,7 +2641,7 @@
           <a:p>
             <a:fld id="{7AA357A6-0792-438F-BA9D-1A1686D92782}" type="datetimeFigureOut">
               <a:rPr kumimoji="1" lang="ja-JP" altLang="en-US" smtClean="0"/>
-              <a:t>2023/12/1</a:t>
+              <a:t>2024/2/5</a:t>
             </a:fld>
             <a:endParaRPr kumimoji="1" lang="ja-JP" altLang="en-US"/>
           </a:p>
@@ -2928,7 +2929,7 @@
           <a:p>
             <a:fld id="{7AA357A6-0792-438F-BA9D-1A1686D92782}" type="datetimeFigureOut">
               <a:rPr kumimoji="1" lang="ja-JP" altLang="en-US" smtClean="0"/>
-              <a:t>2023/12/1</a:t>
+              <a:t>2024/2/5</a:t>
             </a:fld>
             <a:endParaRPr kumimoji="1" lang="ja-JP" altLang="en-US"/>
           </a:p>
@@ -3201,7 +3202,7 @@
           <a:p>
             <a:fld id="{7AA357A6-0792-438F-BA9D-1A1686D92782}" type="datetimeFigureOut">
               <a:rPr kumimoji="1" lang="ja-JP" altLang="en-US" smtClean="0"/>
-              <a:t>2023/12/1</a:t>
+              <a:t>2024/2/5</a:t>
             </a:fld>
             <a:endParaRPr kumimoji="1" lang="ja-JP" altLang="en-US"/>
           </a:p>
@@ -6067,6 +6068,331 @@
           <a:chExt cx="0" cy="0"/>
         </a:xfrm>
       </p:grpSpPr>
+      <p:grpSp>
+        <p:nvGrpSpPr>
+          <p:cNvPr id="9" name="グループ化 8"/>
+          <p:cNvGrpSpPr/>
+          <p:nvPr/>
+        </p:nvGrpSpPr>
+        <p:grpSpPr>
+          <a:xfrm>
+            <a:off x="-1" y="0"/>
+            <a:ext cx="12192001" cy="6858002"/>
+            <a:chOff x="-1" y="0"/>
+            <a:chExt cx="12192001" cy="6858002"/>
+          </a:xfrm>
+        </p:grpSpPr>
+        <p:pic>
+          <p:nvPicPr>
+            <p:cNvPr id="2" name="図 1"/>
+            <p:cNvPicPr>
+              <a:picLocks noChangeAspect="1"/>
+            </p:cNvPicPr>
+            <p:nvPr/>
+          </p:nvPicPr>
+          <p:blipFill>
+            <a:blip r:embed="rId2">
+              <a:duotone>
+                <a:prstClr val="black"/>
+                <a:srgbClr val="663300">
+                  <a:tint val="45000"/>
+                  <a:satMod val="400000"/>
+                </a:srgbClr>
+              </a:duotone>
+              <a:extLst>
+                <a:ext uri="{BEBA8EAE-BF5A-486C-A8C5-ECC9F3942E4B}">
+                  <a14:imgProps xmlns:a14="http://schemas.microsoft.com/office/drawing/2010/main">
+                    <a14:imgLayer r:embed="rId3">
+                      <a14:imgEffect>
+                        <a14:brightnessContrast bright="-40000" contrast="-40000"/>
+                      </a14:imgEffect>
+                    </a14:imgLayer>
+                  </a14:imgProps>
+                </a:ext>
+                <a:ext uri="{28A0092B-C50C-407E-A947-70E740481C1C}">
+                  <a14:useLocalDpi xmlns:a14="http://schemas.microsoft.com/office/drawing/2010/main" val="0"/>
+                </a:ext>
+              </a:extLst>
+            </a:blip>
+            <a:stretch>
+              <a:fillRect/>
+            </a:stretch>
+          </p:blipFill>
+          <p:spPr>
+            <a:xfrm>
+              <a:off x="0" y="0"/>
+              <a:ext cx="12192000" cy="6858000"/>
+            </a:xfrm>
+            <a:prstGeom prst="rect">
+              <a:avLst/>
+            </a:prstGeom>
+            <a:noFill/>
+          </p:spPr>
+        </p:pic>
+        <p:sp>
+          <p:nvSpPr>
+            <p:cNvPr id="3" name="正方形/長方形 2"/>
+            <p:cNvSpPr/>
+            <p:nvPr/>
+          </p:nvSpPr>
+          <p:spPr>
+            <a:xfrm>
+              <a:off x="-1" y="0"/>
+              <a:ext cx="12192000" cy="781050"/>
+            </a:xfrm>
+            <a:prstGeom prst="rect">
+              <a:avLst/>
+            </a:prstGeom>
+            <a:solidFill>
+              <a:schemeClr val="tx1">
+                <a:lumMod val="85000"/>
+                <a:lumOff val="15000"/>
+              </a:schemeClr>
+            </a:solidFill>
+            <a:ln>
+              <a:noFill/>
+            </a:ln>
+          </p:spPr>
+          <p:style>
+            <a:lnRef idx="2">
+              <a:schemeClr val="accent1">
+                <a:shade val="50000"/>
+              </a:schemeClr>
+            </a:lnRef>
+            <a:fillRef idx="1">
+              <a:schemeClr val="accent1"/>
+            </a:fillRef>
+            <a:effectRef idx="0">
+              <a:schemeClr val="accent1"/>
+            </a:effectRef>
+            <a:fontRef idx="minor">
+              <a:schemeClr val="lt1"/>
+            </a:fontRef>
+          </p:style>
+          <p:txBody>
+            <a:bodyPr rtlCol="0" anchor="ctr"/>
+            <a:lstStyle/>
+            <a:p>
+              <a:pPr algn="ctr"/>
+              <a:endParaRPr kumimoji="1" lang="ja-JP" altLang="en-US"/>
+            </a:p>
+          </p:txBody>
+        </p:sp>
+        <p:sp>
+          <p:nvSpPr>
+            <p:cNvPr id="4" name="正方形/長方形 3"/>
+            <p:cNvSpPr/>
+            <p:nvPr/>
+          </p:nvSpPr>
+          <p:spPr>
+            <a:xfrm>
+              <a:off x="-1" y="6076952"/>
+              <a:ext cx="12192000" cy="781050"/>
+            </a:xfrm>
+            <a:prstGeom prst="rect">
+              <a:avLst/>
+            </a:prstGeom>
+            <a:solidFill>
+              <a:schemeClr val="tx1">
+                <a:lumMod val="85000"/>
+                <a:lumOff val="15000"/>
+              </a:schemeClr>
+            </a:solidFill>
+            <a:ln>
+              <a:noFill/>
+            </a:ln>
+          </p:spPr>
+          <p:style>
+            <a:lnRef idx="2">
+              <a:schemeClr val="accent1">
+                <a:shade val="50000"/>
+              </a:schemeClr>
+            </a:lnRef>
+            <a:fillRef idx="1">
+              <a:schemeClr val="accent1"/>
+            </a:fillRef>
+            <a:effectRef idx="0">
+              <a:schemeClr val="accent1"/>
+            </a:effectRef>
+            <a:fontRef idx="minor">
+              <a:schemeClr val="lt1"/>
+            </a:fontRef>
+          </p:style>
+          <p:txBody>
+            <a:bodyPr rtlCol="0" anchor="ctr"/>
+            <a:lstStyle/>
+            <a:p>
+              <a:pPr algn="ctr"/>
+              <a:endParaRPr kumimoji="1" lang="ja-JP" altLang="en-US"/>
+            </a:p>
+          </p:txBody>
+        </p:sp>
+      </p:grpSp>
+      <p:grpSp>
+        <p:nvGrpSpPr>
+          <p:cNvPr id="10" name="グループ化 9"/>
+          <p:cNvGrpSpPr/>
+          <p:nvPr/>
+        </p:nvGrpSpPr>
+        <p:grpSpPr>
+          <a:xfrm>
+            <a:off x="2818757" y="4466891"/>
+            <a:ext cx="6554484" cy="1265919"/>
+            <a:chOff x="2390567" y="3935242"/>
+            <a:chExt cx="6554484" cy="1265919"/>
+          </a:xfrm>
+        </p:grpSpPr>
+        <p:pic>
+          <p:nvPicPr>
+            <p:cNvPr id="5" name="図 4"/>
+            <p:cNvPicPr>
+              <a:picLocks noChangeAspect="1"/>
+            </p:cNvPicPr>
+            <p:nvPr/>
+          </p:nvPicPr>
+          <p:blipFill>
+            <a:blip r:embed="rId4">
+              <a:extLst>
+                <a:ext uri="{28A0092B-C50C-407E-A947-70E740481C1C}">
+                  <a14:useLocalDpi xmlns:a14="http://schemas.microsoft.com/office/drawing/2010/main" val="0"/>
+                </a:ext>
+              </a:extLst>
+            </a:blip>
+            <a:stretch>
+              <a:fillRect/>
+            </a:stretch>
+          </p:blipFill>
+          <p:spPr>
+            <a:xfrm>
+              <a:off x="2390567" y="3935242"/>
+              <a:ext cx="1265919" cy="1265919"/>
+            </a:xfrm>
+            <a:prstGeom prst="rect">
+              <a:avLst/>
+            </a:prstGeom>
+          </p:spPr>
+        </p:pic>
+        <p:pic>
+          <p:nvPicPr>
+            <p:cNvPr id="6" name="図 5"/>
+            <p:cNvPicPr>
+              <a:picLocks noChangeAspect="1"/>
+            </p:cNvPicPr>
+            <p:nvPr/>
+          </p:nvPicPr>
+          <p:blipFill>
+            <a:blip r:embed="rId5">
+              <a:extLst>
+                <a:ext uri="{28A0092B-C50C-407E-A947-70E740481C1C}">
+                  <a14:useLocalDpi xmlns:a14="http://schemas.microsoft.com/office/drawing/2010/main" val="0"/>
+                </a:ext>
+              </a:extLst>
+            </a:blip>
+            <a:stretch>
+              <a:fillRect/>
+            </a:stretch>
+          </p:blipFill>
+          <p:spPr>
+            <a:xfrm>
+              <a:off x="4153422" y="3935242"/>
+              <a:ext cx="1265919" cy="1265919"/>
+            </a:xfrm>
+            <a:prstGeom prst="rect">
+              <a:avLst/>
+            </a:prstGeom>
+          </p:spPr>
+        </p:pic>
+        <p:pic>
+          <p:nvPicPr>
+            <p:cNvPr id="7" name="図 6"/>
+            <p:cNvPicPr>
+              <a:picLocks noChangeAspect="1"/>
+            </p:cNvPicPr>
+            <p:nvPr/>
+          </p:nvPicPr>
+          <p:blipFill>
+            <a:blip r:embed="rId6">
+              <a:extLst>
+                <a:ext uri="{28A0092B-C50C-407E-A947-70E740481C1C}">
+                  <a14:useLocalDpi xmlns:a14="http://schemas.microsoft.com/office/drawing/2010/main" val="0"/>
+                </a:ext>
+              </a:extLst>
+            </a:blip>
+            <a:stretch>
+              <a:fillRect/>
+            </a:stretch>
+          </p:blipFill>
+          <p:spPr>
+            <a:xfrm>
+              <a:off x="7679132" y="3935242"/>
+              <a:ext cx="1265919" cy="1265919"/>
+            </a:xfrm>
+            <a:prstGeom prst="rect">
+              <a:avLst/>
+            </a:prstGeom>
+          </p:spPr>
+        </p:pic>
+        <p:pic>
+          <p:nvPicPr>
+            <p:cNvPr id="8" name="図 7"/>
+            <p:cNvPicPr>
+              <a:picLocks noChangeAspect="1"/>
+            </p:cNvPicPr>
+            <p:nvPr/>
+          </p:nvPicPr>
+          <p:blipFill>
+            <a:blip r:embed="rId7">
+              <a:extLst>
+                <a:ext uri="{28A0092B-C50C-407E-A947-70E740481C1C}">
+                  <a14:useLocalDpi xmlns:a14="http://schemas.microsoft.com/office/drawing/2010/main" val="0"/>
+                </a:ext>
+              </a:extLst>
+            </a:blip>
+            <a:stretch>
+              <a:fillRect/>
+            </a:stretch>
+          </p:blipFill>
+          <p:spPr>
+            <a:xfrm>
+              <a:off x="5916277" y="3935242"/>
+              <a:ext cx="1265919" cy="1265919"/>
+            </a:xfrm>
+            <a:prstGeom prst="rect">
+              <a:avLst/>
+            </a:prstGeom>
+          </p:spPr>
+        </p:pic>
+      </p:grpSp>
+    </p:spTree>
+    <p:extLst>
+      <p:ext uri="{BB962C8B-B14F-4D97-AF65-F5344CB8AC3E}">
+        <p14:creationId xmlns:p14="http://schemas.microsoft.com/office/powerpoint/2010/main" val="4178130490"/>
+      </p:ext>
+    </p:extLst>
+  </p:cSld>
+  <p:clrMapOvr>
+    <a:masterClrMapping/>
+  </p:clrMapOvr>
+</p:sld>
+</file>
+
+<file path=ppt/slides/slide3.xml><?xml version="1.0" encoding="utf-8"?>
+<p:sld xmlns:a="http://schemas.openxmlformats.org/drawingml/2006/main" xmlns:r="http://schemas.openxmlformats.org/officeDocument/2006/relationships" xmlns:p="http://schemas.openxmlformats.org/presentationml/2006/main">
+  <p:cSld>
+    <p:spTree>
+      <p:nvGrpSpPr>
+        <p:cNvPr id="1" name=""/>
+        <p:cNvGrpSpPr/>
+        <p:nvPr/>
+      </p:nvGrpSpPr>
+      <p:grpSpPr>
+        <a:xfrm>
+          <a:off x="0" y="0"/>
+          <a:ext cx="0" cy="0"/>
+          <a:chOff x="0" y="0"/>
+          <a:chExt cx="0" cy="0"/>
+        </a:xfrm>
+      </p:grpSpPr>
       <p:pic>
         <p:nvPicPr>
           <p:cNvPr id="14" name="図 13">
@@ -6438,7 +6764,7 @@
 </p:sld>
 </file>
 
-<file path=ppt/slides/slide3.xml><?xml version="1.0" encoding="utf-8"?>
+<file path=ppt/slides/slide4.xml><?xml version="1.0" encoding="utf-8"?>
 <p:sld xmlns:a="http://schemas.openxmlformats.org/drawingml/2006/main" xmlns:r="http://schemas.openxmlformats.org/officeDocument/2006/relationships" xmlns:p="http://schemas.openxmlformats.org/presentationml/2006/main">
   <p:cSld>
     <p:spTree>
@@ -6826,7 +7152,7 @@
 </p:sld>
 </file>
 
-<file path=ppt/slides/slide4.xml><?xml version="1.0" encoding="utf-8"?>
+<file path=ppt/slides/slide5.xml><?xml version="1.0" encoding="utf-8"?>
 <p:sld xmlns:a="http://schemas.openxmlformats.org/drawingml/2006/main" xmlns:r="http://schemas.openxmlformats.org/officeDocument/2006/relationships" xmlns:p="http://schemas.openxmlformats.org/presentationml/2006/main">
   <p:cSld>
     <p:spTree>
@@ -7179,7 +7505,7 @@
 </p:sld>
 </file>
 
-<file path=ppt/slides/slide5.xml><?xml version="1.0" encoding="utf-8"?>
+<file path=ppt/slides/slide6.xml><?xml version="1.0" encoding="utf-8"?>
 <p:sld xmlns:a="http://schemas.openxmlformats.org/drawingml/2006/main" xmlns:r="http://schemas.openxmlformats.org/officeDocument/2006/relationships" xmlns:p="http://schemas.openxmlformats.org/presentationml/2006/main">
   <p:cSld>
     <p:spTree>

--- a/test_net/Assets/User/Shibatsuzi/image/Stage/Map/Ending.pptx
+++ b/test_net/Assets/User/Shibatsuzi/image/Stage/Map/Ending.pptx
@@ -7,10 +7,11 @@
   <p:sldIdLst>
     <p:sldId id="261" r:id="rId2"/>
     <p:sldId id="262" r:id="rId3"/>
-    <p:sldId id="258" r:id="rId4"/>
-    <p:sldId id="259" r:id="rId5"/>
-    <p:sldId id="260" r:id="rId6"/>
-    <p:sldId id="257" r:id="rId7"/>
+    <p:sldId id="263" r:id="rId4"/>
+    <p:sldId id="258" r:id="rId5"/>
+    <p:sldId id="259" r:id="rId6"/>
+    <p:sldId id="260" r:id="rId7"/>
+    <p:sldId id="257" r:id="rId8"/>
   </p:sldIdLst>
   <p:sldSz cx="12192000" cy="6858000"/>
   <p:notesSz cx="6858000" cy="9144000"/>
@@ -6228,83 +6229,843 @@
           </p:txBody>
         </p:sp>
       </p:grpSp>
+      <p:sp>
+        <p:nvSpPr>
+          <p:cNvPr id="11" name="角丸四角形 10"/>
+          <p:cNvSpPr/>
+          <p:nvPr/>
+        </p:nvSpPr>
+        <p:spPr>
+          <a:xfrm>
+            <a:off x="1893936" y="1339796"/>
+            <a:ext cx="8404124" cy="1718966"/>
+          </a:xfrm>
+          <a:prstGeom prst="roundRect">
+            <a:avLst/>
+          </a:prstGeom>
+          <a:solidFill>
+            <a:schemeClr val="bg1">
+              <a:alpha val="70000"/>
+            </a:schemeClr>
+          </a:solidFill>
+          <a:ln w="76200">
+            <a:solidFill>
+              <a:schemeClr val="tx1"/>
+            </a:solidFill>
+          </a:ln>
+        </p:spPr>
+        <p:style>
+          <a:lnRef idx="2">
+            <a:schemeClr val="accent1">
+              <a:shade val="50000"/>
+            </a:schemeClr>
+          </a:lnRef>
+          <a:fillRef idx="1">
+            <a:schemeClr val="accent1"/>
+          </a:fillRef>
+          <a:effectRef idx="0">
+            <a:schemeClr val="accent1"/>
+          </a:effectRef>
+          <a:fontRef idx="minor">
+            <a:schemeClr val="lt1"/>
+          </a:fontRef>
+        </p:style>
+        <p:txBody>
+          <a:bodyPr rtlCol="0" anchor="ctr"/>
+          <a:lstStyle/>
+          <a:p>
+            <a:pPr algn="ctr">
+              <a:spcAft>
+                <a:spcPts val="900"/>
+              </a:spcAft>
+            </a:pPr>
+            <a:r>
+              <a:rPr lang="ja-JP" altLang="en-US" sz="3200" dirty="0" smtClean="0">
+                <a:solidFill>
+                  <a:schemeClr val="tx1"/>
+                </a:solidFill>
+                <a:latin typeface="HG創英角ｺﾞｼｯｸUB" panose="020B0909000000000000" pitchFamily="49" charset="-128"/>
+                <a:ea typeface="HG創英角ｺﾞｼｯｸUB" panose="020B0909000000000000" pitchFamily="49" charset="-128"/>
+              </a:rPr>
+              <a:t>ゲームが進行不可になった場合</a:t>
+            </a:r>
+            <a:endParaRPr lang="en-US" altLang="ja-JP" sz="3200" dirty="0" smtClean="0">
+              <a:solidFill>
+                <a:schemeClr val="tx1"/>
+              </a:solidFill>
+              <a:latin typeface="HG創英角ｺﾞｼｯｸUB" panose="020B0909000000000000" pitchFamily="49" charset="-128"/>
+              <a:ea typeface="HG創英角ｺﾞｼｯｸUB" panose="020B0909000000000000" pitchFamily="49" charset="-128"/>
+            </a:endParaRPr>
+          </a:p>
+          <a:p>
+            <a:pPr algn="ctr">
+              <a:spcAft>
+                <a:spcPts val="900"/>
+              </a:spcAft>
+            </a:pPr>
+            <a:r>
+              <a:rPr lang="ja-JP" altLang="en-US" sz="3200" dirty="0">
+                <a:solidFill>
+                  <a:schemeClr val="tx1"/>
+                </a:solidFill>
+                <a:latin typeface="HG創英角ｺﾞｼｯｸUB" panose="020B0909000000000000" pitchFamily="49" charset="-128"/>
+                <a:ea typeface="HG創英角ｺﾞｼｯｸUB" panose="020B0909000000000000" pitchFamily="49" charset="-128"/>
+              </a:rPr>
+              <a:t>下記</a:t>
+            </a:r>
+            <a:r>
+              <a:rPr lang="ja-JP" altLang="en-US" sz="3200" dirty="0" smtClean="0">
+                <a:solidFill>
+                  <a:schemeClr val="tx1"/>
+                </a:solidFill>
+                <a:latin typeface="HG創英角ｺﾞｼｯｸUB" panose="020B0909000000000000" pitchFamily="49" charset="-128"/>
+                <a:ea typeface="HG創英角ｺﾞｼｯｸUB" panose="020B0909000000000000" pitchFamily="49" charset="-128"/>
+              </a:rPr>
+              <a:t>のボタン長押しでタイトルに戻れます</a:t>
+            </a:r>
+            <a:endParaRPr lang="ja-JP" altLang="en-US" sz="3200" dirty="0">
+              <a:solidFill>
+                <a:schemeClr val="tx1"/>
+              </a:solidFill>
+              <a:latin typeface="HG創英角ｺﾞｼｯｸUB" panose="020B0909000000000000" pitchFamily="49" charset="-128"/>
+              <a:ea typeface="HG創英角ｺﾞｼｯｸUB" panose="020B0909000000000000" pitchFamily="49" charset="-128"/>
+            </a:endParaRPr>
+          </a:p>
+        </p:txBody>
+      </p:sp>
       <p:grpSp>
         <p:nvGrpSpPr>
-          <p:cNvPr id="10" name="グループ化 9"/>
+          <p:cNvPr id="21" name="グループ化 20"/>
           <p:cNvGrpSpPr/>
           <p:nvPr/>
         </p:nvGrpSpPr>
         <p:grpSpPr>
           <a:xfrm>
-            <a:off x="2818757" y="4466891"/>
-            <a:ext cx="6554484" cy="1265919"/>
-            <a:chOff x="2390567" y="3935242"/>
-            <a:chExt cx="6554484" cy="1265919"/>
+            <a:off x="2655813" y="3799240"/>
+            <a:ext cx="6880370" cy="1265920"/>
+            <a:chOff x="2471425" y="3992195"/>
+            <a:chExt cx="6880370" cy="1265920"/>
+          </a:xfrm>
+        </p:grpSpPr>
+        <p:grpSp>
+          <p:nvGrpSpPr>
+            <p:cNvPr id="10" name="グループ化 9"/>
+            <p:cNvGrpSpPr/>
+            <p:nvPr/>
+          </p:nvGrpSpPr>
+          <p:grpSpPr>
+            <a:xfrm>
+              <a:off x="2471425" y="3992195"/>
+              <a:ext cx="6880370" cy="1265920"/>
+              <a:chOff x="2043236" y="3992538"/>
+              <a:chExt cx="6880370" cy="1265920"/>
+            </a:xfrm>
+          </p:grpSpPr>
+          <p:pic>
+            <p:nvPicPr>
+              <p:cNvPr id="5" name="図 4"/>
+              <p:cNvPicPr>
+                <a:picLocks noChangeAspect="1"/>
+              </p:cNvPicPr>
+              <p:nvPr/>
+            </p:nvPicPr>
+            <p:blipFill>
+              <a:blip r:embed="rId4">
+                <a:extLst>
+                  <a:ext uri="{28A0092B-C50C-407E-A947-70E740481C1C}">
+                    <a14:useLocalDpi xmlns:a14="http://schemas.microsoft.com/office/drawing/2010/main" val="0"/>
+                  </a:ext>
+                </a:extLst>
+              </a:blip>
+              <a:stretch>
+                <a:fillRect/>
+              </a:stretch>
+            </p:blipFill>
+            <p:spPr>
+              <a:xfrm>
+                <a:off x="2043236" y="3992538"/>
+                <a:ext cx="1265919" cy="1265919"/>
+              </a:xfrm>
+              <a:prstGeom prst="rect">
+                <a:avLst/>
+              </a:prstGeom>
+            </p:spPr>
+          </p:pic>
+          <p:pic>
+            <p:nvPicPr>
+              <p:cNvPr id="6" name="図 5"/>
+              <p:cNvPicPr>
+                <a:picLocks noChangeAspect="1"/>
+              </p:cNvPicPr>
+              <p:nvPr/>
+            </p:nvPicPr>
+            <p:blipFill>
+              <a:blip r:embed="rId5">
+                <a:extLst>
+                  <a:ext uri="{28A0092B-C50C-407E-A947-70E740481C1C}">
+                    <a14:useLocalDpi xmlns:a14="http://schemas.microsoft.com/office/drawing/2010/main" val="0"/>
+                  </a:ext>
+                </a:extLst>
+              </a:blip>
+              <a:stretch>
+                <a:fillRect/>
+              </a:stretch>
+            </p:blipFill>
+            <p:spPr>
+              <a:xfrm>
+                <a:off x="3925411" y="3992539"/>
+                <a:ext cx="1265919" cy="1265919"/>
+              </a:xfrm>
+              <a:prstGeom prst="rect">
+                <a:avLst/>
+              </a:prstGeom>
+            </p:spPr>
+          </p:pic>
+          <p:pic>
+            <p:nvPicPr>
+              <p:cNvPr id="7" name="図 6"/>
+              <p:cNvPicPr>
+                <a:picLocks noChangeAspect="1"/>
+              </p:cNvPicPr>
+              <p:nvPr/>
+            </p:nvPicPr>
+            <p:blipFill>
+              <a:blip r:embed="rId6">
+                <a:extLst>
+                  <a:ext uri="{28A0092B-C50C-407E-A947-70E740481C1C}">
+                    <a14:useLocalDpi xmlns:a14="http://schemas.microsoft.com/office/drawing/2010/main" val="0"/>
+                  </a:ext>
+                </a:extLst>
+              </a:blip>
+              <a:stretch>
+                <a:fillRect/>
+              </a:stretch>
+            </p:blipFill>
+            <p:spPr>
+              <a:xfrm>
+                <a:off x="7657687" y="3992538"/>
+                <a:ext cx="1265919" cy="1265919"/>
+              </a:xfrm>
+              <a:prstGeom prst="rect">
+                <a:avLst/>
+              </a:prstGeom>
+            </p:spPr>
+          </p:pic>
+          <p:pic>
+            <p:nvPicPr>
+              <p:cNvPr id="8" name="図 7"/>
+              <p:cNvPicPr>
+                <a:picLocks noChangeAspect="1"/>
+              </p:cNvPicPr>
+              <p:nvPr/>
+            </p:nvPicPr>
+            <p:blipFill>
+              <a:blip r:embed="rId7">
+                <a:extLst>
+                  <a:ext uri="{28A0092B-C50C-407E-A947-70E740481C1C}">
+                    <a14:useLocalDpi xmlns:a14="http://schemas.microsoft.com/office/drawing/2010/main" val="0"/>
+                  </a:ext>
+                </a:extLst>
+              </a:blip>
+              <a:stretch>
+                <a:fillRect/>
+              </a:stretch>
+            </p:blipFill>
+            <p:spPr>
+              <a:xfrm>
+                <a:off x="5795145" y="3992538"/>
+                <a:ext cx="1265919" cy="1265919"/>
+              </a:xfrm>
+              <a:prstGeom prst="rect">
+                <a:avLst/>
+              </a:prstGeom>
+            </p:spPr>
+          </p:pic>
+        </p:grpSp>
+        <p:sp>
+          <p:nvSpPr>
+            <p:cNvPr id="13" name="加算 12"/>
+            <p:cNvSpPr/>
+            <p:nvPr/>
+          </p:nvSpPr>
+          <p:spPr>
+            <a:xfrm>
+              <a:off x="3852210" y="4431892"/>
+              <a:ext cx="386524" cy="386524"/>
+            </a:xfrm>
+            <a:prstGeom prst="mathPlus">
+              <a:avLst/>
+            </a:prstGeom>
+            <a:solidFill>
+              <a:schemeClr val="bg1"/>
+            </a:solidFill>
+            <a:ln w="12700">
+              <a:solidFill>
+                <a:schemeClr val="tx1"/>
+              </a:solidFill>
+            </a:ln>
+          </p:spPr>
+          <p:style>
+            <a:lnRef idx="2">
+              <a:schemeClr val="accent1">
+                <a:shade val="50000"/>
+              </a:schemeClr>
+            </a:lnRef>
+            <a:fillRef idx="1">
+              <a:schemeClr val="accent1"/>
+            </a:fillRef>
+            <a:effectRef idx="0">
+              <a:schemeClr val="accent1"/>
+            </a:effectRef>
+            <a:fontRef idx="minor">
+              <a:schemeClr val="lt1"/>
+            </a:fontRef>
+          </p:style>
+          <p:txBody>
+            <a:bodyPr rtlCol="0" anchor="ctr"/>
+            <a:lstStyle/>
+            <a:p>
+              <a:pPr algn="ctr"/>
+              <a:endParaRPr kumimoji="1" lang="ja-JP" altLang="en-US"/>
+            </a:p>
+          </p:txBody>
+        </p:sp>
+        <p:sp>
+          <p:nvSpPr>
+            <p:cNvPr id="14" name="加算 13"/>
+            <p:cNvSpPr/>
+            <p:nvPr/>
+          </p:nvSpPr>
+          <p:spPr>
+            <a:xfrm>
+              <a:off x="5730912" y="4431894"/>
+              <a:ext cx="386524" cy="386524"/>
+            </a:xfrm>
+            <a:prstGeom prst="mathPlus">
+              <a:avLst/>
+            </a:prstGeom>
+            <a:solidFill>
+              <a:schemeClr val="bg1"/>
+            </a:solidFill>
+            <a:ln w="12700">
+              <a:solidFill>
+                <a:schemeClr val="tx1"/>
+              </a:solidFill>
+            </a:ln>
+          </p:spPr>
+          <p:style>
+            <a:lnRef idx="2">
+              <a:schemeClr val="accent1">
+                <a:shade val="50000"/>
+              </a:schemeClr>
+            </a:lnRef>
+            <a:fillRef idx="1">
+              <a:schemeClr val="accent1"/>
+            </a:fillRef>
+            <a:effectRef idx="0">
+              <a:schemeClr val="accent1"/>
+            </a:effectRef>
+            <a:fontRef idx="minor">
+              <a:schemeClr val="lt1"/>
+            </a:fontRef>
+          </p:style>
+          <p:txBody>
+            <a:bodyPr rtlCol="0" anchor="ctr"/>
+            <a:lstStyle/>
+            <a:p>
+              <a:pPr algn="ctr"/>
+              <a:endParaRPr kumimoji="1" lang="ja-JP" altLang="en-US"/>
+            </a:p>
+          </p:txBody>
+        </p:sp>
+        <p:sp>
+          <p:nvSpPr>
+            <p:cNvPr id="15" name="加算 14"/>
+            <p:cNvSpPr/>
+            <p:nvPr/>
+          </p:nvSpPr>
+          <p:spPr>
+            <a:xfrm>
+              <a:off x="7595151" y="4431892"/>
+              <a:ext cx="386524" cy="386524"/>
+            </a:xfrm>
+            <a:prstGeom prst="mathPlus">
+              <a:avLst/>
+            </a:prstGeom>
+            <a:solidFill>
+              <a:schemeClr val="bg1"/>
+            </a:solidFill>
+            <a:ln w="12700">
+              <a:solidFill>
+                <a:schemeClr val="tx1"/>
+              </a:solidFill>
+            </a:ln>
+          </p:spPr>
+          <p:style>
+            <a:lnRef idx="2">
+              <a:schemeClr val="accent1">
+                <a:shade val="50000"/>
+              </a:schemeClr>
+            </a:lnRef>
+            <a:fillRef idx="1">
+              <a:schemeClr val="accent1"/>
+            </a:fillRef>
+            <a:effectRef idx="0">
+              <a:schemeClr val="accent1"/>
+            </a:effectRef>
+            <a:fontRef idx="minor">
+              <a:schemeClr val="lt1"/>
+            </a:fontRef>
+          </p:style>
+          <p:txBody>
+            <a:bodyPr rtlCol="0" anchor="ctr"/>
+            <a:lstStyle/>
+            <a:p>
+              <a:pPr algn="ctr"/>
+              <a:endParaRPr kumimoji="1" lang="ja-JP" altLang="en-US"/>
+            </a:p>
+          </p:txBody>
+        </p:sp>
+      </p:grpSp>
+    </p:spTree>
+    <p:extLst>
+      <p:ext uri="{BB962C8B-B14F-4D97-AF65-F5344CB8AC3E}">
+        <p14:creationId xmlns:p14="http://schemas.microsoft.com/office/powerpoint/2010/main" val="4178130490"/>
+      </p:ext>
+    </p:extLst>
+  </p:cSld>
+  <p:clrMapOvr>
+    <a:masterClrMapping/>
+  </p:clrMapOvr>
+</p:sld>
+</file>
+
+<file path=ppt/slides/slide3.xml><?xml version="1.0" encoding="utf-8"?>
+<p:sld xmlns:a="http://schemas.openxmlformats.org/drawingml/2006/main" xmlns:r="http://schemas.openxmlformats.org/officeDocument/2006/relationships" xmlns:p="http://schemas.openxmlformats.org/presentationml/2006/main">
+  <p:cSld>
+    <p:spTree>
+      <p:nvGrpSpPr>
+        <p:cNvPr id="1" name=""/>
+        <p:cNvGrpSpPr/>
+        <p:nvPr/>
+      </p:nvGrpSpPr>
+      <p:grpSpPr>
+        <a:xfrm>
+          <a:off x="0" y="0"/>
+          <a:ext cx="0" cy="0"/>
+          <a:chOff x="0" y="0"/>
+          <a:chExt cx="0" cy="0"/>
+        </a:xfrm>
+      </p:grpSpPr>
+      <p:sp>
+        <p:nvSpPr>
+          <p:cNvPr id="2" name="角丸四角形 1"/>
+          <p:cNvSpPr/>
+          <p:nvPr/>
+        </p:nvSpPr>
+        <p:spPr>
+          <a:xfrm>
+            <a:off x="1893936" y="1339796"/>
+            <a:ext cx="8404124" cy="1718966"/>
+          </a:xfrm>
+          <a:prstGeom prst="roundRect">
+            <a:avLst/>
+          </a:prstGeom>
+          <a:noFill/>
+          <a:ln w="76200">
+            <a:noFill/>
+          </a:ln>
+        </p:spPr>
+        <p:style>
+          <a:lnRef idx="2">
+            <a:schemeClr val="accent1">
+              <a:shade val="50000"/>
+            </a:schemeClr>
+          </a:lnRef>
+          <a:fillRef idx="1">
+            <a:schemeClr val="accent1"/>
+          </a:fillRef>
+          <a:effectRef idx="0">
+            <a:schemeClr val="accent1"/>
+          </a:effectRef>
+          <a:fontRef idx="minor">
+            <a:schemeClr val="lt1"/>
+          </a:fontRef>
+        </p:style>
+        <p:txBody>
+          <a:bodyPr rtlCol="0" anchor="ctr"/>
+          <a:lstStyle/>
+          <a:p>
+            <a:pPr algn="ctr">
+              <a:spcAft>
+                <a:spcPts val="900"/>
+              </a:spcAft>
+            </a:pPr>
+            <a:r>
+              <a:rPr lang="ja-JP" altLang="en-US" sz="3200" dirty="0" smtClean="0">
+                <a:solidFill>
+                  <a:schemeClr val="tx1"/>
+                </a:solidFill>
+                <a:latin typeface="HG創英角ｺﾞｼｯｸUB" panose="020B0909000000000000" pitchFamily="49" charset="-128"/>
+                <a:ea typeface="HG創英角ｺﾞｼｯｸUB" panose="020B0909000000000000" pitchFamily="49" charset="-128"/>
+              </a:rPr>
+              <a:t>ゲームが進行不可になった場合</a:t>
+            </a:r>
+            <a:endParaRPr lang="en-US" altLang="ja-JP" sz="3200" dirty="0" smtClean="0">
+              <a:solidFill>
+                <a:schemeClr val="tx1"/>
+              </a:solidFill>
+              <a:latin typeface="HG創英角ｺﾞｼｯｸUB" panose="020B0909000000000000" pitchFamily="49" charset="-128"/>
+              <a:ea typeface="HG創英角ｺﾞｼｯｸUB" panose="020B0909000000000000" pitchFamily="49" charset="-128"/>
+            </a:endParaRPr>
+          </a:p>
+          <a:p>
+            <a:pPr algn="ctr">
+              <a:spcAft>
+                <a:spcPts val="900"/>
+              </a:spcAft>
+            </a:pPr>
+            <a:r>
+              <a:rPr lang="ja-JP" altLang="en-US" sz="3200" dirty="0" smtClean="0">
+                <a:solidFill>
+                  <a:schemeClr val="tx1"/>
+                </a:solidFill>
+                <a:latin typeface="HG創英角ｺﾞｼｯｸUB" panose="020B0909000000000000" pitchFamily="49" charset="-128"/>
+                <a:ea typeface="HG創英角ｺﾞｼｯｸUB" panose="020B0909000000000000" pitchFamily="49" charset="-128"/>
+              </a:rPr>
+              <a:t>下記のボタン</a:t>
+            </a:r>
+            <a:r>
+              <a:rPr lang="ja-JP" altLang="en-US" sz="3200" dirty="0" smtClean="0">
+                <a:solidFill>
+                  <a:schemeClr val="tx1"/>
+                </a:solidFill>
+                <a:latin typeface="HG創英角ｺﾞｼｯｸUB" panose="020B0909000000000000" pitchFamily="49" charset="-128"/>
+                <a:ea typeface="HG創英角ｺﾞｼｯｸUB" panose="020B0909000000000000" pitchFamily="49" charset="-128"/>
+              </a:rPr>
+              <a:t>長押しでタイトルに戻れます</a:t>
+            </a:r>
+            <a:endParaRPr lang="ja-JP" altLang="en-US" sz="3200" dirty="0">
+              <a:solidFill>
+                <a:schemeClr val="tx1"/>
+              </a:solidFill>
+              <a:latin typeface="HG創英角ｺﾞｼｯｸUB" panose="020B0909000000000000" pitchFamily="49" charset="-128"/>
+              <a:ea typeface="HG創英角ｺﾞｼｯｸUB" panose="020B0909000000000000" pitchFamily="49" charset="-128"/>
+            </a:endParaRPr>
+          </a:p>
+        </p:txBody>
+      </p:sp>
+      <p:grpSp>
+        <p:nvGrpSpPr>
+          <p:cNvPr id="3" name="グループ化 2"/>
+          <p:cNvGrpSpPr/>
+          <p:nvPr/>
+        </p:nvGrpSpPr>
+        <p:grpSpPr>
+          <a:xfrm>
+            <a:off x="2655813" y="3799240"/>
+            <a:ext cx="6880370" cy="1265920"/>
+            <a:chOff x="2471425" y="3992195"/>
+            <a:chExt cx="6880370" cy="1265920"/>
+          </a:xfrm>
+        </p:grpSpPr>
+        <p:grpSp>
+          <p:nvGrpSpPr>
+            <p:cNvPr id="4" name="グループ化 3"/>
+            <p:cNvGrpSpPr/>
+            <p:nvPr/>
+          </p:nvGrpSpPr>
+          <p:grpSpPr>
+            <a:xfrm>
+              <a:off x="2471425" y="3992195"/>
+              <a:ext cx="6880370" cy="1265920"/>
+              <a:chOff x="2043236" y="3992538"/>
+              <a:chExt cx="6880370" cy="1265920"/>
+            </a:xfrm>
+          </p:grpSpPr>
+          <p:pic>
+            <p:nvPicPr>
+              <p:cNvPr id="8" name="図 7"/>
+              <p:cNvPicPr>
+                <a:picLocks noChangeAspect="1"/>
+              </p:cNvPicPr>
+              <p:nvPr/>
+            </p:nvPicPr>
+            <p:blipFill>
+              <a:blip r:embed="rId2">
+                <a:extLst>
+                  <a:ext uri="{28A0092B-C50C-407E-A947-70E740481C1C}">
+                    <a14:useLocalDpi xmlns:a14="http://schemas.microsoft.com/office/drawing/2010/main" val="0"/>
+                  </a:ext>
+                </a:extLst>
+              </a:blip>
+              <a:stretch>
+                <a:fillRect/>
+              </a:stretch>
+            </p:blipFill>
+            <p:spPr>
+              <a:xfrm>
+                <a:off x="2043236" y="3992538"/>
+                <a:ext cx="1265919" cy="1265919"/>
+              </a:xfrm>
+              <a:prstGeom prst="rect">
+                <a:avLst/>
+              </a:prstGeom>
+            </p:spPr>
+          </p:pic>
+          <p:pic>
+            <p:nvPicPr>
+              <p:cNvPr id="9" name="図 8"/>
+              <p:cNvPicPr>
+                <a:picLocks noChangeAspect="1"/>
+              </p:cNvPicPr>
+              <p:nvPr/>
+            </p:nvPicPr>
+            <p:blipFill>
+              <a:blip r:embed="rId3">
+                <a:extLst>
+                  <a:ext uri="{28A0092B-C50C-407E-A947-70E740481C1C}">
+                    <a14:useLocalDpi xmlns:a14="http://schemas.microsoft.com/office/drawing/2010/main" val="0"/>
+                  </a:ext>
+                </a:extLst>
+              </a:blip>
+              <a:stretch>
+                <a:fillRect/>
+              </a:stretch>
+            </p:blipFill>
+            <p:spPr>
+              <a:xfrm>
+                <a:off x="3925411" y="3992539"/>
+                <a:ext cx="1265919" cy="1265919"/>
+              </a:xfrm>
+              <a:prstGeom prst="rect">
+                <a:avLst/>
+              </a:prstGeom>
+            </p:spPr>
+          </p:pic>
+          <p:pic>
+            <p:nvPicPr>
+              <p:cNvPr id="10" name="図 9"/>
+              <p:cNvPicPr>
+                <a:picLocks noChangeAspect="1"/>
+              </p:cNvPicPr>
+              <p:nvPr/>
+            </p:nvPicPr>
+            <p:blipFill>
+              <a:blip r:embed="rId4">
+                <a:extLst>
+                  <a:ext uri="{28A0092B-C50C-407E-A947-70E740481C1C}">
+                    <a14:useLocalDpi xmlns:a14="http://schemas.microsoft.com/office/drawing/2010/main" val="0"/>
+                  </a:ext>
+                </a:extLst>
+              </a:blip>
+              <a:stretch>
+                <a:fillRect/>
+              </a:stretch>
+            </p:blipFill>
+            <p:spPr>
+              <a:xfrm>
+                <a:off x="7657687" y="3992538"/>
+                <a:ext cx="1265919" cy="1265919"/>
+              </a:xfrm>
+              <a:prstGeom prst="rect">
+                <a:avLst/>
+              </a:prstGeom>
+            </p:spPr>
+          </p:pic>
+          <p:pic>
+            <p:nvPicPr>
+              <p:cNvPr id="11" name="図 10"/>
+              <p:cNvPicPr>
+                <a:picLocks noChangeAspect="1"/>
+              </p:cNvPicPr>
+              <p:nvPr/>
+            </p:nvPicPr>
+            <p:blipFill>
+              <a:blip r:embed="rId5">
+                <a:extLst>
+                  <a:ext uri="{28A0092B-C50C-407E-A947-70E740481C1C}">
+                    <a14:useLocalDpi xmlns:a14="http://schemas.microsoft.com/office/drawing/2010/main" val="0"/>
+                  </a:ext>
+                </a:extLst>
+              </a:blip>
+              <a:stretch>
+                <a:fillRect/>
+              </a:stretch>
+            </p:blipFill>
+            <p:spPr>
+              <a:xfrm>
+                <a:off x="5795145" y="3992538"/>
+                <a:ext cx="1265919" cy="1265919"/>
+              </a:xfrm>
+              <a:prstGeom prst="rect">
+                <a:avLst/>
+              </a:prstGeom>
+            </p:spPr>
+          </p:pic>
+        </p:grpSp>
+        <p:sp>
+          <p:nvSpPr>
+            <p:cNvPr id="5" name="加算 4"/>
+            <p:cNvSpPr/>
+            <p:nvPr/>
+          </p:nvSpPr>
+          <p:spPr>
+            <a:xfrm>
+              <a:off x="3852210" y="4431892"/>
+              <a:ext cx="386524" cy="386524"/>
+            </a:xfrm>
+            <a:prstGeom prst="mathPlus">
+              <a:avLst/>
+            </a:prstGeom>
+            <a:solidFill>
+              <a:schemeClr val="bg1"/>
+            </a:solidFill>
+            <a:ln w="12700">
+              <a:solidFill>
+                <a:schemeClr val="tx1"/>
+              </a:solidFill>
+            </a:ln>
+          </p:spPr>
+          <p:style>
+            <a:lnRef idx="2">
+              <a:schemeClr val="accent1">
+                <a:shade val="50000"/>
+              </a:schemeClr>
+            </a:lnRef>
+            <a:fillRef idx="1">
+              <a:schemeClr val="accent1"/>
+            </a:fillRef>
+            <a:effectRef idx="0">
+              <a:schemeClr val="accent1"/>
+            </a:effectRef>
+            <a:fontRef idx="minor">
+              <a:schemeClr val="lt1"/>
+            </a:fontRef>
+          </p:style>
+          <p:txBody>
+            <a:bodyPr rtlCol="0" anchor="ctr"/>
+            <a:lstStyle/>
+            <a:p>
+              <a:pPr algn="ctr"/>
+              <a:endParaRPr kumimoji="1" lang="ja-JP" altLang="en-US"/>
+            </a:p>
+          </p:txBody>
+        </p:sp>
+        <p:sp>
+          <p:nvSpPr>
+            <p:cNvPr id="6" name="加算 5"/>
+            <p:cNvSpPr/>
+            <p:nvPr/>
+          </p:nvSpPr>
+          <p:spPr>
+            <a:xfrm>
+              <a:off x="5730912" y="4431894"/>
+              <a:ext cx="386524" cy="386524"/>
+            </a:xfrm>
+            <a:prstGeom prst="mathPlus">
+              <a:avLst/>
+            </a:prstGeom>
+            <a:solidFill>
+              <a:schemeClr val="bg1"/>
+            </a:solidFill>
+            <a:ln w="12700">
+              <a:solidFill>
+                <a:schemeClr val="tx1"/>
+              </a:solidFill>
+            </a:ln>
+          </p:spPr>
+          <p:style>
+            <a:lnRef idx="2">
+              <a:schemeClr val="accent1">
+                <a:shade val="50000"/>
+              </a:schemeClr>
+            </a:lnRef>
+            <a:fillRef idx="1">
+              <a:schemeClr val="accent1"/>
+            </a:fillRef>
+            <a:effectRef idx="0">
+              <a:schemeClr val="accent1"/>
+            </a:effectRef>
+            <a:fontRef idx="minor">
+              <a:schemeClr val="lt1"/>
+            </a:fontRef>
+          </p:style>
+          <p:txBody>
+            <a:bodyPr rtlCol="0" anchor="ctr"/>
+            <a:lstStyle/>
+            <a:p>
+              <a:pPr algn="ctr"/>
+              <a:endParaRPr kumimoji="1" lang="ja-JP" altLang="en-US"/>
+            </a:p>
+          </p:txBody>
+        </p:sp>
+        <p:sp>
+          <p:nvSpPr>
+            <p:cNvPr id="7" name="加算 6"/>
+            <p:cNvSpPr/>
+            <p:nvPr/>
+          </p:nvSpPr>
+          <p:spPr>
+            <a:xfrm>
+              <a:off x="7595151" y="4431892"/>
+              <a:ext cx="386524" cy="386524"/>
+            </a:xfrm>
+            <a:prstGeom prst="mathPlus">
+              <a:avLst/>
+            </a:prstGeom>
+            <a:solidFill>
+              <a:schemeClr val="bg1"/>
+            </a:solidFill>
+            <a:ln w="12700">
+              <a:solidFill>
+                <a:schemeClr val="tx1"/>
+              </a:solidFill>
+            </a:ln>
+          </p:spPr>
+          <p:style>
+            <a:lnRef idx="2">
+              <a:schemeClr val="accent1">
+                <a:shade val="50000"/>
+              </a:schemeClr>
+            </a:lnRef>
+            <a:fillRef idx="1">
+              <a:schemeClr val="accent1"/>
+            </a:fillRef>
+            <a:effectRef idx="0">
+              <a:schemeClr val="accent1"/>
+            </a:effectRef>
+            <a:fontRef idx="minor">
+              <a:schemeClr val="lt1"/>
+            </a:fontRef>
+          </p:style>
+          <p:txBody>
+            <a:bodyPr rtlCol="0" anchor="ctr"/>
+            <a:lstStyle/>
+            <a:p>
+              <a:pPr algn="ctr"/>
+              <a:endParaRPr kumimoji="1" lang="ja-JP" altLang="en-US"/>
+            </a:p>
+          </p:txBody>
+        </p:sp>
+      </p:grpSp>
+      <p:grpSp>
+        <p:nvGrpSpPr>
+          <p:cNvPr id="18" name="グループ化 17"/>
+          <p:cNvGrpSpPr/>
+          <p:nvPr/>
+        </p:nvGrpSpPr>
+        <p:grpSpPr>
+          <a:xfrm>
+            <a:off x="465523" y="1479230"/>
+            <a:ext cx="11180316" cy="1426484"/>
+            <a:chOff x="465523" y="1479230"/>
+            <a:chExt cx="11180316" cy="1426484"/>
           </a:xfrm>
         </p:grpSpPr>
         <p:pic>
           <p:nvPicPr>
-            <p:cNvPr id="5" name="図 4"/>
-            <p:cNvPicPr>
-              <a:picLocks noChangeAspect="1"/>
-            </p:cNvPicPr>
-            <p:nvPr/>
-          </p:nvPicPr>
-          <p:blipFill>
-            <a:blip r:embed="rId4">
-              <a:extLst>
-                <a:ext uri="{28A0092B-C50C-407E-A947-70E740481C1C}">
-                  <a14:useLocalDpi xmlns:a14="http://schemas.microsoft.com/office/drawing/2010/main" val="0"/>
-                </a:ext>
-              </a:extLst>
-            </a:blip>
-            <a:stretch>
-              <a:fillRect/>
-            </a:stretch>
-          </p:blipFill>
-          <p:spPr>
-            <a:xfrm>
-              <a:off x="2390567" y="3935242"/>
-              <a:ext cx="1265919" cy="1265919"/>
-            </a:xfrm>
-            <a:prstGeom prst="rect">
-              <a:avLst/>
-            </a:prstGeom>
-          </p:spPr>
-        </p:pic>
-        <p:pic>
-          <p:nvPicPr>
-            <p:cNvPr id="6" name="図 5"/>
-            <p:cNvPicPr>
-              <a:picLocks noChangeAspect="1"/>
-            </p:cNvPicPr>
-            <p:nvPr/>
-          </p:nvPicPr>
-          <p:blipFill>
-            <a:blip r:embed="rId5">
-              <a:extLst>
-                <a:ext uri="{28A0092B-C50C-407E-A947-70E740481C1C}">
-                  <a14:useLocalDpi xmlns:a14="http://schemas.microsoft.com/office/drawing/2010/main" val="0"/>
-                </a:ext>
-              </a:extLst>
-            </a:blip>
-            <a:stretch>
-              <a:fillRect/>
-            </a:stretch>
-          </p:blipFill>
-          <p:spPr>
-            <a:xfrm>
-              <a:off x="4153422" y="3935242"/>
-              <a:ext cx="1265919" cy="1265919"/>
-            </a:xfrm>
-            <a:prstGeom prst="rect">
-              <a:avLst/>
-            </a:prstGeom>
-          </p:spPr>
-        </p:pic>
-        <p:pic>
-          <p:nvPicPr>
-            <p:cNvPr id="7" name="図 6"/>
+            <p:cNvPr id="14" name="図 13"/>
             <p:cNvPicPr>
               <a:picLocks noChangeAspect="1"/>
             </p:cNvPicPr>
@@ -6323,9 +7084,9 @@
             </a:stretch>
           </p:blipFill>
           <p:spPr>
-            <a:xfrm>
-              <a:off x="7679132" y="3935242"/>
-              <a:ext cx="1265919" cy="1265919"/>
+            <a:xfrm rot="20937945">
+              <a:off x="465523" y="1479230"/>
+              <a:ext cx="821024" cy="821024"/>
             </a:xfrm>
             <a:prstGeom prst="rect">
               <a:avLst/>
@@ -6334,7 +7095,7 @@
         </p:pic>
         <p:pic>
           <p:nvPicPr>
-            <p:cNvPr id="8" name="図 7"/>
+            <p:cNvPr id="15" name="図 14"/>
             <p:cNvPicPr>
               <a:picLocks noChangeAspect="1"/>
             </p:cNvPicPr>
@@ -6353,9 +7114,69 @@
             </a:stretch>
           </p:blipFill>
           <p:spPr>
-            <a:xfrm>
-              <a:off x="5916277" y="3935242"/>
-              <a:ext cx="1265919" cy="1265919"/>
+            <a:xfrm rot="1322639">
+              <a:off x="1215220" y="2084690"/>
+              <a:ext cx="821024" cy="821024"/>
+            </a:xfrm>
+            <a:prstGeom prst="rect">
+              <a:avLst/>
+            </a:prstGeom>
+          </p:spPr>
+        </p:pic>
+        <p:pic>
+          <p:nvPicPr>
+            <p:cNvPr id="16" name="図 15"/>
+            <p:cNvPicPr>
+              <a:picLocks noChangeAspect="1"/>
+            </p:cNvPicPr>
+            <p:nvPr/>
+          </p:nvPicPr>
+          <p:blipFill>
+            <a:blip r:embed="rId8">
+              <a:extLst>
+                <a:ext uri="{28A0092B-C50C-407E-A947-70E740481C1C}">
+                  <a14:useLocalDpi xmlns:a14="http://schemas.microsoft.com/office/drawing/2010/main" val="0"/>
+                </a:ext>
+              </a:extLst>
+            </a:blip>
+            <a:stretch>
+              <a:fillRect/>
+            </a:stretch>
+          </p:blipFill>
+          <p:spPr>
+            <a:xfrm rot="12380188">
+              <a:off x="10824929" y="1479287"/>
+              <a:ext cx="820910" cy="820910"/>
+            </a:xfrm>
+            <a:prstGeom prst="rect">
+              <a:avLst/>
+            </a:prstGeom>
+          </p:spPr>
+        </p:pic>
+        <p:pic>
+          <p:nvPicPr>
+            <p:cNvPr id="17" name="図 16"/>
+            <p:cNvPicPr>
+              <a:picLocks noChangeAspect="1"/>
+            </p:cNvPicPr>
+            <p:nvPr/>
+          </p:nvPicPr>
+          <p:blipFill>
+            <a:blip r:embed="rId9">
+              <a:extLst>
+                <a:ext uri="{28A0092B-C50C-407E-A947-70E740481C1C}">
+                  <a14:useLocalDpi xmlns:a14="http://schemas.microsoft.com/office/drawing/2010/main" val="0"/>
+                </a:ext>
+              </a:extLst>
+            </a:blip>
+            <a:stretch>
+              <a:fillRect/>
+            </a:stretch>
+          </p:blipFill>
+          <p:spPr>
+            <a:xfrm rot="20228239">
+              <a:off x="10086938" y="2081641"/>
+              <a:ext cx="820910" cy="820910"/>
             </a:xfrm>
             <a:prstGeom prst="rect">
               <a:avLst/>
@@ -6366,7 +7187,7 @@
     </p:spTree>
     <p:extLst>
       <p:ext uri="{BB962C8B-B14F-4D97-AF65-F5344CB8AC3E}">
-        <p14:creationId xmlns:p14="http://schemas.microsoft.com/office/powerpoint/2010/main" val="4178130490"/>
+        <p14:creationId xmlns:p14="http://schemas.microsoft.com/office/powerpoint/2010/main" val="3396323606"/>
       </p:ext>
     </p:extLst>
   </p:cSld>
@@ -6376,7 +7197,7 @@
 </p:sld>
 </file>
 
-<file path=ppt/slides/slide3.xml><?xml version="1.0" encoding="utf-8"?>
+<file path=ppt/slides/slide4.xml><?xml version="1.0" encoding="utf-8"?>
 <p:sld xmlns:a="http://schemas.openxmlformats.org/drawingml/2006/main" xmlns:r="http://schemas.openxmlformats.org/officeDocument/2006/relationships" xmlns:p="http://schemas.openxmlformats.org/presentationml/2006/main">
   <p:cSld>
     <p:spTree>
@@ -6764,7 +7585,7 @@
 </p:sld>
 </file>
 
-<file path=ppt/slides/slide4.xml><?xml version="1.0" encoding="utf-8"?>
+<file path=ppt/slides/slide5.xml><?xml version="1.0" encoding="utf-8"?>
 <p:sld xmlns:a="http://schemas.openxmlformats.org/drawingml/2006/main" xmlns:r="http://schemas.openxmlformats.org/officeDocument/2006/relationships" xmlns:p="http://schemas.openxmlformats.org/presentationml/2006/main">
   <p:cSld>
     <p:spTree>
@@ -7152,7 +7973,7 @@
 </p:sld>
 </file>
 
-<file path=ppt/slides/slide5.xml><?xml version="1.0" encoding="utf-8"?>
+<file path=ppt/slides/slide6.xml><?xml version="1.0" encoding="utf-8"?>
 <p:sld xmlns:a="http://schemas.openxmlformats.org/drawingml/2006/main" xmlns:r="http://schemas.openxmlformats.org/officeDocument/2006/relationships" xmlns:p="http://schemas.openxmlformats.org/presentationml/2006/main">
   <p:cSld>
     <p:spTree>
@@ -7505,7 +8326,7 @@
 </p:sld>
 </file>
 
-<file path=ppt/slides/slide6.xml><?xml version="1.0" encoding="utf-8"?>
+<file path=ppt/slides/slide7.xml><?xml version="1.0" encoding="utf-8"?>
 <p:sld xmlns:a="http://schemas.openxmlformats.org/drawingml/2006/main" xmlns:r="http://schemas.openxmlformats.org/officeDocument/2006/relationships" xmlns:p="http://schemas.openxmlformats.org/presentationml/2006/main">
   <p:cSld>
     <p:spTree>

--- a/test_net/Assets/User/Shibatsuzi/image/Stage/Map/Ending.pptx
+++ b/test_net/Assets/User/Shibatsuzi/image/Stage/Map/Ending.pptx
@@ -6733,17 +6733,7 @@
                 <a:latin typeface="HG創英角ｺﾞｼｯｸUB" panose="020B0909000000000000" pitchFamily="49" charset="-128"/>
                 <a:ea typeface="HG創英角ｺﾞｼｯｸUB" panose="020B0909000000000000" pitchFamily="49" charset="-128"/>
               </a:rPr>
-              <a:t>下記のボタン</a:t>
-            </a:r>
-            <a:r>
-              <a:rPr lang="ja-JP" altLang="en-US" sz="3200" dirty="0" smtClean="0">
-                <a:solidFill>
-                  <a:schemeClr val="tx1"/>
-                </a:solidFill>
-                <a:latin typeface="HG創英角ｺﾞｼｯｸUB" panose="020B0909000000000000" pitchFamily="49" charset="-128"/>
-                <a:ea typeface="HG創英角ｺﾞｼｯｸUB" panose="020B0909000000000000" pitchFamily="49" charset="-128"/>
-              </a:rPr>
-              <a:t>長押しでタイトルに戻れます</a:t>
+              <a:t>下記のボタン長押しでタイトルに戻れます</a:t>
             </a:r>
             <a:endParaRPr lang="ja-JP" altLang="en-US" sz="3200" dirty="0">
               <a:solidFill>
